--- a/Meetings/2019.06.04-CommitteeMeeting.pptx
+++ b/Meetings/2019.06.04-CommitteeMeeting.pptx
@@ -5,7 +5,7 @@
     <p:sldMasterId id="2147483660" r:id="rId1"/>
   </p:sldMasterIdLst>
   <p:notesMasterIdLst>
-    <p:notesMasterId r:id="rId34"/>
+    <p:notesMasterId r:id="rId35"/>
   </p:notesMasterIdLst>
   <p:sldIdLst>
     <p:sldId id="269" r:id="rId2"/>
@@ -20,26 +20,27 @@
     <p:sldId id="265" r:id="rId11"/>
     <p:sldId id="275" r:id="rId12"/>
     <p:sldId id="272" r:id="rId13"/>
-    <p:sldId id="281" r:id="rId14"/>
-    <p:sldId id="283" r:id="rId15"/>
-    <p:sldId id="282" r:id="rId16"/>
-    <p:sldId id="284" r:id="rId17"/>
-    <p:sldId id="286" r:id="rId18"/>
-    <p:sldId id="276" r:id="rId19"/>
-    <p:sldId id="287" r:id="rId20"/>
-    <p:sldId id="288" r:id="rId21"/>
-    <p:sldId id="293" r:id="rId22"/>
-    <p:sldId id="289" r:id="rId23"/>
-    <p:sldId id="290" r:id="rId24"/>
-    <p:sldId id="291" r:id="rId25"/>
-    <p:sldId id="292" r:id="rId26"/>
-    <p:sldId id="294" r:id="rId27"/>
-    <p:sldId id="295" r:id="rId28"/>
-    <p:sldId id="279" r:id="rId29"/>
-    <p:sldId id="277" r:id="rId30"/>
-    <p:sldId id="278" r:id="rId31"/>
-    <p:sldId id="280" r:id="rId32"/>
-    <p:sldId id="297" r:id="rId33"/>
+    <p:sldId id="298" r:id="rId14"/>
+    <p:sldId id="281" r:id="rId15"/>
+    <p:sldId id="283" r:id="rId16"/>
+    <p:sldId id="282" r:id="rId17"/>
+    <p:sldId id="284" r:id="rId18"/>
+    <p:sldId id="286" r:id="rId19"/>
+    <p:sldId id="276" r:id="rId20"/>
+    <p:sldId id="287" r:id="rId21"/>
+    <p:sldId id="288" r:id="rId22"/>
+    <p:sldId id="293" r:id="rId23"/>
+    <p:sldId id="289" r:id="rId24"/>
+    <p:sldId id="290" r:id="rId25"/>
+    <p:sldId id="291" r:id="rId26"/>
+    <p:sldId id="292" r:id="rId27"/>
+    <p:sldId id="294" r:id="rId28"/>
+    <p:sldId id="295" r:id="rId29"/>
+    <p:sldId id="279" r:id="rId30"/>
+    <p:sldId id="277" r:id="rId31"/>
+    <p:sldId id="278" r:id="rId32"/>
+    <p:sldId id="280" r:id="rId33"/>
+    <p:sldId id="297" r:id="rId34"/>
   </p:sldIdLst>
   <p:sldSz cx="9144000" cy="6858000" type="screen4x3"/>
   <p:notesSz cx="7010400" cy="9296400"/>
@@ -140,7 +141,7 @@
   </p:defaultTextStyle>
   <p:extLst>
     <p:ext uri="{EFAFB233-063F-42B5-8137-9DF3F51BA10A}">
-      <p15:sldGuideLst xmlns="" xmlns:p15="http://schemas.microsoft.com/office/powerpoint/2012/main">
+      <p15:sldGuideLst xmlns:p15="http://schemas.microsoft.com/office/powerpoint/2012/main">
         <p15:guide id="1" orient="horz" pos="2160">
           <p15:clr>
             <a:srgbClr val="A4A3A4"/>
@@ -239,7 +240,7 @@
           <a:p>
             <a:fld id="{F4441845-50B6-45FE-AF8F-9F286F9BE4A8}" type="datetimeFigureOut">
               <a:rPr lang="en-CA" smtClean="0"/>
-              <a:t>19-05-30</a:t>
+              <a:t>2019-05-31</a:t>
             </a:fld>
             <a:endParaRPr lang="en-CA"/>
           </a:p>
@@ -1334,7 +1335,7 @@
           <a:p>
             <a:fld id="{2B2789B2-826E-41BD-B1F7-A734C17E5E7B}" type="slidenum">
               <a:rPr lang="en-CA" smtClean="0"/>
-              <a:t>26</a:t>
+              <a:t>27</a:t>
             </a:fld>
             <a:endParaRPr lang="en-CA"/>
           </a:p>
@@ -1462,7 +1463,7 @@
           <a:p>
             <a:fld id="{2B2789B2-826E-41BD-B1F7-A734C17E5E7B}" type="slidenum">
               <a:rPr lang="en-CA" smtClean="0"/>
-              <a:t>28</a:t>
+              <a:t>29</a:t>
             </a:fld>
             <a:endParaRPr lang="en-CA"/>
           </a:p>
@@ -1612,7 +1613,7 @@
           <a:p>
             <a:fld id="{C4FA8CDB-8DD7-4860-AB92-9053B68FDE61}" type="datetimeFigureOut">
               <a:rPr lang="en-CA" smtClean="0"/>
-              <a:t>19-05-30</a:t>
+              <a:t>2019-05-31</a:t>
             </a:fld>
             <a:endParaRPr lang="en-CA"/>
           </a:p>
@@ -1782,7 +1783,7 @@
           <a:p>
             <a:fld id="{C4FA8CDB-8DD7-4860-AB92-9053B68FDE61}" type="datetimeFigureOut">
               <a:rPr lang="en-CA" smtClean="0"/>
-              <a:t>19-05-30</a:t>
+              <a:t>2019-05-31</a:t>
             </a:fld>
             <a:endParaRPr lang="en-CA"/>
           </a:p>
@@ -1962,7 +1963,7 @@
           <a:p>
             <a:fld id="{C4FA8CDB-8DD7-4860-AB92-9053B68FDE61}" type="datetimeFigureOut">
               <a:rPr lang="en-CA" smtClean="0"/>
-              <a:t>19-05-30</a:t>
+              <a:t>2019-05-31</a:t>
             </a:fld>
             <a:endParaRPr lang="en-CA"/>
           </a:p>
@@ -2132,7 +2133,7 @@
           <a:p>
             <a:fld id="{C4FA8CDB-8DD7-4860-AB92-9053B68FDE61}" type="datetimeFigureOut">
               <a:rPr lang="en-CA" smtClean="0"/>
-              <a:t>19-05-30</a:t>
+              <a:t>2019-05-31</a:t>
             </a:fld>
             <a:endParaRPr lang="en-CA"/>
           </a:p>
@@ -2376,7 +2377,7 @@
           <a:p>
             <a:fld id="{C4FA8CDB-8DD7-4860-AB92-9053B68FDE61}" type="datetimeFigureOut">
               <a:rPr lang="en-CA" smtClean="0"/>
-              <a:t>19-05-30</a:t>
+              <a:t>2019-05-31</a:t>
             </a:fld>
             <a:endParaRPr lang="en-CA"/>
           </a:p>
@@ -2608,7 +2609,7 @@
           <a:p>
             <a:fld id="{C4FA8CDB-8DD7-4860-AB92-9053B68FDE61}" type="datetimeFigureOut">
               <a:rPr lang="en-CA" smtClean="0"/>
-              <a:t>19-05-30</a:t>
+              <a:t>2019-05-31</a:t>
             </a:fld>
             <a:endParaRPr lang="en-CA"/>
           </a:p>
@@ -2975,7 +2976,7 @@
           <a:p>
             <a:fld id="{C4FA8CDB-8DD7-4860-AB92-9053B68FDE61}" type="datetimeFigureOut">
               <a:rPr lang="en-CA" smtClean="0"/>
-              <a:t>19-05-30</a:t>
+              <a:t>2019-05-31</a:t>
             </a:fld>
             <a:endParaRPr lang="en-CA"/>
           </a:p>
@@ -3093,7 +3094,7 @@
           <a:p>
             <a:fld id="{C4FA8CDB-8DD7-4860-AB92-9053B68FDE61}" type="datetimeFigureOut">
               <a:rPr lang="en-CA" smtClean="0"/>
-              <a:t>19-05-30</a:t>
+              <a:t>2019-05-31</a:t>
             </a:fld>
             <a:endParaRPr lang="en-CA"/>
           </a:p>
@@ -3188,7 +3189,7 @@
           <a:p>
             <a:fld id="{C4FA8CDB-8DD7-4860-AB92-9053B68FDE61}" type="datetimeFigureOut">
               <a:rPr lang="en-CA" smtClean="0"/>
-              <a:t>19-05-30</a:t>
+              <a:t>2019-05-31</a:t>
             </a:fld>
             <a:endParaRPr lang="en-CA"/>
           </a:p>
@@ -3465,7 +3466,7 @@
           <a:p>
             <a:fld id="{C4FA8CDB-8DD7-4860-AB92-9053B68FDE61}" type="datetimeFigureOut">
               <a:rPr lang="en-CA" smtClean="0"/>
-              <a:t>19-05-30</a:t>
+              <a:t>2019-05-31</a:t>
             </a:fld>
             <a:endParaRPr lang="en-CA"/>
           </a:p>
@@ -3722,7 +3723,7 @@
           <a:p>
             <a:fld id="{C4FA8CDB-8DD7-4860-AB92-9053B68FDE61}" type="datetimeFigureOut">
               <a:rPr lang="en-CA" smtClean="0"/>
-              <a:t>19-05-30</a:t>
+              <a:t>2019-05-31</a:t>
             </a:fld>
             <a:endParaRPr lang="en-CA"/>
           </a:p>
@@ -3935,7 +3936,7 @@
           <a:p>
             <a:fld id="{C4FA8CDB-8DD7-4860-AB92-9053B68FDE61}" type="datetimeFigureOut">
               <a:rPr lang="en-CA" smtClean="0"/>
-              <a:t>19-05-30</a:t>
+              <a:t>2019-05-31</a:t>
             </a:fld>
             <a:endParaRPr lang="en-CA"/>
           </a:p>
@@ -4399,7 +4400,7 @@
   <p:timing>
     <p:tnLst>
       <p:par>
-        <p:cTn xmlns:p14="http://schemas.microsoft.com/office/powerpoint/2010/main" id="1" dur="indefinite" restart="never" nodeType="tmRoot"/>
+        <p:cTn id="1" dur="indefinite" restart="never" nodeType="tmRoot"/>
       </p:par>
     </p:tnLst>
   </p:timing>
@@ -4712,18 +4713,18 @@
   <p:clrMapOvr>
     <a:masterClrMapping/>
   </p:clrMapOvr>
-  <mc:AlternateContent xmlns:mc="http://schemas.openxmlformats.org/markup-compatibility/2006">
-    <mc:Choice xmlns:p14="http://schemas.microsoft.com/office/powerpoint/2010/main" Requires="p14">
+  <mc:AlternateContent xmlns:mc="http://schemas.openxmlformats.org/markup-compatibility/2006" xmlns:p14="http://schemas.microsoft.com/office/powerpoint/2010/main">
+    <mc:Choice Requires="p14">
       <p:transition spd="slow" p14:dur="2000"/>
     </mc:Choice>
-    <mc:Fallback>
+    <mc:Fallback xmlns="">
       <p:transition xmlns:p14="http://schemas.microsoft.com/office/powerpoint/2010/main" spd="slow"/>
     </mc:Fallback>
   </mc:AlternateContent>
   <p:timing>
     <p:tnLst>
       <p:par>
-        <p:cTn xmlns:p14="http://schemas.microsoft.com/office/powerpoint/2010/main" id="1" dur="indefinite" restart="never" nodeType="tmRoot"/>
+        <p:cTn id="1" dur="indefinite" restart="never" nodeType="tmRoot"/>
       </p:par>
     </p:tnLst>
   </p:timing>
@@ -4870,7 +4871,7 @@
   <p:timing>
     <p:tnLst>
       <p:par>
-        <p:cTn xmlns:p14="http://schemas.microsoft.com/office/powerpoint/2010/main" id="1" dur="indefinite" restart="never" nodeType="tmRoot"/>
+        <p:cTn id="1" dur="indefinite" restart="never" nodeType="tmRoot"/>
       </p:par>
     </p:tnLst>
   </p:timing>
@@ -4935,7 +4936,7 @@
         </p:spPr>
         <p:txBody>
           <a:bodyPr>
-            <a:normAutofit fontScale="92500" lnSpcReduction="10000"/>
+            <a:normAutofit/>
           </a:bodyPr>
           <a:lstStyle/>
           <a:p>
@@ -4947,9 +4948,14 @@
           <a:p>
             <a:pPr lvl="1"/>
             <a:r>
-              <a:rPr lang="en-CA" dirty="0" smtClean="0"/>
-              <a:t>F test: No significant voxels/clusters</a:t>
-            </a:r>
+              <a:rPr lang="en-US" dirty="0" err="1" smtClean="0"/>
+              <a:t>n.s</a:t>
+            </a:r>
+            <a:r>
+              <a:rPr lang="en-US" dirty="0" smtClean="0"/>
+              <a:t>.</a:t>
+            </a:r>
+            <a:endParaRPr lang="en-CA" dirty="0" smtClean="0"/>
           </a:p>
           <a:p>
             <a:r>
@@ -4960,65 +4966,45 @@
           <a:p>
             <a:pPr lvl="1"/>
             <a:r>
+              <a:rPr lang="en-US" dirty="0" err="1" smtClean="0"/>
+              <a:t>n.s</a:t>
+            </a:r>
+            <a:r>
               <a:rPr lang="en-CA" dirty="0" smtClean="0"/>
-              <a:t>F test: No significant voxels/clusters</a:t>
+              <a:t>.</a:t>
+            </a:r>
+            <a:endParaRPr lang="en-CA" dirty="0" smtClean="0"/>
+          </a:p>
+          <a:p>
+            <a:r>
+              <a:rPr lang="en-CA" dirty="0"/>
+              <a:t>Effect of Familiarity</a:t>
+            </a:r>
+            <a:r>
+              <a:rPr lang="en-CA" dirty="0" smtClean="0"/>
+              <a:t>?</a:t>
             </a:r>
           </a:p>
           <a:p>
             <a:pPr lvl="1"/>
             <a:r>
+              <a:rPr lang="en-US" dirty="0" err="1"/>
+              <a:t>n.s</a:t>
+            </a:r>
+            <a:r>
+              <a:rPr lang="en-US" dirty="0"/>
+              <a:t>.</a:t>
+            </a:r>
+            <a:endParaRPr lang="en-CA" dirty="0"/>
+          </a:p>
+          <a:p>
+            <a:r>
               <a:rPr lang="en-CA" dirty="0" smtClean="0"/>
-              <a:t>T test S1&gt;S2 and S2&gt;S1: </a:t>
-            </a:r>
-            <a:r>
-              <a:rPr lang="en-CA" dirty="0"/>
-              <a:t>No significant voxels/</a:t>
+              <a:t>Effect </a:t>
             </a:r>
             <a:r>
               <a:rPr lang="en-CA" dirty="0" smtClean="0"/>
-              <a:t>clusters</a:t>
-            </a:r>
-          </a:p>
-          <a:p>
-            <a:r>
-              <a:rPr lang="en-CA" dirty="0"/>
-              <a:t>Effect of Familiarity?</a:t>
-            </a:r>
-          </a:p>
-          <a:p>
-            <a:pPr lvl="1"/>
-            <a:r>
-              <a:rPr lang="en-CA" dirty="0"/>
-              <a:t>F test: No significant voxels/</a:t>
-            </a:r>
-            <a:r>
-              <a:rPr lang="en-CA" dirty="0" smtClean="0"/>
-              <a:t>clusters</a:t>
-            </a:r>
-          </a:p>
-          <a:p>
-            <a:pPr lvl="1"/>
-            <a:r>
-              <a:rPr lang="en-CA" dirty="0"/>
-              <a:t>T test </a:t>
-            </a:r>
-            <a:r>
-              <a:rPr lang="en-CA" dirty="0" smtClean="0"/>
-              <a:t>L &gt; UL and UL &gt; L: </a:t>
-            </a:r>
-            <a:r>
-              <a:rPr lang="en-CA" dirty="0"/>
-              <a:t>No significant voxels/</a:t>
-            </a:r>
-            <a:r>
-              <a:rPr lang="en-CA" dirty="0" smtClean="0"/>
-              <a:t>clusters</a:t>
-            </a:r>
-          </a:p>
-          <a:p>
-            <a:r>
-              <a:rPr lang="en-CA" dirty="0" smtClean="0"/>
-              <a:t>Effect of stimulus type?</a:t>
+              <a:t>of stimulus type?</a:t>
             </a:r>
           </a:p>
           <a:p>
@@ -5101,7 +5087,678 @@
   <p:timing>
     <p:tnLst>
       <p:par>
-        <p:cTn xmlns:p14="http://schemas.microsoft.com/office/powerpoint/2010/main" id="1" dur="indefinite" restart="never" nodeType="tmRoot">
+        <p:cTn id="1" dur="indefinite" restart="never" nodeType="tmRoot">
+          <p:childTnLst>
+            <p:seq concurrent="1" nextAc="seek">
+              <p:cTn id="2" dur="indefinite" nodeType="mainSeq">
+                <p:childTnLst>
+                  <p:par>
+                    <p:cTn id="3" fill="hold">
+                      <p:stCondLst>
+                        <p:cond delay="indefinite"/>
+                      </p:stCondLst>
+                      <p:childTnLst>
+                        <p:par>
+                          <p:cTn id="4" fill="hold">
+                            <p:stCondLst>
+                              <p:cond delay="0"/>
+                            </p:stCondLst>
+                            <p:childTnLst>
+                              <p:par>
+                                <p:cTn id="5" presetID="1" presetClass="entr" presetSubtype="0" fill="hold" nodeType="clickEffect">
+                                  <p:stCondLst>
+                                    <p:cond delay="0"/>
+                                  </p:stCondLst>
+                                  <p:childTnLst>
+                                    <p:set>
+                                      <p:cBhvr>
+                                        <p:cTn id="6" dur="1" fill="hold">
+                                          <p:stCondLst>
+                                            <p:cond delay="0"/>
+                                          </p:stCondLst>
+                                        </p:cTn>
+                                        <p:tgtEl>
+                                          <p:spTgt spid="3">
+                                            <p:txEl>
+                                              <p:pRg st="0" end="0"/>
+                                            </p:txEl>
+                                          </p:spTgt>
+                                        </p:tgtEl>
+                                        <p:attrNameLst>
+                                          <p:attrName>style.visibility</p:attrName>
+                                        </p:attrNameLst>
+                                      </p:cBhvr>
+                                      <p:to>
+                                        <p:strVal val="visible"/>
+                                      </p:to>
+                                    </p:set>
+                                  </p:childTnLst>
+                                </p:cTn>
+                              </p:par>
+                              <p:par>
+                                <p:cTn id="7" presetID="1" presetClass="entr" presetSubtype="0" fill="hold" nodeType="withEffect">
+                                  <p:stCondLst>
+                                    <p:cond delay="0"/>
+                                  </p:stCondLst>
+                                  <p:childTnLst>
+                                    <p:set>
+                                      <p:cBhvr>
+                                        <p:cTn id="8" dur="1" fill="hold">
+                                          <p:stCondLst>
+                                            <p:cond delay="0"/>
+                                          </p:stCondLst>
+                                        </p:cTn>
+                                        <p:tgtEl>
+                                          <p:spTgt spid="3">
+                                            <p:txEl>
+                                              <p:pRg st="1" end="1"/>
+                                            </p:txEl>
+                                          </p:spTgt>
+                                        </p:tgtEl>
+                                        <p:attrNameLst>
+                                          <p:attrName>style.visibility</p:attrName>
+                                        </p:attrNameLst>
+                                      </p:cBhvr>
+                                      <p:to>
+                                        <p:strVal val="visible"/>
+                                      </p:to>
+                                    </p:set>
+                                  </p:childTnLst>
+                                </p:cTn>
+                              </p:par>
+                            </p:childTnLst>
+                          </p:cTn>
+                        </p:par>
+                      </p:childTnLst>
+                    </p:cTn>
+                  </p:par>
+                  <p:par>
+                    <p:cTn id="9" fill="hold">
+                      <p:stCondLst>
+                        <p:cond delay="indefinite"/>
+                      </p:stCondLst>
+                      <p:childTnLst>
+                        <p:par>
+                          <p:cTn id="10" fill="hold">
+                            <p:stCondLst>
+                              <p:cond delay="0"/>
+                            </p:stCondLst>
+                            <p:childTnLst>
+                              <p:par>
+                                <p:cTn id="11" presetID="1" presetClass="entr" presetSubtype="0" fill="hold" nodeType="clickEffect">
+                                  <p:stCondLst>
+                                    <p:cond delay="0"/>
+                                  </p:stCondLst>
+                                  <p:childTnLst>
+                                    <p:set>
+                                      <p:cBhvr>
+                                        <p:cTn id="12" dur="1" fill="hold">
+                                          <p:stCondLst>
+                                            <p:cond delay="0"/>
+                                          </p:stCondLst>
+                                        </p:cTn>
+                                        <p:tgtEl>
+                                          <p:spTgt spid="3">
+                                            <p:txEl>
+                                              <p:pRg st="2" end="2"/>
+                                            </p:txEl>
+                                          </p:spTgt>
+                                        </p:tgtEl>
+                                        <p:attrNameLst>
+                                          <p:attrName>style.visibility</p:attrName>
+                                        </p:attrNameLst>
+                                      </p:cBhvr>
+                                      <p:to>
+                                        <p:strVal val="visible"/>
+                                      </p:to>
+                                    </p:set>
+                                  </p:childTnLst>
+                                </p:cTn>
+                              </p:par>
+                              <p:par>
+                                <p:cTn id="13" presetID="1" presetClass="entr" presetSubtype="0" fill="hold" nodeType="withEffect">
+                                  <p:stCondLst>
+                                    <p:cond delay="0"/>
+                                  </p:stCondLst>
+                                  <p:childTnLst>
+                                    <p:set>
+                                      <p:cBhvr>
+                                        <p:cTn id="14" dur="1" fill="hold">
+                                          <p:stCondLst>
+                                            <p:cond delay="0"/>
+                                          </p:stCondLst>
+                                        </p:cTn>
+                                        <p:tgtEl>
+                                          <p:spTgt spid="3">
+                                            <p:txEl>
+                                              <p:pRg st="3" end="3"/>
+                                            </p:txEl>
+                                          </p:spTgt>
+                                        </p:tgtEl>
+                                        <p:attrNameLst>
+                                          <p:attrName>style.visibility</p:attrName>
+                                        </p:attrNameLst>
+                                      </p:cBhvr>
+                                      <p:to>
+                                        <p:strVal val="visible"/>
+                                      </p:to>
+                                    </p:set>
+                                  </p:childTnLst>
+                                </p:cTn>
+                              </p:par>
+                            </p:childTnLst>
+                          </p:cTn>
+                        </p:par>
+                      </p:childTnLst>
+                    </p:cTn>
+                  </p:par>
+                  <p:par>
+                    <p:cTn id="15" fill="hold">
+                      <p:stCondLst>
+                        <p:cond delay="indefinite"/>
+                      </p:stCondLst>
+                      <p:childTnLst>
+                        <p:par>
+                          <p:cTn id="16" fill="hold">
+                            <p:stCondLst>
+                              <p:cond delay="0"/>
+                            </p:stCondLst>
+                            <p:childTnLst>
+                              <p:par>
+                                <p:cTn id="17" presetID="1" presetClass="entr" presetSubtype="0" fill="hold" nodeType="clickEffect">
+                                  <p:stCondLst>
+                                    <p:cond delay="0"/>
+                                  </p:stCondLst>
+                                  <p:childTnLst>
+                                    <p:set>
+                                      <p:cBhvr>
+                                        <p:cTn id="18" dur="1" fill="hold">
+                                          <p:stCondLst>
+                                            <p:cond delay="0"/>
+                                          </p:stCondLst>
+                                        </p:cTn>
+                                        <p:tgtEl>
+                                          <p:spTgt spid="3">
+                                            <p:txEl>
+                                              <p:pRg st="4" end="4"/>
+                                            </p:txEl>
+                                          </p:spTgt>
+                                        </p:tgtEl>
+                                        <p:attrNameLst>
+                                          <p:attrName>style.visibility</p:attrName>
+                                        </p:attrNameLst>
+                                      </p:cBhvr>
+                                      <p:to>
+                                        <p:strVal val="visible"/>
+                                      </p:to>
+                                    </p:set>
+                                  </p:childTnLst>
+                                </p:cTn>
+                              </p:par>
+                              <p:par>
+                                <p:cTn id="19" presetID="1" presetClass="entr" presetSubtype="0" fill="hold" nodeType="withEffect">
+                                  <p:stCondLst>
+                                    <p:cond delay="0"/>
+                                  </p:stCondLst>
+                                  <p:childTnLst>
+                                    <p:set>
+                                      <p:cBhvr>
+                                        <p:cTn id="20" dur="1" fill="hold">
+                                          <p:stCondLst>
+                                            <p:cond delay="0"/>
+                                          </p:stCondLst>
+                                        </p:cTn>
+                                        <p:tgtEl>
+                                          <p:spTgt spid="3">
+                                            <p:txEl>
+                                              <p:pRg st="5" end="5"/>
+                                            </p:txEl>
+                                          </p:spTgt>
+                                        </p:tgtEl>
+                                        <p:attrNameLst>
+                                          <p:attrName>style.visibility</p:attrName>
+                                        </p:attrNameLst>
+                                      </p:cBhvr>
+                                      <p:to>
+                                        <p:strVal val="visible"/>
+                                      </p:to>
+                                    </p:set>
+                                  </p:childTnLst>
+                                </p:cTn>
+                              </p:par>
+                            </p:childTnLst>
+                          </p:cTn>
+                        </p:par>
+                      </p:childTnLst>
+                    </p:cTn>
+                  </p:par>
+                  <p:par>
+                    <p:cTn id="21" fill="hold">
+                      <p:stCondLst>
+                        <p:cond delay="indefinite"/>
+                      </p:stCondLst>
+                      <p:childTnLst>
+                        <p:par>
+                          <p:cTn id="22" fill="hold">
+                            <p:stCondLst>
+                              <p:cond delay="0"/>
+                            </p:stCondLst>
+                            <p:childTnLst>
+                              <p:par>
+                                <p:cTn id="23" presetID="1" presetClass="entr" presetSubtype="0" fill="hold" nodeType="clickEffect">
+                                  <p:stCondLst>
+                                    <p:cond delay="0"/>
+                                  </p:stCondLst>
+                                  <p:childTnLst>
+                                    <p:set>
+                                      <p:cBhvr>
+                                        <p:cTn id="24" dur="1" fill="hold">
+                                          <p:stCondLst>
+                                            <p:cond delay="0"/>
+                                          </p:stCondLst>
+                                        </p:cTn>
+                                        <p:tgtEl>
+                                          <p:spTgt spid="3">
+                                            <p:txEl>
+                                              <p:pRg st="6" end="6"/>
+                                            </p:txEl>
+                                          </p:spTgt>
+                                        </p:tgtEl>
+                                        <p:attrNameLst>
+                                          <p:attrName>style.visibility</p:attrName>
+                                        </p:attrNameLst>
+                                      </p:cBhvr>
+                                      <p:to>
+                                        <p:strVal val="visible"/>
+                                      </p:to>
+                                    </p:set>
+                                  </p:childTnLst>
+                                </p:cTn>
+                              </p:par>
+                              <p:par>
+                                <p:cTn id="25" presetID="1" presetClass="entr" presetSubtype="0" fill="hold" nodeType="withEffect">
+                                  <p:stCondLst>
+                                    <p:cond delay="0"/>
+                                  </p:stCondLst>
+                                  <p:childTnLst>
+                                    <p:set>
+                                      <p:cBhvr>
+                                        <p:cTn id="26" dur="1" fill="hold">
+                                          <p:stCondLst>
+                                            <p:cond delay="0"/>
+                                          </p:stCondLst>
+                                        </p:cTn>
+                                        <p:tgtEl>
+                                          <p:spTgt spid="3">
+                                            <p:txEl>
+                                              <p:pRg st="7" end="7"/>
+                                            </p:txEl>
+                                          </p:spTgt>
+                                        </p:tgtEl>
+                                        <p:attrNameLst>
+                                          <p:attrName>style.visibility</p:attrName>
+                                        </p:attrNameLst>
+                                      </p:cBhvr>
+                                      <p:to>
+                                        <p:strVal val="visible"/>
+                                      </p:to>
+                                    </p:set>
+                                  </p:childTnLst>
+                                </p:cTn>
+                              </p:par>
+                              <p:par>
+                                <p:cTn id="27" presetID="1" presetClass="entr" presetSubtype="0" fill="hold" nodeType="withEffect">
+                                  <p:stCondLst>
+                                    <p:cond delay="0"/>
+                                  </p:stCondLst>
+                                  <p:childTnLst>
+                                    <p:set>
+                                      <p:cBhvr>
+                                        <p:cTn id="28" dur="1" fill="hold">
+                                          <p:stCondLst>
+                                            <p:cond delay="0"/>
+                                          </p:stCondLst>
+                                        </p:cTn>
+                                        <p:tgtEl>
+                                          <p:spTgt spid="3">
+                                            <p:txEl>
+                                              <p:pRg st="8" end="8"/>
+                                            </p:txEl>
+                                          </p:spTgt>
+                                        </p:tgtEl>
+                                        <p:attrNameLst>
+                                          <p:attrName>style.visibility</p:attrName>
+                                        </p:attrNameLst>
+                                      </p:cBhvr>
+                                      <p:to>
+                                        <p:strVal val="visible"/>
+                                      </p:to>
+                                    </p:set>
+                                  </p:childTnLst>
+                                </p:cTn>
+                              </p:par>
+                              <p:par>
+                                <p:cTn id="29" presetID="1" presetClass="entr" presetSubtype="0" fill="hold" nodeType="withEffect">
+                                  <p:stCondLst>
+                                    <p:cond delay="0"/>
+                                  </p:stCondLst>
+                                  <p:childTnLst>
+                                    <p:set>
+                                      <p:cBhvr>
+                                        <p:cTn id="30" dur="1" fill="hold">
+                                          <p:stCondLst>
+                                            <p:cond delay="0"/>
+                                          </p:stCondLst>
+                                        </p:cTn>
+                                        <p:tgtEl>
+                                          <p:spTgt spid="3">
+                                            <p:txEl>
+                                              <p:pRg st="9" end="9"/>
+                                            </p:txEl>
+                                          </p:spTgt>
+                                        </p:tgtEl>
+                                        <p:attrNameLst>
+                                          <p:attrName>style.visibility</p:attrName>
+                                        </p:attrNameLst>
+                                      </p:cBhvr>
+                                      <p:to>
+                                        <p:strVal val="visible"/>
+                                      </p:to>
+                                    </p:set>
+                                  </p:childTnLst>
+                                </p:cTn>
+                              </p:par>
+                              <p:par>
+                                <p:cTn id="31" presetID="1" presetClass="entr" presetSubtype="0" fill="hold" nodeType="withEffect">
+                                  <p:stCondLst>
+                                    <p:cond delay="0"/>
+                                  </p:stCondLst>
+                                  <p:childTnLst>
+                                    <p:set>
+                                      <p:cBhvr>
+                                        <p:cTn id="32" dur="1" fill="hold">
+                                          <p:stCondLst>
+                                            <p:cond delay="0"/>
+                                          </p:stCondLst>
+                                        </p:cTn>
+                                        <p:tgtEl>
+                                          <p:spTgt spid="4"/>
+                                        </p:tgtEl>
+                                        <p:attrNameLst>
+                                          <p:attrName>style.visibility</p:attrName>
+                                        </p:attrNameLst>
+                                      </p:cBhvr>
+                                      <p:to>
+                                        <p:strVal val="visible"/>
+                                      </p:to>
+                                    </p:set>
+                                  </p:childTnLst>
+                                </p:cTn>
+                              </p:par>
+                            </p:childTnLst>
+                          </p:cTn>
+                        </p:par>
+                      </p:childTnLst>
+                    </p:cTn>
+                  </p:par>
+                </p:childTnLst>
+              </p:cTn>
+              <p:prevCondLst>
+                <p:cond evt="onPrev" delay="0">
+                  <p:tgtEl>
+                    <p:sldTgt/>
+                  </p:tgtEl>
+                </p:cond>
+              </p:prevCondLst>
+              <p:nextCondLst>
+                <p:cond evt="onNext" delay="0">
+                  <p:tgtEl>
+                    <p:sldTgt/>
+                  </p:tgtEl>
+                </p:cond>
+              </p:nextCondLst>
+            </p:seq>
+          </p:childTnLst>
+        </p:cTn>
+      </p:par>
+    </p:tnLst>
+  </p:timing>
+</p:sld>
+</file>
+
+<file path=ppt/slides/slide13.xml><?xml version="1.0" encoding="utf-8"?>
+<p:sld xmlns:a="http://schemas.openxmlformats.org/drawingml/2006/main" xmlns:r="http://schemas.openxmlformats.org/officeDocument/2006/relationships" xmlns:p="http://schemas.openxmlformats.org/presentationml/2006/main" show="0">
+  <p:cSld>
+    <p:spTree>
+      <p:nvGrpSpPr>
+        <p:cNvPr id="1" name=""/>
+        <p:cNvGrpSpPr/>
+        <p:nvPr/>
+      </p:nvGrpSpPr>
+      <p:grpSpPr>
+        <a:xfrm>
+          <a:off x="0" y="0"/>
+          <a:ext cx="0" cy="0"/>
+          <a:chOff x="0" y="0"/>
+          <a:chExt cx="0" cy="0"/>
+        </a:xfrm>
+      </p:grpSpPr>
+      <p:sp>
+        <p:nvSpPr>
+          <p:cNvPr id="2" name="Title 1"/>
+          <p:cNvSpPr>
+            <a:spLocks noGrp="1"/>
+          </p:cNvSpPr>
+          <p:nvPr>
+            <p:ph type="title"/>
+          </p:nvPr>
+        </p:nvSpPr>
+        <p:spPr/>
+        <p:txBody>
+          <a:bodyPr/>
+          <a:lstStyle/>
+          <a:p>
+            <a:r>
+              <a:rPr lang="en-CA" dirty="0" smtClean="0"/>
+              <a:t>Young Adult BOLD Data</a:t>
+            </a:r>
+            <a:endParaRPr lang="en-CA" dirty="0"/>
+          </a:p>
+        </p:txBody>
+      </p:sp>
+      <p:sp>
+        <p:nvSpPr>
+          <p:cNvPr id="3" name="Content Placeholder 2"/>
+          <p:cNvSpPr>
+            <a:spLocks noGrp="1"/>
+          </p:cNvSpPr>
+          <p:nvPr>
+            <p:ph idx="1"/>
+          </p:nvPr>
+        </p:nvSpPr>
+        <p:spPr>
+          <a:xfrm>
+            <a:off x="628650" y="1825625"/>
+            <a:ext cx="7886700" cy="4671428"/>
+          </a:xfrm>
+        </p:spPr>
+        <p:txBody>
+          <a:bodyPr>
+            <a:normAutofit fontScale="92500" lnSpcReduction="10000"/>
+          </a:bodyPr>
+          <a:lstStyle/>
+          <a:p>
+            <a:r>
+              <a:rPr lang="en-CA" dirty="0" smtClean="0"/>
+              <a:t>Session x stimulus type interaction</a:t>
+            </a:r>
+          </a:p>
+          <a:p>
+            <a:pPr lvl="1"/>
+            <a:r>
+              <a:rPr lang="en-CA" dirty="0" smtClean="0"/>
+              <a:t>F test: No significant voxels/clusters</a:t>
+            </a:r>
+          </a:p>
+          <a:p>
+            <a:r>
+              <a:rPr lang="en-CA" dirty="0" smtClean="0"/>
+              <a:t>Effect of session?</a:t>
+            </a:r>
+          </a:p>
+          <a:p>
+            <a:pPr lvl="1"/>
+            <a:r>
+              <a:rPr lang="en-CA" dirty="0" smtClean="0"/>
+              <a:t>F test: No significant voxels/clusters</a:t>
+            </a:r>
+          </a:p>
+          <a:p>
+            <a:pPr lvl="1"/>
+            <a:r>
+              <a:rPr lang="en-CA" dirty="0" smtClean="0"/>
+              <a:t>T test S1&gt;S2 and S2&gt;S1: </a:t>
+            </a:r>
+            <a:r>
+              <a:rPr lang="en-CA" dirty="0"/>
+              <a:t>No significant voxels/</a:t>
+            </a:r>
+            <a:r>
+              <a:rPr lang="en-CA" dirty="0" smtClean="0"/>
+              <a:t>clusters</a:t>
+            </a:r>
+          </a:p>
+          <a:p>
+            <a:r>
+              <a:rPr lang="en-CA" dirty="0"/>
+              <a:t>Effect of Familiarity?</a:t>
+            </a:r>
+          </a:p>
+          <a:p>
+            <a:pPr lvl="1"/>
+            <a:r>
+              <a:rPr lang="en-CA" dirty="0"/>
+              <a:t>F test: No significant voxels/</a:t>
+            </a:r>
+            <a:r>
+              <a:rPr lang="en-CA" dirty="0" smtClean="0"/>
+              <a:t>clusters</a:t>
+            </a:r>
+          </a:p>
+          <a:p>
+            <a:pPr lvl="1"/>
+            <a:r>
+              <a:rPr lang="en-CA" dirty="0"/>
+              <a:t>T test </a:t>
+            </a:r>
+            <a:r>
+              <a:rPr lang="en-CA" dirty="0" smtClean="0"/>
+              <a:t>L &gt; UL and UL &gt; L: </a:t>
+            </a:r>
+            <a:r>
+              <a:rPr lang="en-CA" dirty="0"/>
+              <a:t>No significant voxels/</a:t>
+            </a:r>
+            <a:r>
+              <a:rPr lang="en-CA" dirty="0" smtClean="0"/>
+              <a:t>clusters</a:t>
+            </a:r>
+          </a:p>
+          <a:p>
+            <a:r>
+              <a:rPr lang="en-CA" dirty="0" smtClean="0"/>
+              <a:t>Effect of stimulus type?</a:t>
+            </a:r>
+          </a:p>
+          <a:p>
+            <a:pPr lvl="1"/>
+            <a:r>
+              <a:rPr lang="en-CA" dirty="0" smtClean="0"/>
+              <a:t>F test: significant clusters (</a:t>
+            </a:r>
+            <a:r>
+              <a:rPr lang="en-CA" dirty="0" err="1" smtClean="0"/>
+              <a:t>corr</a:t>
+            </a:r>
+            <a:r>
+              <a:rPr lang="en-CA" dirty="0" smtClean="0"/>
+              <a:t> p&lt;0.05)</a:t>
+            </a:r>
+          </a:p>
+          <a:p>
+            <a:pPr lvl="1">
+              <a:buFontTx/>
+              <a:buChar char="-"/>
+            </a:pPr>
+            <a:r>
+              <a:rPr lang="en-CA" dirty="0" smtClean="0"/>
+              <a:t>Auditory, premotor, </a:t>
+            </a:r>
+          </a:p>
+          <a:p>
+            <a:pPr marL="457200" lvl="1" indent="0">
+              <a:buNone/>
+            </a:pPr>
+            <a:r>
+              <a:rPr lang="en-CA" dirty="0" smtClean="0"/>
+              <a:t>PFC, Inferior parietal</a:t>
+            </a:r>
+            <a:endParaRPr lang="en-CA" dirty="0"/>
+          </a:p>
+        </p:txBody>
+      </p:sp>
+      <p:pic>
+        <p:nvPicPr>
+          <p:cNvPr id="4" name="Picture 3" descr="Screen Shot 2019-05-19 at 2.54.39 PM.png"/>
+          <p:cNvPicPr>
+            <a:picLocks noChangeAspect="1"/>
+          </p:cNvPicPr>
+          <p:nvPr/>
+        </p:nvPicPr>
+        <p:blipFill>
+          <a:blip r:embed="rId2">
+            <a:extLst>
+              <a:ext uri="{28A0092B-C50C-407E-A947-70E740481C1C}">
+                <a14:useLocalDpi xmlns:a14="http://schemas.microsoft.com/office/drawing/2010/main" val="0"/>
+              </a:ext>
+            </a:extLst>
+          </a:blip>
+          <a:stretch>
+            <a:fillRect/>
+          </a:stretch>
+        </p:blipFill>
+        <p:spPr>
+          <a:xfrm>
+            <a:off x="6329614" y="4014505"/>
+            <a:ext cx="2760914" cy="2723179"/>
+          </a:xfrm>
+          <a:prstGeom prst="rect">
+            <a:avLst/>
+          </a:prstGeom>
+        </p:spPr>
+      </p:pic>
+    </p:spTree>
+    <p:extLst>
+      <p:ext uri="{BB962C8B-B14F-4D97-AF65-F5344CB8AC3E}">
+        <p14:creationId xmlns:p14="http://schemas.microsoft.com/office/powerpoint/2010/main" val="348220546"/>
+      </p:ext>
+    </p:extLst>
+  </p:cSld>
+  <p:clrMapOvr>
+    <a:masterClrMapping/>
+  </p:clrMapOvr>
+  <mc:AlternateContent xmlns:mc="http://schemas.openxmlformats.org/markup-compatibility/2006">
+    <mc:Choice xmlns:p14="http://schemas.microsoft.com/office/powerpoint/2010/main" Requires="p14">
+      <p:transition spd="slow" p14:dur="2000"/>
+    </mc:Choice>
+    <mc:Fallback>
+      <p:transition spd="slow"/>
+    </mc:Fallback>
+  </mc:AlternateContent>
+  <p:timing>
+    <p:tnLst>
+      <p:par>
+        <p:cTn id="1" dur="indefinite" restart="never" nodeType="tmRoot">
           <p:childTnLst>
             <p:seq concurrent="1" nextAc="seek">
               <p:cTn id="2" dur="indefinite" nodeType="mainSeq">
@@ -5602,7 +6259,7 @@
 </p:sld>
 </file>
 
-<file path=ppt/slides/slide13.xml><?xml version="1.0" encoding="utf-8"?>
+<file path=ppt/slides/slide14.xml><?xml version="1.0" encoding="utf-8"?>
 <p:sld xmlns:a="http://schemas.openxmlformats.org/drawingml/2006/main" xmlns:r="http://schemas.openxmlformats.org/officeDocument/2006/relationships" xmlns:p="http://schemas.openxmlformats.org/presentationml/2006/main" show="0">
   <p:cSld>
     <p:spTree>
@@ -6005,26 +6662,26 @@
   <p:clrMapOvr>
     <a:masterClrMapping/>
   </p:clrMapOvr>
-  <mc:AlternateContent xmlns:mc="http://schemas.openxmlformats.org/markup-compatibility/2006">
-    <mc:Choice xmlns:p14="http://schemas.microsoft.com/office/powerpoint/2010/main" Requires="p14">
+  <mc:AlternateContent xmlns:mc="http://schemas.openxmlformats.org/markup-compatibility/2006" xmlns:p14="http://schemas.microsoft.com/office/powerpoint/2010/main">
+    <mc:Choice Requires="p14">
       <p:transition spd="slow" p14:dur="2000"/>
     </mc:Choice>
-    <mc:Fallback>
+    <mc:Fallback xmlns="">
       <p:transition xmlns:p14="http://schemas.microsoft.com/office/powerpoint/2010/main" spd="slow"/>
     </mc:Fallback>
   </mc:AlternateContent>
   <p:timing>
     <p:tnLst>
       <p:par>
-        <p:cTn xmlns:p14="http://schemas.microsoft.com/office/powerpoint/2010/main" id="1" dur="indefinite" restart="never" nodeType="tmRoot"/>
+        <p:cTn id="1" dur="indefinite" restart="never" nodeType="tmRoot"/>
       </p:par>
     </p:tnLst>
   </p:timing>
 </p:sld>
 </file>
 
-<file path=ppt/slides/slide14.xml><?xml version="1.0" encoding="utf-8"?>
-<p:sld xmlns:a="http://schemas.openxmlformats.org/drawingml/2006/main" xmlns:r="http://schemas.openxmlformats.org/officeDocument/2006/relationships" xmlns:p="http://schemas.openxmlformats.org/presentationml/2006/main">
+<file path=ppt/slides/slide15.xml><?xml version="1.0" encoding="utf-8"?>
+<p:sld xmlns:a="http://schemas.openxmlformats.org/drawingml/2006/main" xmlns:r="http://schemas.openxmlformats.org/officeDocument/2006/relationships" xmlns:p="http://schemas.openxmlformats.org/presentationml/2006/main" show="0">
   <p:cSld>
     <p:spTree>
       <p:nvGrpSpPr>
@@ -6110,11 +6767,41 @@
                 <a:tableStyleId>{5940675A-B579-460E-94D1-54222C63F5DA}</a:tableStyleId>
               </a:tblPr>
               <a:tblGrid>
-                <a:gridCol w="1584960"/>
-                <a:gridCol w="1584960"/>
-                <a:gridCol w="1584960"/>
-                <a:gridCol w="1584960"/>
-                <a:gridCol w="1584960"/>
+                <a:gridCol w="1584960">
+                  <a:extLst>
+                    <a:ext uri="{9D8B030D-6E8A-4147-A177-3AD203B41FA5}">
+                      <a16:colId xmlns:a16="http://schemas.microsoft.com/office/drawing/2014/main" val="20000"/>
+                    </a:ext>
+                  </a:extLst>
+                </a:gridCol>
+                <a:gridCol w="1584960">
+                  <a:extLst>
+                    <a:ext uri="{9D8B030D-6E8A-4147-A177-3AD203B41FA5}">
+                      <a16:colId xmlns:a16="http://schemas.microsoft.com/office/drawing/2014/main" val="20001"/>
+                    </a:ext>
+                  </a:extLst>
+                </a:gridCol>
+                <a:gridCol w="1584960">
+                  <a:extLst>
+                    <a:ext uri="{9D8B030D-6E8A-4147-A177-3AD203B41FA5}">
+                      <a16:colId xmlns:a16="http://schemas.microsoft.com/office/drawing/2014/main" val="20002"/>
+                    </a:ext>
+                  </a:extLst>
+                </a:gridCol>
+                <a:gridCol w="1584960">
+                  <a:extLst>
+                    <a:ext uri="{9D8B030D-6E8A-4147-A177-3AD203B41FA5}">
+                      <a16:colId xmlns:a16="http://schemas.microsoft.com/office/drawing/2014/main" val="20003"/>
+                    </a:ext>
+                  </a:extLst>
+                </a:gridCol>
+                <a:gridCol w="1584960">
+                  <a:extLst>
+                    <a:ext uri="{9D8B030D-6E8A-4147-A177-3AD203B41FA5}">
+                      <a16:colId xmlns:a16="http://schemas.microsoft.com/office/drawing/2014/main" val="20004"/>
+                    </a:ext>
+                  </a:extLst>
+                </a:gridCol>
               </a:tblGrid>
               <a:tr h="370840">
                 <a:tc>
@@ -6187,6 +6874,11 @@
                   </a:txBody>
                   <a:tcPr/>
                 </a:tc>
+                <a:extLst>
+                  <a:ext uri="{0D108BD9-81ED-4DB2-BD59-A6C34878D82A}">
+                    <a16:rowId xmlns:a16="http://schemas.microsoft.com/office/drawing/2014/main" val="10000"/>
+                  </a:ext>
+                </a:extLst>
               </a:tr>
               <a:tr h="370840">
                 <a:tc>
@@ -6285,6 +6977,11 @@
                     </a:solidFill>
                   </a:tcPr>
                 </a:tc>
+                <a:extLst>
+                  <a:ext uri="{0D108BD9-81ED-4DB2-BD59-A6C34878D82A}">
+                    <a16:rowId xmlns:a16="http://schemas.microsoft.com/office/drawing/2014/main" val="10001"/>
+                  </a:ext>
+                </a:extLst>
               </a:tr>
               <a:tr h="370840">
                 <a:tc>
@@ -6383,6 +7080,11 @@
                     </a:solidFill>
                   </a:tcPr>
                 </a:tc>
+                <a:extLst>
+                  <a:ext uri="{0D108BD9-81ED-4DB2-BD59-A6C34878D82A}">
+                    <a16:rowId xmlns:a16="http://schemas.microsoft.com/office/drawing/2014/main" val="10002"/>
+                  </a:ext>
+                </a:extLst>
               </a:tr>
               <a:tr h="370840">
                 <a:tc>
@@ -6481,6 +7183,11 @@
                     </a:solidFill>
                   </a:tcPr>
                 </a:tc>
+                <a:extLst>
+                  <a:ext uri="{0D108BD9-81ED-4DB2-BD59-A6C34878D82A}">
+                    <a16:rowId xmlns:a16="http://schemas.microsoft.com/office/drawing/2014/main" val="10003"/>
+                  </a:ext>
+                </a:extLst>
               </a:tr>
               <a:tr h="370840">
                 <a:tc>
@@ -6549,6 +7256,11 @@
                   </a:txBody>
                   <a:tcPr/>
                 </a:tc>
+                <a:extLst>
+                  <a:ext uri="{0D108BD9-81ED-4DB2-BD59-A6C34878D82A}">
+                    <a16:rowId xmlns:a16="http://schemas.microsoft.com/office/drawing/2014/main" val="10004"/>
+                  </a:ext>
+                </a:extLst>
               </a:tr>
               <a:tr h="370840">
                 <a:tc>
@@ -6629,6 +7341,11 @@
                   </a:txBody>
                   <a:tcPr/>
                 </a:tc>
+                <a:extLst>
+                  <a:ext uri="{0D108BD9-81ED-4DB2-BD59-A6C34878D82A}">
+                    <a16:rowId xmlns:a16="http://schemas.microsoft.com/office/drawing/2014/main" val="10005"/>
+                  </a:ext>
+                </a:extLst>
               </a:tr>
               <a:tr h="370840">
                 <a:tc>
@@ -6701,6 +7418,11 @@
                   </a:txBody>
                   <a:tcPr/>
                 </a:tc>
+                <a:extLst>
+                  <a:ext uri="{0D108BD9-81ED-4DB2-BD59-A6C34878D82A}">
+                    <a16:rowId xmlns:a16="http://schemas.microsoft.com/office/drawing/2014/main" val="10006"/>
+                  </a:ext>
+                </a:extLst>
               </a:tr>
               <a:tr h="370840">
                 <a:tc>
@@ -6781,6 +7503,11 @@
                     </a:solidFill>
                   </a:tcPr>
                 </a:tc>
+                <a:extLst>
+                  <a:ext uri="{0D108BD9-81ED-4DB2-BD59-A6C34878D82A}">
+                    <a16:rowId xmlns:a16="http://schemas.microsoft.com/office/drawing/2014/main" val="10007"/>
+                  </a:ext>
+                </a:extLst>
               </a:tr>
               <a:tr h="370840">
                 <a:tc>
@@ -6861,6 +7588,11 @@
                     </a:solidFill>
                   </a:tcPr>
                 </a:tc>
+                <a:extLst>
+                  <a:ext uri="{0D108BD9-81ED-4DB2-BD59-A6C34878D82A}">
+                    <a16:rowId xmlns:a16="http://schemas.microsoft.com/office/drawing/2014/main" val="10008"/>
+                  </a:ext>
+                </a:extLst>
               </a:tr>
               <a:tr h="370840">
                 <a:tc>
@@ -6957,6 +7689,11 @@
                     </a:solidFill>
                   </a:tcPr>
                 </a:tc>
+                <a:extLst>
+                  <a:ext uri="{0D108BD9-81ED-4DB2-BD59-A6C34878D82A}">
+                    <a16:rowId xmlns:a16="http://schemas.microsoft.com/office/drawing/2014/main" val="10009"/>
+                  </a:ext>
+                </a:extLst>
               </a:tr>
               <a:tr h="370840">
                 <a:tc>
@@ -7029,6 +7766,11 @@
                   </a:txBody>
                   <a:tcPr/>
                 </a:tc>
+                <a:extLst>
+                  <a:ext uri="{0D108BD9-81ED-4DB2-BD59-A6C34878D82A}">
+                    <a16:rowId xmlns:a16="http://schemas.microsoft.com/office/drawing/2014/main" val="10010"/>
+                  </a:ext>
+                </a:extLst>
               </a:tr>
               <a:tr h="370840">
                 <a:tc>
@@ -7093,6 +7835,11 @@
                   </a:txBody>
                   <a:tcPr/>
                 </a:tc>
+                <a:extLst>
+                  <a:ext uri="{0D108BD9-81ED-4DB2-BD59-A6C34878D82A}">
+                    <a16:rowId xmlns:a16="http://schemas.microsoft.com/office/drawing/2014/main" val="10011"/>
+                  </a:ext>
+                </a:extLst>
               </a:tr>
               <a:tr h="370840">
                 <a:tc>
@@ -7153,6 +7900,11 @@
                   </a:txBody>
                   <a:tcPr/>
                 </a:tc>
+                <a:extLst>
+                  <a:ext uri="{0D108BD9-81ED-4DB2-BD59-A6C34878D82A}">
+                    <a16:rowId xmlns:a16="http://schemas.microsoft.com/office/drawing/2014/main" val="10012"/>
+                  </a:ext>
+                </a:extLst>
               </a:tr>
             </a:tbl>
           </a:graphicData>
@@ -7338,10 +8090,18 @@
   <p:clrMapOvr>
     <a:masterClrMapping/>
   </p:clrMapOvr>
+  <mc:AlternateContent xmlns:mc="http://schemas.openxmlformats.org/markup-compatibility/2006">
+    <mc:Choice xmlns:p14="http://schemas.microsoft.com/office/powerpoint/2010/main" Requires="p14">
+      <p:transition spd="slow" p14:dur="2000"/>
+    </mc:Choice>
+    <mc:Fallback>
+      <p:transition spd="slow"/>
+    </mc:Fallback>
+  </mc:AlternateContent>
   <p:timing>
     <p:tnLst>
       <p:par>
-        <p:cTn xmlns:p14="http://schemas.microsoft.com/office/powerpoint/2010/main" id="1" dur="indefinite" restart="never" nodeType="tmRoot">
+        <p:cTn id="1" dur="indefinite" restart="never" nodeType="tmRoot">
           <p:childTnLst>
             <p:seq concurrent="1" nextAc="seek">
               <p:cTn id="2" dur="indefinite" nodeType="mainSeq">
@@ -7475,7 +8235,7 @@
 </p:sld>
 </file>
 
-<file path=ppt/slides/slide15.xml><?xml version="1.0" encoding="utf-8"?>
+<file path=ppt/slides/slide16.xml><?xml version="1.0" encoding="utf-8"?>
 <p:sld xmlns:a="http://schemas.openxmlformats.org/drawingml/2006/main" xmlns:r="http://schemas.openxmlformats.org/officeDocument/2006/relationships" xmlns:p="http://schemas.openxmlformats.org/presentationml/2006/main">
   <p:cSld>
     <p:spTree>
@@ -8230,159 +8990,7 @@
   <p:timing>
     <p:tnLst>
       <p:par>
-        <p:cTn xmlns:p14="http://schemas.microsoft.com/office/powerpoint/2010/main" id="1" dur="indefinite" restart="never" nodeType="tmRoot"/>
-      </p:par>
-    </p:tnLst>
-  </p:timing>
-</p:sld>
-</file>
-
-<file path=ppt/slides/slide16.xml><?xml version="1.0" encoding="utf-8"?>
-<p:sld xmlns:a="http://schemas.openxmlformats.org/drawingml/2006/main" xmlns:r="http://schemas.openxmlformats.org/officeDocument/2006/relationships" xmlns:p="http://schemas.openxmlformats.org/presentationml/2006/main">
-  <p:cSld>
-    <p:spTree>
-      <p:nvGrpSpPr>
-        <p:cNvPr id="1" name=""/>
-        <p:cNvGrpSpPr/>
-        <p:nvPr/>
-      </p:nvGrpSpPr>
-      <p:grpSpPr>
-        <a:xfrm>
-          <a:off x="0" y="0"/>
-          <a:ext cx="0" cy="0"/>
-          <a:chOff x="0" y="0"/>
-          <a:chExt cx="0" cy="0"/>
-        </a:xfrm>
-      </p:grpSpPr>
-      <p:sp>
-        <p:nvSpPr>
-          <p:cNvPr id="2" name="Title 1"/>
-          <p:cNvSpPr>
-            <a:spLocks noGrp="1"/>
-          </p:cNvSpPr>
-          <p:nvPr>
-            <p:ph type="title"/>
-          </p:nvPr>
-        </p:nvSpPr>
-        <p:spPr/>
-        <p:txBody>
-          <a:bodyPr/>
-          <a:lstStyle/>
-          <a:p>
-            <a:r>
-              <a:rPr lang="en-CA" dirty="0" smtClean="0"/>
-              <a:t>Young Adult BOLD data</a:t>
-            </a:r>
-            <a:endParaRPr lang="en-CA" dirty="0"/>
-          </a:p>
-        </p:txBody>
-      </p:sp>
-      <p:sp>
-        <p:nvSpPr>
-          <p:cNvPr id="3" name="Content Placeholder 2"/>
-          <p:cNvSpPr>
-            <a:spLocks noGrp="1"/>
-          </p:cNvSpPr>
-          <p:nvPr>
-            <p:ph idx="1"/>
-          </p:nvPr>
-        </p:nvSpPr>
-        <p:spPr/>
-        <p:txBody>
-          <a:bodyPr>
-            <a:normAutofit lnSpcReduction="10000"/>
-          </a:bodyPr>
-          <a:lstStyle/>
-          <a:p>
-            <a:r>
-              <a:rPr lang="en-CA" dirty="0" smtClean="0"/>
-              <a:t>Summary so far:</a:t>
-            </a:r>
-          </a:p>
-          <a:p>
-            <a:pPr lvl="1"/>
-            <a:r>
-              <a:rPr lang="en-CA" dirty="0" smtClean="0"/>
-              <a:t>Auditory cortices are, not surprisingly, involved in all </a:t>
-            </a:r>
-            <a:r>
-              <a:rPr lang="en-CA" dirty="0" err="1" smtClean="0"/>
-              <a:t>stim</a:t>
-            </a:r>
-            <a:r>
-              <a:rPr lang="en-CA" dirty="0" smtClean="0"/>
-              <a:t> types differently</a:t>
-            </a:r>
-          </a:p>
-          <a:p>
-            <a:pPr lvl="1"/>
-            <a:r>
-              <a:rPr lang="en-CA" dirty="0" smtClean="0"/>
-              <a:t>A </a:t>
-            </a:r>
-            <a:r>
-              <a:rPr lang="en-CA" dirty="0" err="1" smtClean="0"/>
-              <a:t>capella</a:t>
-            </a:r>
-            <a:r>
-              <a:rPr lang="en-CA" dirty="0" smtClean="0"/>
-              <a:t> specifically involves premotor more than other </a:t>
-            </a:r>
-            <a:r>
-              <a:rPr lang="en-CA" dirty="0" err="1" smtClean="0"/>
-              <a:t>stim</a:t>
-            </a:r>
-            <a:r>
-              <a:rPr lang="en-CA" dirty="0" smtClean="0"/>
-              <a:t> types</a:t>
-            </a:r>
-          </a:p>
-          <a:p>
-            <a:pPr lvl="1"/>
-            <a:r>
-              <a:rPr lang="en-CA" dirty="0" smtClean="0"/>
-              <a:t>Spoken stimuli involve inferior frontal cortex more than instrumental</a:t>
-            </a:r>
-          </a:p>
-          <a:p>
-            <a:pPr lvl="1"/>
-            <a:r>
-              <a:rPr lang="en-CA" dirty="0" smtClean="0"/>
-              <a:t>Instrumental stimuli involve parietal cortices more than spoken stimuli</a:t>
-            </a:r>
-          </a:p>
-          <a:p>
-            <a:r>
-              <a:rPr lang="en-CA" dirty="0" smtClean="0"/>
-              <a:t>No effect of familiarity</a:t>
-            </a:r>
-          </a:p>
-          <a:p>
-            <a:pPr lvl="1"/>
-            <a:endParaRPr lang="en-CA" dirty="0"/>
-          </a:p>
-          <a:p>
-            <a:r>
-              <a:rPr lang="en-CA" dirty="0" smtClean="0"/>
-              <a:t>How does this compare to synchrony data?</a:t>
-            </a:r>
-          </a:p>
-        </p:txBody>
-      </p:sp>
-    </p:spTree>
-    <p:extLst>
-      <p:ext uri="{BB962C8B-B14F-4D97-AF65-F5344CB8AC3E}">
-        <p14:creationId xmlns:p14="http://schemas.microsoft.com/office/powerpoint/2010/main" val="840420954"/>
-      </p:ext>
-    </p:extLst>
-  </p:cSld>
-  <p:clrMapOvr>
-    <a:masterClrMapping/>
-  </p:clrMapOvr>
-  <p:timing>
-    <p:tnLst>
-      <p:par>
-        <p:cTn xmlns:p14="http://schemas.microsoft.com/office/powerpoint/2010/main" id="1" dur="indefinite" restart="never" nodeType="tmRoot"/>
+        <p:cTn id="1" dur="indefinite" restart="never" nodeType="tmRoot"/>
       </p:par>
     </p:tnLst>
   </p:timing>
@@ -8422,12 +9030,8 @@
           <a:lstStyle/>
           <a:p>
             <a:r>
-              <a:rPr lang="en-US" dirty="0" err="1" smtClean="0"/>
-              <a:t>Intersubject</a:t>
-            </a:r>
-            <a:r>
-              <a:rPr lang="en-US" dirty="0" smtClean="0"/>
-              <a:t> synchrony in ROIs</a:t>
+              <a:rPr lang="en-CA" dirty="0" smtClean="0"/>
+              <a:t>Young Adult BOLD data</a:t>
             </a:r>
             <a:endParaRPr lang="en-CA" dirty="0"/>
           </a:p>
@@ -8445,51 +9049,90 @@
         </p:nvSpPr>
         <p:spPr/>
         <p:txBody>
-          <a:bodyPr/>
+          <a:bodyPr>
+            <a:normAutofit lnSpcReduction="10000"/>
+          </a:bodyPr>
           <a:lstStyle/>
           <a:p>
             <a:r>
-              <a:rPr lang="en-US" dirty="0" smtClean="0"/>
-              <a:t>Frontal, Auditory, Cingulate, Basal Ganglia, Cerebellum</a:t>
-            </a:r>
-          </a:p>
-          <a:p>
-            <a:endParaRPr lang="en-US" dirty="0" smtClean="0"/>
-          </a:p>
-          <a:p>
-            <a:r>
-              <a:rPr lang="en-US" dirty="0" smtClean="0"/>
-              <a:t>Method:</a:t>
+              <a:rPr lang="en-CA" dirty="0" smtClean="0"/>
+              <a:t>Summary so far:</a:t>
             </a:r>
           </a:p>
           <a:p>
             <a:pPr lvl="1"/>
             <a:r>
-              <a:rPr lang="en-US" dirty="0" smtClean="0"/>
-              <a:t>Extract mean synchrony value from each ROI, for each participant</a:t>
+              <a:rPr lang="en-CA" dirty="0" smtClean="0"/>
+              <a:t>Auditory cortices are, not surprisingly, involved in all </a:t>
+            </a:r>
+            <a:r>
+              <a:rPr lang="en-CA" dirty="0" err="1" smtClean="0"/>
+              <a:t>stim</a:t>
+            </a:r>
+            <a:r>
+              <a:rPr lang="en-CA" dirty="0" smtClean="0"/>
+              <a:t> types differently</a:t>
             </a:r>
           </a:p>
           <a:p>
             <a:pPr lvl="1"/>
             <a:r>
-              <a:rPr lang="en-US" dirty="0" smtClean="0"/>
-              <a:t>‘how synchronized was the activity in this participant’s ROI compared to everyone else’s activity’</a:t>
+              <a:rPr lang="en-CA" dirty="0" smtClean="0"/>
+              <a:t>A </a:t>
+            </a:r>
+            <a:r>
+              <a:rPr lang="en-CA" dirty="0" err="1" smtClean="0"/>
+              <a:t>capella</a:t>
+            </a:r>
+            <a:r>
+              <a:rPr lang="en-CA" dirty="0" smtClean="0"/>
+              <a:t> specifically involves premotor more than other </a:t>
+            </a:r>
+            <a:r>
+              <a:rPr lang="en-CA" dirty="0" err="1" smtClean="0"/>
+              <a:t>stim</a:t>
+            </a:r>
+            <a:r>
+              <a:rPr lang="en-CA" dirty="0" smtClean="0"/>
+              <a:t> types</a:t>
             </a:r>
           </a:p>
           <a:p>
             <a:pPr lvl="1"/>
             <a:r>
-              <a:rPr lang="en-US" dirty="0" smtClean="0"/>
-              <a:t>Ran stats on the mean values</a:t>
-            </a:r>
+              <a:rPr lang="en-CA" dirty="0" smtClean="0"/>
+              <a:t>Spoken stimuli involve inferior frontal cortex more than instrumental</a:t>
+            </a:r>
+          </a:p>
+          <a:p>
+            <a:pPr lvl="1"/>
+            <a:r>
+              <a:rPr lang="en-CA" dirty="0" smtClean="0"/>
+              <a:t>Instrumental stimuli involve parietal cortices more than spoken stimuli</a:t>
+            </a:r>
+          </a:p>
+          <a:p>
+            <a:r>
+              <a:rPr lang="en-CA" dirty="0" smtClean="0"/>
+              <a:t>No effect of familiarity</a:t>
+            </a:r>
+          </a:p>
+          <a:p>
+            <a:pPr lvl="1"/>
             <a:endParaRPr lang="en-CA" dirty="0"/>
+          </a:p>
+          <a:p>
+            <a:r>
+              <a:rPr lang="en-CA" dirty="0" smtClean="0"/>
+              <a:t>How does this compare to synchrony data?</a:t>
+            </a:r>
           </a:p>
         </p:txBody>
       </p:sp>
     </p:spTree>
     <p:extLst>
       <p:ext uri="{BB962C8B-B14F-4D97-AF65-F5344CB8AC3E}">
-        <p14:creationId xmlns:p14="http://schemas.microsoft.com/office/powerpoint/2010/main" val="4003121997"/>
+        <p14:creationId xmlns:p14="http://schemas.microsoft.com/office/powerpoint/2010/main" val="840420954"/>
       </p:ext>
     </p:extLst>
   </p:cSld>
@@ -8499,7 +9142,7 @@
   <p:timing>
     <p:tnLst>
       <p:par>
-        <p:cTn xmlns:p14="http://schemas.microsoft.com/office/powerpoint/2010/main" id="1" dur="indefinite" restart="never" nodeType="tmRoot"/>
+        <p:cTn id="1" dur="indefinite" restart="never" nodeType="tmRoot"/>
       </p:par>
     </p:tnLst>
   </p:timing>
@@ -8539,8 +9182,12 @@
           <a:lstStyle/>
           <a:p>
             <a:r>
-              <a:rPr lang="en-CA" dirty="0" smtClean="0"/>
-              <a:t>Young Adult Synchrony Data</a:t>
+              <a:rPr lang="en-US" dirty="0" err="1" smtClean="0"/>
+              <a:t>Intersubject</a:t>
+            </a:r>
+            <a:r>
+              <a:rPr lang="en-US" dirty="0" smtClean="0"/>
+              <a:t> synchrony in ROIs</a:t>
             </a:r>
             <a:endParaRPr lang="en-CA" dirty="0"/>
           </a:p>
@@ -8562,119 +9209,38 @@
           <a:lstStyle/>
           <a:p>
             <a:r>
-              <a:rPr lang="en-CA" dirty="0" smtClean="0"/>
-              <a:t>Session </a:t>
-            </a:r>
-            <a:r>
-              <a:rPr lang="en-CA" dirty="0"/>
-              <a:t>x </a:t>
-            </a:r>
-            <a:r>
-              <a:rPr lang="en-CA" dirty="0" smtClean="0"/>
-              <a:t>stimulus (2x4) ANOVA </a:t>
+              <a:rPr lang="en-US" dirty="0" smtClean="0"/>
+              <a:t>Frontal, Auditory, Cingulate, Basal Ganglia, Cerebellum</a:t>
+            </a:r>
+          </a:p>
+          <a:p>
+            <a:endParaRPr lang="en-US" dirty="0" smtClean="0"/>
+          </a:p>
+          <a:p>
+            <a:r>
+              <a:rPr lang="en-US" dirty="0" smtClean="0"/>
+              <a:t>Method:</a:t>
             </a:r>
           </a:p>
           <a:p>
             <a:pPr lvl="1"/>
             <a:r>
-              <a:rPr lang="en-CA" dirty="0" smtClean="0"/>
-              <a:t>Main effect of session in some ROIs</a:t>
+              <a:rPr lang="en-US" dirty="0" smtClean="0"/>
+              <a:t>Extract mean synchrony value from each ROI, for each participant</a:t>
             </a:r>
           </a:p>
           <a:p>
             <a:pPr lvl="1"/>
             <a:r>
-              <a:rPr lang="en-CA" dirty="0" smtClean="0"/>
-              <a:t>No interaction</a:t>
+              <a:rPr lang="en-US" dirty="0" smtClean="0"/>
+              <a:t>‘how synchronized was the activity in this participant’s ROI compared to everyone else’s activity’</a:t>
             </a:r>
           </a:p>
           <a:p>
             <a:pPr lvl="1"/>
             <a:r>
-              <a:rPr lang="en-CA" dirty="0" smtClean="0"/>
-              <a:t>No main effect of stimulus</a:t>
-            </a:r>
-          </a:p>
-          <a:p>
-            <a:r>
-              <a:rPr lang="en-CA" dirty="0" smtClean="0"/>
-              <a:t>Stimulus ANOVAs (1x4) within session 1 or 2</a:t>
-            </a:r>
-          </a:p>
-          <a:p>
-            <a:pPr lvl="1"/>
-            <a:r>
-              <a:rPr lang="en-CA" dirty="0" smtClean="0"/>
-              <a:t>Show strong stimulus effects in some ROIs</a:t>
-            </a:r>
-          </a:p>
-          <a:p>
-            <a:r>
-              <a:rPr lang="en-CA" dirty="0" smtClean="0"/>
-              <a:t>Familiarity</a:t>
-            </a:r>
-          </a:p>
-          <a:p>
-            <a:pPr lvl="1"/>
-            <a:r>
-              <a:rPr lang="en-CA" dirty="0" smtClean="0"/>
-              <a:t>No difference between synchrony in familiar and unfamiliar stimuli (in Session 2)</a:t>
-            </a:r>
-          </a:p>
-          <a:p>
-            <a:endParaRPr lang="en-CA" dirty="0"/>
-          </a:p>
-        </p:txBody>
-      </p:sp>
-      <p:sp>
-        <p:nvSpPr>
-          <p:cNvPr id="4" name="TextBox 3"/>
-          <p:cNvSpPr txBox="1"/>
-          <p:nvPr/>
-        </p:nvSpPr>
-        <p:spPr>
-          <a:xfrm>
-            <a:off x="6659578" y="1491593"/>
-            <a:ext cx="1265678" cy="1477328"/>
-          </a:xfrm>
-          <a:prstGeom prst="rect">
-            <a:avLst/>
-          </a:prstGeom>
-          <a:noFill/>
-        </p:spPr>
-        <p:txBody>
-          <a:bodyPr wrap="none" rtlCol="0">
-            <a:spAutoFit/>
-          </a:bodyPr>
-          <a:lstStyle/>
-          <a:p>
-            <a:r>
-              <a:rPr lang="en-CA" b="1" dirty="0" smtClean="0"/>
-              <a:t>ROIs in:</a:t>
-            </a:r>
-          </a:p>
-          <a:p>
-            <a:r>
-              <a:rPr lang="en-CA" dirty="0" smtClean="0"/>
-              <a:t>Frontal</a:t>
-            </a:r>
-          </a:p>
-          <a:p>
-            <a:r>
-              <a:rPr lang="en-CA" dirty="0" smtClean="0"/>
-              <a:t>Auditory</a:t>
-            </a:r>
-          </a:p>
-          <a:p>
-            <a:r>
-              <a:rPr lang="en-CA" dirty="0" smtClean="0"/>
-              <a:t>Cingulate</a:t>
-            </a:r>
-          </a:p>
-          <a:p>
-            <a:r>
-              <a:rPr lang="en-CA" dirty="0" smtClean="0"/>
-              <a:t>Cerebellum</a:t>
+              <a:rPr lang="en-US" dirty="0" smtClean="0"/>
+              <a:t>Ran stats on the mean values</a:t>
             </a:r>
             <a:endParaRPr lang="en-CA" dirty="0"/>
           </a:p>
@@ -8683,7 +9249,7 @@
     </p:spTree>
     <p:extLst>
       <p:ext uri="{BB962C8B-B14F-4D97-AF65-F5344CB8AC3E}">
-        <p14:creationId xmlns:p14="http://schemas.microsoft.com/office/powerpoint/2010/main" val="3916641616"/>
+        <p14:creationId xmlns:p14="http://schemas.microsoft.com/office/powerpoint/2010/main" val="4003121997"/>
       </p:ext>
     </p:extLst>
   </p:cSld>
@@ -8693,7 +9259,7 @@
   <p:timing>
     <p:tnLst>
       <p:par>
-        <p:cTn xmlns:p14="http://schemas.microsoft.com/office/powerpoint/2010/main" id="1" dur="indefinite" restart="never" nodeType="tmRoot"/>
+        <p:cTn id="1" dur="indefinite" restart="never" nodeType="tmRoot"/>
       </p:par>
     </p:tnLst>
   </p:timing>
@@ -8733,6 +9299,671 @@
           <a:lstStyle/>
           <a:p>
             <a:r>
+              <a:rPr lang="en-CA" dirty="0" smtClean="0"/>
+              <a:t>Young Adult Synchrony Data</a:t>
+            </a:r>
+            <a:endParaRPr lang="en-CA" dirty="0"/>
+          </a:p>
+        </p:txBody>
+      </p:sp>
+      <p:sp>
+        <p:nvSpPr>
+          <p:cNvPr id="3" name="Content Placeholder 2"/>
+          <p:cNvSpPr>
+            <a:spLocks noGrp="1"/>
+          </p:cNvSpPr>
+          <p:nvPr>
+            <p:ph idx="1"/>
+          </p:nvPr>
+        </p:nvSpPr>
+        <p:spPr/>
+        <p:txBody>
+          <a:bodyPr/>
+          <a:lstStyle/>
+          <a:p>
+            <a:r>
+              <a:rPr lang="en-CA" dirty="0" smtClean="0"/>
+              <a:t>Session </a:t>
+            </a:r>
+            <a:r>
+              <a:rPr lang="en-CA" dirty="0"/>
+              <a:t>x </a:t>
+            </a:r>
+            <a:r>
+              <a:rPr lang="en-CA" dirty="0" smtClean="0"/>
+              <a:t>stimulus (2x4) ANOVA </a:t>
+            </a:r>
+          </a:p>
+          <a:p>
+            <a:pPr lvl="1"/>
+            <a:r>
+              <a:rPr lang="en-CA" dirty="0" smtClean="0"/>
+              <a:t>Main effect of session in some ROIs</a:t>
+            </a:r>
+          </a:p>
+          <a:p>
+            <a:pPr lvl="1"/>
+            <a:r>
+              <a:rPr lang="en-CA" dirty="0" smtClean="0"/>
+              <a:t>No interaction</a:t>
+            </a:r>
+          </a:p>
+          <a:p>
+            <a:pPr lvl="1"/>
+            <a:r>
+              <a:rPr lang="en-CA" dirty="0" smtClean="0"/>
+              <a:t>No main effect of stimulus</a:t>
+            </a:r>
+          </a:p>
+          <a:p>
+            <a:r>
+              <a:rPr lang="en-CA" dirty="0" smtClean="0"/>
+              <a:t>Stimulus ANOVAs (1x4) within session 1 or 2</a:t>
+            </a:r>
+          </a:p>
+          <a:p>
+            <a:pPr lvl="1"/>
+            <a:r>
+              <a:rPr lang="en-CA" dirty="0" smtClean="0"/>
+              <a:t>Show strong stimulus effects in some ROIs</a:t>
+            </a:r>
+          </a:p>
+          <a:p>
+            <a:r>
+              <a:rPr lang="en-CA" dirty="0" smtClean="0"/>
+              <a:t>Familiarity</a:t>
+            </a:r>
+          </a:p>
+          <a:p>
+            <a:pPr lvl="1"/>
+            <a:r>
+              <a:rPr lang="en-CA" dirty="0" smtClean="0"/>
+              <a:t>No difference between synchrony in familiar and unfamiliar stimuli (in Session 2)</a:t>
+            </a:r>
+          </a:p>
+          <a:p>
+            <a:endParaRPr lang="en-CA" dirty="0"/>
+          </a:p>
+        </p:txBody>
+      </p:sp>
+      <p:sp>
+        <p:nvSpPr>
+          <p:cNvPr id="4" name="TextBox 3"/>
+          <p:cNvSpPr txBox="1"/>
+          <p:nvPr/>
+        </p:nvSpPr>
+        <p:spPr>
+          <a:xfrm>
+            <a:off x="6659578" y="1491593"/>
+            <a:ext cx="1265678" cy="1477328"/>
+          </a:xfrm>
+          <a:prstGeom prst="rect">
+            <a:avLst/>
+          </a:prstGeom>
+          <a:noFill/>
+        </p:spPr>
+        <p:txBody>
+          <a:bodyPr wrap="none" rtlCol="0">
+            <a:spAutoFit/>
+          </a:bodyPr>
+          <a:lstStyle/>
+          <a:p>
+            <a:r>
+              <a:rPr lang="en-CA" b="1" dirty="0" smtClean="0"/>
+              <a:t>ROIs in:</a:t>
+            </a:r>
+          </a:p>
+          <a:p>
+            <a:r>
+              <a:rPr lang="en-CA" dirty="0" smtClean="0"/>
+              <a:t>Frontal</a:t>
+            </a:r>
+          </a:p>
+          <a:p>
+            <a:r>
+              <a:rPr lang="en-CA" dirty="0" smtClean="0"/>
+              <a:t>Auditory</a:t>
+            </a:r>
+          </a:p>
+          <a:p>
+            <a:r>
+              <a:rPr lang="en-CA" dirty="0" smtClean="0"/>
+              <a:t>Cingulate</a:t>
+            </a:r>
+          </a:p>
+          <a:p>
+            <a:r>
+              <a:rPr lang="en-CA" dirty="0" smtClean="0"/>
+              <a:t>Cerebellum</a:t>
+            </a:r>
+            <a:endParaRPr lang="en-CA" dirty="0"/>
+          </a:p>
+        </p:txBody>
+      </p:sp>
+    </p:spTree>
+    <p:extLst>
+      <p:ext uri="{BB962C8B-B14F-4D97-AF65-F5344CB8AC3E}">
+        <p14:creationId xmlns:p14="http://schemas.microsoft.com/office/powerpoint/2010/main" val="3916641616"/>
+      </p:ext>
+    </p:extLst>
+  </p:cSld>
+  <p:clrMapOvr>
+    <a:masterClrMapping/>
+  </p:clrMapOvr>
+  <p:timing>
+    <p:tnLst>
+      <p:par>
+        <p:cTn id="1" dur="indefinite" restart="never" nodeType="tmRoot">
+          <p:childTnLst>
+            <p:seq concurrent="1" nextAc="seek">
+              <p:cTn id="2" dur="indefinite" nodeType="mainSeq">
+                <p:childTnLst>
+                  <p:par>
+                    <p:cTn id="3" fill="hold">
+                      <p:stCondLst>
+                        <p:cond delay="indefinite"/>
+                      </p:stCondLst>
+                      <p:childTnLst>
+                        <p:par>
+                          <p:cTn id="4" fill="hold">
+                            <p:stCondLst>
+                              <p:cond delay="0"/>
+                            </p:stCondLst>
+                            <p:childTnLst>
+                              <p:par>
+                                <p:cTn id="5" presetID="1" presetClass="entr" presetSubtype="0" fill="hold" nodeType="clickEffect">
+                                  <p:stCondLst>
+                                    <p:cond delay="0"/>
+                                  </p:stCondLst>
+                                  <p:childTnLst>
+                                    <p:set>
+                                      <p:cBhvr>
+                                        <p:cTn id="6" dur="1" fill="hold">
+                                          <p:stCondLst>
+                                            <p:cond delay="0"/>
+                                          </p:stCondLst>
+                                        </p:cTn>
+                                        <p:tgtEl>
+                                          <p:spTgt spid="3">
+                                            <p:txEl>
+                                              <p:pRg st="4" end="4"/>
+                                            </p:txEl>
+                                          </p:spTgt>
+                                        </p:tgtEl>
+                                        <p:attrNameLst>
+                                          <p:attrName>style.visibility</p:attrName>
+                                        </p:attrNameLst>
+                                      </p:cBhvr>
+                                      <p:to>
+                                        <p:strVal val="visible"/>
+                                      </p:to>
+                                    </p:set>
+                                  </p:childTnLst>
+                                </p:cTn>
+                              </p:par>
+                              <p:par>
+                                <p:cTn id="7" presetID="1" presetClass="entr" presetSubtype="0" fill="hold" nodeType="withEffect">
+                                  <p:stCondLst>
+                                    <p:cond delay="0"/>
+                                  </p:stCondLst>
+                                  <p:childTnLst>
+                                    <p:set>
+                                      <p:cBhvr>
+                                        <p:cTn id="8" dur="1" fill="hold">
+                                          <p:stCondLst>
+                                            <p:cond delay="0"/>
+                                          </p:stCondLst>
+                                        </p:cTn>
+                                        <p:tgtEl>
+                                          <p:spTgt spid="3">
+                                            <p:txEl>
+                                              <p:pRg st="5" end="5"/>
+                                            </p:txEl>
+                                          </p:spTgt>
+                                        </p:tgtEl>
+                                        <p:attrNameLst>
+                                          <p:attrName>style.visibility</p:attrName>
+                                        </p:attrNameLst>
+                                      </p:cBhvr>
+                                      <p:to>
+                                        <p:strVal val="visible"/>
+                                      </p:to>
+                                    </p:set>
+                                  </p:childTnLst>
+                                </p:cTn>
+                              </p:par>
+                            </p:childTnLst>
+                          </p:cTn>
+                        </p:par>
+                      </p:childTnLst>
+                    </p:cTn>
+                  </p:par>
+                  <p:par>
+                    <p:cTn id="9" fill="hold">
+                      <p:stCondLst>
+                        <p:cond delay="indefinite"/>
+                      </p:stCondLst>
+                      <p:childTnLst>
+                        <p:par>
+                          <p:cTn id="10" fill="hold">
+                            <p:stCondLst>
+                              <p:cond delay="0"/>
+                            </p:stCondLst>
+                            <p:childTnLst>
+                              <p:par>
+                                <p:cTn id="11" presetID="1" presetClass="entr" presetSubtype="0" fill="hold" nodeType="clickEffect">
+                                  <p:stCondLst>
+                                    <p:cond delay="0"/>
+                                  </p:stCondLst>
+                                  <p:childTnLst>
+                                    <p:set>
+                                      <p:cBhvr>
+                                        <p:cTn id="12" dur="1" fill="hold">
+                                          <p:stCondLst>
+                                            <p:cond delay="0"/>
+                                          </p:stCondLst>
+                                        </p:cTn>
+                                        <p:tgtEl>
+                                          <p:spTgt spid="3">
+                                            <p:txEl>
+                                              <p:pRg st="6" end="6"/>
+                                            </p:txEl>
+                                          </p:spTgt>
+                                        </p:tgtEl>
+                                        <p:attrNameLst>
+                                          <p:attrName>style.visibility</p:attrName>
+                                        </p:attrNameLst>
+                                      </p:cBhvr>
+                                      <p:to>
+                                        <p:strVal val="visible"/>
+                                      </p:to>
+                                    </p:set>
+                                  </p:childTnLst>
+                                </p:cTn>
+                              </p:par>
+                              <p:par>
+                                <p:cTn id="13" presetID="1" presetClass="entr" presetSubtype="0" fill="hold" nodeType="withEffect">
+                                  <p:stCondLst>
+                                    <p:cond delay="0"/>
+                                  </p:stCondLst>
+                                  <p:childTnLst>
+                                    <p:set>
+                                      <p:cBhvr>
+                                        <p:cTn id="14" dur="1" fill="hold">
+                                          <p:stCondLst>
+                                            <p:cond delay="0"/>
+                                          </p:stCondLst>
+                                        </p:cTn>
+                                        <p:tgtEl>
+                                          <p:spTgt spid="3">
+                                            <p:txEl>
+                                              <p:pRg st="7" end="7"/>
+                                            </p:txEl>
+                                          </p:spTgt>
+                                        </p:tgtEl>
+                                        <p:attrNameLst>
+                                          <p:attrName>style.visibility</p:attrName>
+                                        </p:attrNameLst>
+                                      </p:cBhvr>
+                                      <p:to>
+                                        <p:strVal val="visible"/>
+                                      </p:to>
+                                    </p:set>
+                                  </p:childTnLst>
+                                </p:cTn>
+                              </p:par>
+                            </p:childTnLst>
+                          </p:cTn>
+                        </p:par>
+                      </p:childTnLst>
+                    </p:cTn>
+                  </p:par>
+                </p:childTnLst>
+              </p:cTn>
+              <p:prevCondLst>
+                <p:cond evt="onPrev" delay="0">
+                  <p:tgtEl>
+                    <p:sldTgt/>
+                  </p:tgtEl>
+                </p:cond>
+              </p:prevCondLst>
+              <p:nextCondLst>
+                <p:cond evt="onNext" delay="0">
+                  <p:tgtEl>
+                    <p:sldTgt/>
+                  </p:tgtEl>
+                </p:cond>
+              </p:nextCondLst>
+            </p:seq>
+          </p:childTnLst>
+        </p:cTn>
+      </p:par>
+    </p:tnLst>
+  </p:timing>
+</p:sld>
+</file>
+
+<file path=ppt/slides/slide2.xml><?xml version="1.0" encoding="utf-8"?>
+<p:sld xmlns:a="http://schemas.openxmlformats.org/drawingml/2006/main" xmlns:r="http://schemas.openxmlformats.org/officeDocument/2006/relationships" xmlns:p="http://schemas.openxmlformats.org/presentationml/2006/main">
+  <p:cSld>
+    <p:spTree>
+      <p:nvGrpSpPr>
+        <p:cNvPr id="1" name=""/>
+        <p:cNvGrpSpPr/>
+        <p:nvPr/>
+      </p:nvGrpSpPr>
+      <p:grpSpPr>
+        <a:xfrm>
+          <a:off x="0" y="0"/>
+          <a:ext cx="0" cy="0"/>
+          <a:chOff x="0" y="0"/>
+          <a:chExt cx="0" cy="0"/>
+        </a:xfrm>
+      </p:grpSpPr>
+      <p:sp>
+        <p:nvSpPr>
+          <p:cNvPr id="2" name="Title 1"/>
+          <p:cNvSpPr>
+            <a:spLocks noGrp="1"/>
+          </p:cNvSpPr>
+          <p:nvPr>
+            <p:ph type="title"/>
+          </p:nvPr>
+        </p:nvSpPr>
+        <p:spPr/>
+        <p:txBody>
+          <a:bodyPr/>
+          <a:lstStyle/>
+          <a:p>
+            <a:r>
+              <a:rPr lang="en-CA" dirty="0" smtClean="0"/>
+              <a:t>Questions:</a:t>
+            </a:r>
+            <a:endParaRPr lang="en-CA" dirty="0"/>
+          </a:p>
+        </p:txBody>
+      </p:sp>
+      <p:sp>
+        <p:nvSpPr>
+          <p:cNvPr id="3" name="Content Placeholder 2"/>
+          <p:cNvSpPr>
+            <a:spLocks noGrp="1"/>
+          </p:cNvSpPr>
+          <p:nvPr>
+            <p:ph idx="1"/>
+          </p:nvPr>
+        </p:nvSpPr>
+        <p:spPr>
+          <a:xfrm>
+            <a:off x="336685" y="1576720"/>
+            <a:ext cx="7736167" cy="5036741"/>
+          </a:xfrm>
+        </p:spPr>
+        <p:txBody>
+          <a:bodyPr>
+            <a:normAutofit/>
+          </a:bodyPr>
+          <a:lstStyle/>
+          <a:p>
+            <a:r>
+              <a:rPr lang="en-CA" dirty="0" smtClean="0"/>
+              <a:t>How does the way we process music change with</a:t>
+            </a:r>
+            <a:r>
+              <a:rPr lang="mr-IN" dirty="0" smtClean="0"/>
+              <a:t>…</a:t>
+            </a:r>
+            <a:endParaRPr lang="en-CA" dirty="0" smtClean="0"/>
+          </a:p>
+          <a:p>
+            <a:pPr lvl="1"/>
+            <a:r>
+              <a:rPr lang="en-CA" dirty="0" smtClean="0"/>
+              <a:t>age? </a:t>
+            </a:r>
+          </a:p>
+          <a:p>
+            <a:pPr lvl="1"/>
+            <a:r>
+              <a:rPr lang="en-CA" dirty="0"/>
+              <a:t>l</a:t>
+            </a:r>
+            <a:r>
+              <a:rPr lang="en-CA" dirty="0" smtClean="0"/>
+              <a:t>anguage?</a:t>
+            </a:r>
+          </a:p>
+          <a:p>
+            <a:pPr lvl="1"/>
+            <a:r>
+              <a:rPr lang="en-CA" dirty="0"/>
+              <a:t>f</a:t>
+            </a:r>
+            <a:r>
+              <a:rPr lang="en-CA" dirty="0" smtClean="0"/>
+              <a:t>amiliarity?</a:t>
+            </a:r>
+            <a:endParaRPr lang="en-CA" dirty="0"/>
+          </a:p>
+          <a:p>
+            <a:endParaRPr lang="en-CA" dirty="0" smtClean="0"/>
+          </a:p>
+          <a:p>
+            <a:r>
+              <a:rPr lang="en-CA" dirty="0" smtClean="0"/>
+              <a:t>Change in both levels of activation and levels of synchrony between individuals</a:t>
+            </a:r>
+          </a:p>
+          <a:p>
+            <a:pPr lvl="1"/>
+            <a:r>
+              <a:rPr lang="en-CA" dirty="0" smtClean="0"/>
+              <a:t>BOLD fMRI data</a:t>
+            </a:r>
+          </a:p>
+          <a:p>
+            <a:pPr lvl="1"/>
+            <a:r>
+              <a:rPr lang="en-CA" dirty="0" smtClean="0"/>
+              <a:t>Inter-subject synchrony</a:t>
+            </a:r>
+          </a:p>
+          <a:p>
+            <a:endParaRPr lang="en-CA" dirty="0" smtClean="0"/>
+          </a:p>
+          <a:p>
+            <a:pPr lvl="1"/>
+            <a:endParaRPr lang="en-CA" dirty="0"/>
+          </a:p>
+        </p:txBody>
+      </p:sp>
+    </p:spTree>
+    <p:extLst>
+      <p:ext uri="{BB962C8B-B14F-4D97-AF65-F5344CB8AC3E}">
+        <p14:creationId xmlns:p14="http://schemas.microsoft.com/office/powerpoint/2010/main" val="2621877864"/>
+      </p:ext>
+    </p:extLst>
+  </p:cSld>
+  <p:clrMapOvr>
+    <a:masterClrMapping/>
+  </p:clrMapOvr>
+  <p:timing>
+    <p:tnLst>
+      <p:par>
+        <p:cTn id="1" dur="indefinite" restart="never" nodeType="tmRoot">
+          <p:childTnLst>
+            <p:seq concurrent="1" nextAc="seek">
+              <p:cTn id="2" dur="indefinite" nodeType="mainSeq">
+                <p:childTnLst>
+                  <p:par>
+                    <p:cTn id="3" fill="hold">
+                      <p:stCondLst>
+                        <p:cond delay="indefinite"/>
+                      </p:stCondLst>
+                      <p:childTnLst>
+                        <p:par>
+                          <p:cTn id="4" fill="hold">
+                            <p:stCondLst>
+                              <p:cond delay="0"/>
+                            </p:stCondLst>
+                            <p:childTnLst>
+                              <p:par>
+                                <p:cTn id="5" presetID="1" presetClass="entr" presetSubtype="0" fill="hold" nodeType="clickEffect">
+                                  <p:stCondLst>
+                                    <p:cond delay="0"/>
+                                  </p:stCondLst>
+                                  <p:childTnLst>
+                                    <p:set>
+                                      <p:cBhvr>
+                                        <p:cTn id="6" dur="1" fill="hold">
+                                          <p:stCondLst>
+                                            <p:cond delay="0"/>
+                                          </p:stCondLst>
+                                        </p:cTn>
+                                        <p:tgtEl>
+                                          <p:spTgt spid="3">
+                                            <p:txEl>
+                                              <p:pRg st="5" end="5"/>
+                                            </p:txEl>
+                                          </p:spTgt>
+                                        </p:tgtEl>
+                                        <p:attrNameLst>
+                                          <p:attrName>style.visibility</p:attrName>
+                                        </p:attrNameLst>
+                                      </p:cBhvr>
+                                      <p:to>
+                                        <p:strVal val="visible"/>
+                                      </p:to>
+                                    </p:set>
+                                  </p:childTnLst>
+                                </p:cTn>
+                              </p:par>
+                              <p:par>
+                                <p:cTn id="7" presetID="1" presetClass="entr" presetSubtype="0" fill="hold" nodeType="withEffect">
+                                  <p:stCondLst>
+                                    <p:cond delay="0"/>
+                                  </p:stCondLst>
+                                  <p:childTnLst>
+                                    <p:set>
+                                      <p:cBhvr>
+                                        <p:cTn id="8" dur="1" fill="hold">
+                                          <p:stCondLst>
+                                            <p:cond delay="0"/>
+                                          </p:stCondLst>
+                                        </p:cTn>
+                                        <p:tgtEl>
+                                          <p:spTgt spid="3">
+                                            <p:txEl>
+                                              <p:pRg st="6" end="6"/>
+                                            </p:txEl>
+                                          </p:spTgt>
+                                        </p:tgtEl>
+                                        <p:attrNameLst>
+                                          <p:attrName>style.visibility</p:attrName>
+                                        </p:attrNameLst>
+                                      </p:cBhvr>
+                                      <p:to>
+                                        <p:strVal val="visible"/>
+                                      </p:to>
+                                    </p:set>
+                                  </p:childTnLst>
+                                </p:cTn>
+                              </p:par>
+                              <p:par>
+                                <p:cTn id="9" presetID="1" presetClass="entr" presetSubtype="0" fill="hold" nodeType="withEffect">
+                                  <p:stCondLst>
+                                    <p:cond delay="0"/>
+                                  </p:stCondLst>
+                                  <p:childTnLst>
+                                    <p:set>
+                                      <p:cBhvr>
+                                        <p:cTn id="10" dur="1" fill="hold">
+                                          <p:stCondLst>
+                                            <p:cond delay="0"/>
+                                          </p:stCondLst>
+                                        </p:cTn>
+                                        <p:tgtEl>
+                                          <p:spTgt spid="3">
+                                            <p:txEl>
+                                              <p:pRg st="7" end="7"/>
+                                            </p:txEl>
+                                          </p:spTgt>
+                                        </p:tgtEl>
+                                        <p:attrNameLst>
+                                          <p:attrName>style.visibility</p:attrName>
+                                        </p:attrNameLst>
+                                      </p:cBhvr>
+                                      <p:to>
+                                        <p:strVal val="visible"/>
+                                      </p:to>
+                                    </p:set>
+                                  </p:childTnLst>
+                                </p:cTn>
+                              </p:par>
+                            </p:childTnLst>
+                          </p:cTn>
+                        </p:par>
+                      </p:childTnLst>
+                    </p:cTn>
+                  </p:par>
+                </p:childTnLst>
+              </p:cTn>
+              <p:prevCondLst>
+                <p:cond evt="onPrev" delay="0">
+                  <p:tgtEl>
+                    <p:sldTgt/>
+                  </p:tgtEl>
+                </p:cond>
+              </p:prevCondLst>
+              <p:nextCondLst>
+                <p:cond evt="onNext" delay="0">
+                  <p:tgtEl>
+                    <p:sldTgt/>
+                  </p:tgtEl>
+                </p:cond>
+              </p:nextCondLst>
+            </p:seq>
+          </p:childTnLst>
+        </p:cTn>
+      </p:par>
+    </p:tnLst>
+  </p:timing>
+</p:sld>
+</file>
+
+<file path=ppt/slides/slide20.xml><?xml version="1.0" encoding="utf-8"?>
+<p:sld xmlns:a="http://schemas.openxmlformats.org/drawingml/2006/main" xmlns:r="http://schemas.openxmlformats.org/officeDocument/2006/relationships" xmlns:p="http://schemas.openxmlformats.org/presentationml/2006/main">
+  <p:cSld>
+    <p:spTree>
+      <p:nvGrpSpPr>
+        <p:cNvPr id="1" name=""/>
+        <p:cNvGrpSpPr/>
+        <p:nvPr/>
+      </p:nvGrpSpPr>
+      <p:grpSpPr>
+        <a:xfrm>
+          <a:off x="0" y="0"/>
+          <a:ext cx="0" cy="0"/>
+          <a:chOff x="0" y="0"/>
+          <a:chExt cx="0" cy="0"/>
+        </a:xfrm>
+      </p:grpSpPr>
+      <p:sp>
+        <p:nvSpPr>
+          <p:cNvPr id="2" name="Title 1"/>
+          <p:cNvSpPr>
+            <a:spLocks noGrp="1"/>
+          </p:cNvSpPr>
+          <p:nvPr>
+            <p:ph type="title"/>
+          </p:nvPr>
+        </p:nvSpPr>
+        <p:spPr/>
+        <p:txBody>
+          <a:bodyPr/>
+          <a:lstStyle/>
+          <a:p>
+            <a:r>
               <a:rPr lang="en-US" dirty="0" smtClean="0"/>
               <a:t>Explore the synchrony </a:t>
             </a:r>
@@ -8798,11 +10029,15 @@
             <a:pPr lvl="2"/>
             <a:r>
               <a:rPr lang="en-US" dirty="0" err="1" smtClean="0"/>
-              <a:t>Heschel’s</a:t>
+              <a:t>Heschl’s</a:t>
             </a:r>
             <a:r>
               <a:rPr lang="en-US" dirty="0" smtClean="0"/>
-              <a:t> gyrus</a:t>
+              <a:t> </a:t>
+            </a:r>
+            <a:r>
+              <a:rPr lang="en-US" dirty="0" smtClean="0"/>
+              <a:t>gyrus</a:t>
             </a:r>
           </a:p>
           <a:p>
@@ -8949,7 +10184,7 @@
   <p:timing>
     <p:tnLst>
       <p:par>
-        <p:cTn xmlns:p14="http://schemas.microsoft.com/office/powerpoint/2010/main" id="1" dur="indefinite" restart="never" nodeType="tmRoot">
+        <p:cTn id="1" dur="indefinite" restart="never" nodeType="tmRoot">
           <p:childTnLst>
             <p:seq concurrent="1" nextAc="seek">
               <p:cTn id="2" dur="indefinite" nodeType="mainSeq">
@@ -9245,33 +10480,15 @@
                                   </p:childTnLst>
                                 </p:cTn>
                               </p:par>
-                            </p:childTnLst>
-                          </p:cTn>
-                        </p:par>
-                      </p:childTnLst>
-                    </p:cTn>
-                  </p:par>
-                  <p:par>
-                    <p:cTn id="23" fill="hold">
-                      <p:stCondLst>
-                        <p:cond delay="indefinite"/>
-                      </p:stCondLst>
-                      <p:childTnLst>
-                        <p:par>
-                          <p:cTn id="24" fill="hold">
-                            <p:stCondLst>
-                              <p:cond delay="0"/>
-                            </p:stCondLst>
-                            <p:childTnLst>
                               <p:par>
-                                <p:cTn id="25" presetID="1" presetClass="entr" presetSubtype="0" fill="hold" grpId="0" nodeType="clickEffect">
+                                <p:cTn id="23" presetID="1" presetClass="entr" presetSubtype="0" fill="hold" grpId="0" nodeType="withEffect">
                                   <p:stCondLst>
                                     <p:cond delay="0"/>
                                   </p:stCondLst>
                                   <p:childTnLst>
                                     <p:set>
                                       <p:cBhvr>
-                                        <p:cTn id="26" dur="1" fill="hold">
+                                        <p:cTn id="24" dur="1" fill="hold">
                                           <p:stCondLst>
                                             <p:cond delay="0"/>
                                           </p:stCondLst>
@@ -9291,14 +10508,14 @@
                                 </p:cTn>
                               </p:par>
                               <p:par>
-                                <p:cTn id="27" presetID="1" presetClass="entr" presetSubtype="0" fill="hold" grpId="0" nodeType="withEffect">
+                                <p:cTn id="25" presetID="1" presetClass="entr" presetSubtype="0" fill="hold" grpId="0" nodeType="withEffect">
                                   <p:stCondLst>
                                     <p:cond delay="0"/>
                                   </p:stCondLst>
                                   <p:childTnLst>
                                     <p:set>
                                       <p:cBhvr>
-                                        <p:cTn id="28" dur="1" fill="hold">
+                                        <p:cTn id="26" dur="1" fill="hold">
                                           <p:stCondLst>
                                             <p:cond delay="0"/>
                                           </p:stCondLst>
@@ -9352,295 +10569,7 @@
 </p:sld>
 </file>
 
-<file path=ppt/slides/slide2.xml><?xml version="1.0" encoding="utf-8"?>
-<p:sld xmlns:a="http://schemas.openxmlformats.org/drawingml/2006/main" xmlns:r="http://schemas.openxmlformats.org/officeDocument/2006/relationships" xmlns:p="http://schemas.openxmlformats.org/presentationml/2006/main">
-  <p:cSld>
-    <p:spTree>
-      <p:nvGrpSpPr>
-        <p:cNvPr id="1" name=""/>
-        <p:cNvGrpSpPr/>
-        <p:nvPr/>
-      </p:nvGrpSpPr>
-      <p:grpSpPr>
-        <a:xfrm>
-          <a:off x="0" y="0"/>
-          <a:ext cx="0" cy="0"/>
-          <a:chOff x="0" y="0"/>
-          <a:chExt cx="0" cy="0"/>
-        </a:xfrm>
-      </p:grpSpPr>
-      <p:sp>
-        <p:nvSpPr>
-          <p:cNvPr id="2" name="Title 1"/>
-          <p:cNvSpPr>
-            <a:spLocks noGrp="1"/>
-          </p:cNvSpPr>
-          <p:nvPr>
-            <p:ph type="title"/>
-          </p:nvPr>
-        </p:nvSpPr>
-        <p:spPr/>
-        <p:txBody>
-          <a:bodyPr/>
-          <a:lstStyle/>
-          <a:p>
-            <a:r>
-              <a:rPr lang="en-CA" dirty="0" smtClean="0"/>
-              <a:t>Questions:</a:t>
-            </a:r>
-            <a:endParaRPr lang="en-CA" dirty="0"/>
-          </a:p>
-        </p:txBody>
-      </p:sp>
-      <p:sp>
-        <p:nvSpPr>
-          <p:cNvPr id="3" name="Content Placeholder 2"/>
-          <p:cNvSpPr>
-            <a:spLocks noGrp="1"/>
-          </p:cNvSpPr>
-          <p:nvPr>
-            <p:ph idx="1"/>
-          </p:nvPr>
-        </p:nvSpPr>
-        <p:spPr>
-          <a:xfrm>
-            <a:off x="336685" y="1576720"/>
-            <a:ext cx="7736167" cy="5036741"/>
-          </a:xfrm>
-        </p:spPr>
-        <p:txBody>
-          <a:bodyPr>
-            <a:normAutofit/>
-          </a:bodyPr>
-          <a:lstStyle/>
-          <a:p>
-            <a:r>
-              <a:rPr lang="en-CA" dirty="0" smtClean="0"/>
-              <a:t>How does the way we process music change with</a:t>
-            </a:r>
-            <a:r>
-              <a:rPr lang="mr-IN" dirty="0" smtClean="0"/>
-              <a:t>…</a:t>
-            </a:r>
-            <a:endParaRPr lang="en-CA" dirty="0" smtClean="0"/>
-          </a:p>
-          <a:p>
-            <a:pPr lvl="1"/>
-            <a:r>
-              <a:rPr lang="en-CA" dirty="0" smtClean="0"/>
-              <a:t>age? </a:t>
-            </a:r>
-          </a:p>
-          <a:p>
-            <a:pPr lvl="1"/>
-            <a:r>
-              <a:rPr lang="en-CA" dirty="0"/>
-              <a:t>l</a:t>
-            </a:r>
-            <a:r>
-              <a:rPr lang="en-CA" dirty="0" smtClean="0"/>
-              <a:t>anguage?</a:t>
-            </a:r>
-          </a:p>
-          <a:p>
-            <a:pPr lvl="1"/>
-            <a:r>
-              <a:rPr lang="en-CA" dirty="0"/>
-              <a:t>f</a:t>
-            </a:r>
-            <a:r>
-              <a:rPr lang="en-CA" dirty="0" smtClean="0"/>
-              <a:t>amiliarity?</a:t>
-            </a:r>
-            <a:endParaRPr lang="en-CA" dirty="0"/>
-          </a:p>
-          <a:p>
-            <a:endParaRPr lang="en-CA" dirty="0" smtClean="0"/>
-          </a:p>
-          <a:p>
-            <a:r>
-              <a:rPr lang="en-CA" dirty="0" smtClean="0"/>
-              <a:t>Change in both levels of activation and levels of synchrony between individuals</a:t>
-            </a:r>
-          </a:p>
-          <a:p>
-            <a:pPr lvl="1"/>
-            <a:r>
-              <a:rPr lang="en-CA" dirty="0" smtClean="0"/>
-              <a:t>BOLD fMRI data</a:t>
-            </a:r>
-          </a:p>
-          <a:p>
-            <a:pPr lvl="1"/>
-            <a:r>
-              <a:rPr lang="en-CA" dirty="0" smtClean="0"/>
-              <a:t>Inter-subject synchrony</a:t>
-            </a:r>
-          </a:p>
-          <a:p>
-            <a:endParaRPr lang="en-CA" dirty="0" smtClean="0"/>
-          </a:p>
-          <a:p>
-            <a:pPr lvl="1"/>
-            <a:endParaRPr lang="en-CA" dirty="0"/>
-          </a:p>
-        </p:txBody>
-      </p:sp>
-    </p:spTree>
-    <p:extLst>
-      <p:ext uri="{BB962C8B-B14F-4D97-AF65-F5344CB8AC3E}">
-        <p14:creationId xmlns:p14="http://schemas.microsoft.com/office/powerpoint/2010/main" val="2621877864"/>
-      </p:ext>
-    </p:extLst>
-  </p:cSld>
-  <p:clrMapOvr>
-    <a:masterClrMapping/>
-  </p:clrMapOvr>
-  <p:timing>
-    <p:tnLst>
-      <p:par>
-        <p:cTn xmlns:p14="http://schemas.microsoft.com/office/powerpoint/2010/main" id="1" dur="indefinite" restart="never" nodeType="tmRoot">
-          <p:childTnLst>
-            <p:seq concurrent="1" nextAc="seek">
-              <p:cTn id="2" dur="indefinite" nodeType="mainSeq">
-                <p:childTnLst>
-                  <p:par>
-                    <p:cTn id="3" fill="hold">
-                      <p:stCondLst>
-                        <p:cond delay="indefinite"/>
-                      </p:stCondLst>
-                      <p:childTnLst>
-                        <p:par>
-                          <p:cTn id="4" fill="hold">
-                            <p:stCondLst>
-                              <p:cond delay="0"/>
-                            </p:stCondLst>
-                            <p:childTnLst>
-                              <p:par>
-                                <p:cTn id="5" presetID="1" presetClass="entr" presetSubtype="0" fill="hold" nodeType="clickEffect">
-                                  <p:stCondLst>
-                                    <p:cond delay="0"/>
-                                  </p:stCondLst>
-                                  <p:childTnLst>
-                                    <p:set>
-                                      <p:cBhvr>
-                                        <p:cTn id="6" dur="1" fill="hold">
-                                          <p:stCondLst>
-                                            <p:cond delay="0"/>
-                                          </p:stCondLst>
-                                        </p:cTn>
-                                        <p:tgtEl>
-                                          <p:spTgt spid="3">
-                                            <p:txEl>
-                                              <p:pRg st="5" end="5"/>
-                                            </p:txEl>
-                                          </p:spTgt>
-                                        </p:tgtEl>
-                                        <p:attrNameLst>
-                                          <p:attrName>style.visibility</p:attrName>
-                                        </p:attrNameLst>
-                                      </p:cBhvr>
-                                      <p:to>
-                                        <p:strVal val="visible"/>
-                                      </p:to>
-                                    </p:set>
-                                  </p:childTnLst>
-                                </p:cTn>
-                              </p:par>
-                              <p:par>
-                                <p:cTn id="7" presetID="1" presetClass="entr" presetSubtype="0" fill="hold" nodeType="withEffect">
-                                  <p:stCondLst>
-                                    <p:cond delay="0"/>
-                                  </p:stCondLst>
-                                  <p:childTnLst>
-                                    <p:set>
-                                      <p:cBhvr>
-                                        <p:cTn id="8" dur="1" fill="hold">
-                                          <p:stCondLst>
-                                            <p:cond delay="0"/>
-                                          </p:stCondLst>
-                                        </p:cTn>
-                                        <p:tgtEl>
-                                          <p:spTgt spid="3">
-                                            <p:txEl>
-                                              <p:pRg st="6" end="6"/>
-                                            </p:txEl>
-                                          </p:spTgt>
-                                        </p:tgtEl>
-                                        <p:attrNameLst>
-                                          <p:attrName>style.visibility</p:attrName>
-                                        </p:attrNameLst>
-                                      </p:cBhvr>
-                                      <p:to>
-                                        <p:strVal val="visible"/>
-                                      </p:to>
-                                    </p:set>
-                                  </p:childTnLst>
-                                </p:cTn>
-                              </p:par>
-                              <p:par>
-                                <p:cTn id="9" presetID="1" presetClass="entr" presetSubtype="0" fill="hold" nodeType="withEffect">
-                                  <p:stCondLst>
-                                    <p:cond delay="0"/>
-                                  </p:stCondLst>
-                                  <p:childTnLst>
-                                    <p:set>
-                                      <p:cBhvr>
-                                        <p:cTn id="10" dur="1" fill="hold">
-                                          <p:stCondLst>
-                                            <p:cond delay="0"/>
-                                          </p:stCondLst>
-                                        </p:cTn>
-                                        <p:tgtEl>
-                                          <p:spTgt spid="3">
-                                            <p:txEl>
-                                              <p:pRg st="7" end="7"/>
-                                            </p:txEl>
-                                          </p:spTgt>
-                                        </p:tgtEl>
-                                        <p:attrNameLst>
-                                          <p:attrName>style.visibility</p:attrName>
-                                        </p:attrNameLst>
-                                      </p:cBhvr>
-                                      <p:to>
-                                        <p:strVal val="visible"/>
-                                      </p:to>
-                                    </p:set>
-                                  </p:childTnLst>
-                                </p:cTn>
-                              </p:par>
-                            </p:childTnLst>
-                          </p:cTn>
-                        </p:par>
-                      </p:childTnLst>
-                    </p:cTn>
-                  </p:par>
-                </p:childTnLst>
-              </p:cTn>
-              <p:prevCondLst>
-                <p:cond evt="onPrev" delay="0">
-                  <p:tgtEl>
-                    <p:sldTgt/>
-                  </p:tgtEl>
-                </p:cond>
-              </p:prevCondLst>
-              <p:nextCondLst>
-                <p:cond evt="onNext" delay="0">
-                  <p:tgtEl>
-                    <p:sldTgt/>
-                  </p:tgtEl>
-                </p:cond>
-              </p:nextCondLst>
-            </p:seq>
-          </p:childTnLst>
-        </p:cTn>
-      </p:par>
-    </p:tnLst>
-  </p:timing>
-</p:sld>
-</file>
-
-<file path=ppt/slides/slide20.xml><?xml version="1.0" encoding="utf-8"?>
+<file path=ppt/slides/slide21.xml><?xml version="1.0" encoding="utf-8"?>
 <p:sld xmlns:a="http://schemas.openxmlformats.org/drawingml/2006/main" xmlns:r="http://schemas.openxmlformats.org/officeDocument/2006/relationships" xmlns:p="http://schemas.openxmlformats.org/presentationml/2006/main">
   <p:cSld>
     <p:spTree>
@@ -10286,7 +11215,7 @@
         <p:spPr>
           <a:xfrm>
             <a:off x="2154093" y="186781"/>
-            <a:ext cx="1662534" cy="369332"/>
+            <a:ext cx="1531317" cy="369332"/>
           </a:xfrm>
           <a:prstGeom prst="rect">
             <a:avLst/>
@@ -10301,14 +11230,14 @@
           <a:p>
             <a:r>
               <a:rPr lang="en-CA" dirty="0" err="1" smtClean="0"/>
-              <a:t>Heschel’s</a:t>
+              <a:t>Heschl’s</a:t>
             </a:r>
             <a:r>
               <a:rPr lang="en-CA" dirty="0" smtClean="0"/>
               <a:t> </a:t>
             </a:r>
             <a:r>
-              <a:rPr lang="en-CA" dirty="0" err="1" smtClean="0"/>
+              <a:rPr lang="en-CA" dirty="0" smtClean="0"/>
               <a:t>Gyrus</a:t>
             </a:r>
             <a:endParaRPr lang="en-CA" dirty="0"/>
@@ -10374,7 +11303,7 @@
   <p:timing>
     <p:tnLst>
       <p:par>
-        <p:cTn xmlns:p14="http://schemas.microsoft.com/office/powerpoint/2010/main" id="1" dur="indefinite" restart="never" nodeType="tmRoot">
+        <p:cTn id="1" dur="indefinite" restart="never" nodeType="tmRoot">
           <p:childTnLst>
             <p:seq concurrent="1" nextAc="seek">
               <p:cTn id="2" dur="indefinite" nodeType="mainSeq">
@@ -10452,7 +11381,7 @@
 </p:sld>
 </file>
 
-<file path=ppt/slides/slide21.xml><?xml version="1.0" encoding="utf-8"?>
+<file path=ppt/slides/slide22.xml><?xml version="1.0" encoding="utf-8"?>
 <p:sld xmlns:a="http://schemas.openxmlformats.org/drawingml/2006/main" xmlns:r="http://schemas.openxmlformats.org/officeDocument/2006/relationships" xmlns:p="http://schemas.openxmlformats.org/presentationml/2006/main">
   <p:cSld>
     <p:spTree>
@@ -10488,19 +11417,15 @@
           <a:p>
             <a:r>
               <a:rPr lang="en-CA" sz="4000" dirty="0" err="1" smtClean="0"/>
-              <a:t>Heschel’s</a:t>
+              <a:t>Heschl’s</a:t>
             </a:r>
             <a:r>
               <a:rPr lang="en-CA" sz="4000" dirty="0" smtClean="0"/>
-              <a:t> overlay with </a:t>
-            </a:r>
-            <a:r>
-              <a:rPr lang="en-CA" sz="4000" dirty="0" err="1" smtClean="0"/>
-              <a:t>stim</a:t>
+              <a:t> </a:t>
             </a:r>
             <a:r>
               <a:rPr lang="en-CA" sz="4000" dirty="0" smtClean="0"/>
-              <a:t> envelope</a:t>
+              <a:t>overlay with stim envelope</a:t>
             </a:r>
             <a:endParaRPr lang="en-CA" sz="4000" dirty="0"/>
           </a:p>
@@ -10549,15 +11474,15 @@
   <p:timing>
     <p:tnLst>
       <p:par>
-        <p:cTn xmlns:p14="http://schemas.microsoft.com/office/powerpoint/2010/main" id="1" dur="indefinite" restart="never" nodeType="tmRoot"/>
+        <p:cTn id="1" dur="indefinite" restart="never" nodeType="tmRoot"/>
       </p:par>
     </p:tnLst>
   </p:timing>
 </p:sld>
 </file>
 
-<file path=ppt/slides/slide22.xml><?xml version="1.0" encoding="utf-8"?>
-<p:sld xmlns:a="http://schemas.openxmlformats.org/drawingml/2006/main" xmlns:r="http://schemas.openxmlformats.org/officeDocument/2006/relationships" xmlns:p="http://schemas.openxmlformats.org/presentationml/2006/main">
+<file path=ppt/slides/slide23.xml><?xml version="1.0" encoding="utf-8"?>
+<p:sld xmlns:a="http://schemas.openxmlformats.org/drawingml/2006/main" xmlns:r="http://schemas.openxmlformats.org/officeDocument/2006/relationships" xmlns:p="http://schemas.openxmlformats.org/presentationml/2006/main" show="0">
   <p:cSld>
     <p:spTree>
       <p:nvGrpSpPr>
@@ -11232,18 +12157,26 @@
   <p:clrMapOvr>
     <a:masterClrMapping/>
   </p:clrMapOvr>
+  <mc:AlternateContent xmlns:mc="http://schemas.openxmlformats.org/markup-compatibility/2006">
+    <mc:Choice xmlns:p14="http://schemas.microsoft.com/office/powerpoint/2010/main" Requires="p14">
+      <p:transition spd="slow" p14:dur="2000"/>
+    </mc:Choice>
+    <mc:Fallback>
+      <p:transition spd="slow"/>
+    </mc:Fallback>
+  </mc:AlternateContent>
   <p:timing>
     <p:tnLst>
       <p:par>
-        <p:cTn xmlns:p14="http://schemas.microsoft.com/office/powerpoint/2010/main" id="1" dur="indefinite" restart="never" nodeType="tmRoot"/>
+        <p:cTn id="1" dur="indefinite" restart="never" nodeType="tmRoot"/>
       </p:par>
     </p:tnLst>
   </p:timing>
 </p:sld>
 </file>
 
-<file path=ppt/slides/slide23.xml><?xml version="1.0" encoding="utf-8"?>
-<p:sld xmlns:a="http://schemas.openxmlformats.org/drawingml/2006/main" xmlns:r="http://schemas.openxmlformats.org/officeDocument/2006/relationships" xmlns:p="http://schemas.openxmlformats.org/presentationml/2006/main">
+<file path=ppt/slides/slide24.xml><?xml version="1.0" encoding="utf-8"?>
+<p:sld xmlns:a="http://schemas.openxmlformats.org/drawingml/2006/main" xmlns:r="http://schemas.openxmlformats.org/officeDocument/2006/relationships" xmlns:p="http://schemas.openxmlformats.org/presentationml/2006/main" show="0">
   <p:cSld>
     <p:spTree>
       <p:nvGrpSpPr>
@@ -11920,18 +12853,26 @@
   <p:clrMapOvr>
     <a:masterClrMapping/>
   </p:clrMapOvr>
+  <mc:AlternateContent xmlns:mc="http://schemas.openxmlformats.org/markup-compatibility/2006">
+    <mc:Choice xmlns:p14="http://schemas.microsoft.com/office/powerpoint/2010/main" Requires="p14">
+      <p:transition spd="slow" p14:dur="2000"/>
+    </mc:Choice>
+    <mc:Fallback>
+      <p:transition spd="slow"/>
+    </mc:Fallback>
+  </mc:AlternateContent>
   <p:timing>
     <p:tnLst>
       <p:par>
-        <p:cTn xmlns:p14="http://schemas.microsoft.com/office/powerpoint/2010/main" id="1" dur="indefinite" restart="never" nodeType="tmRoot"/>
+        <p:cTn id="1" dur="indefinite" restart="never" nodeType="tmRoot"/>
       </p:par>
     </p:tnLst>
   </p:timing>
 </p:sld>
 </file>
 
-<file path=ppt/slides/slide24.xml><?xml version="1.0" encoding="utf-8"?>
-<p:sld xmlns:a="http://schemas.openxmlformats.org/drawingml/2006/main" xmlns:r="http://schemas.openxmlformats.org/officeDocument/2006/relationships" xmlns:p="http://schemas.openxmlformats.org/presentationml/2006/main">
+<file path=ppt/slides/slide25.xml><?xml version="1.0" encoding="utf-8"?>
+<p:sld xmlns:a="http://schemas.openxmlformats.org/drawingml/2006/main" xmlns:r="http://schemas.openxmlformats.org/officeDocument/2006/relationships" xmlns:p="http://schemas.openxmlformats.org/presentationml/2006/main" show="0">
   <p:cSld>
     <p:spTree>
       <p:nvGrpSpPr>
@@ -12606,17 +13547,25 @@
   <p:clrMapOvr>
     <a:masterClrMapping/>
   </p:clrMapOvr>
+  <mc:AlternateContent xmlns:mc="http://schemas.openxmlformats.org/markup-compatibility/2006">
+    <mc:Choice xmlns:p14="http://schemas.microsoft.com/office/powerpoint/2010/main" Requires="p14">
+      <p:transition spd="slow" p14:dur="2000"/>
+    </mc:Choice>
+    <mc:Fallback>
+      <p:transition spd="slow"/>
+    </mc:Fallback>
+  </mc:AlternateContent>
   <p:timing>
     <p:tnLst>
       <p:par>
-        <p:cTn xmlns:p14="http://schemas.microsoft.com/office/powerpoint/2010/main" id="1" dur="indefinite" restart="never" nodeType="tmRoot"/>
+        <p:cTn id="1" dur="indefinite" restart="never" nodeType="tmRoot"/>
       </p:par>
     </p:tnLst>
   </p:timing>
 </p:sld>
 </file>
 
-<file path=ppt/slides/slide25.xml><?xml version="1.0" encoding="utf-8"?>
+<file path=ppt/slides/slide26.xml><?xml version="1.0" encoding="utf-8"?>
 <p:sld xmlns:a="http://schemas.openxmlformats.org/drawingml/2006/main" xmlns:r="http://schemas.openxmlformats.org/officeDocument/2006/relationships" xmlns:p="http://schemas.openxmlformats.org/presentationml/2006/main">
   <p:cSld>
     <p:spTree>
@@ -13301,117 +14250,7 @@
   <p:timing>
     <p:tnLst>
       <p:par>
-        <p:cTn xmlns:p14="http://schemas.microsoft.com/office/powerpoint/2010/main" id="1" dur="indefinite" restart="never" nodeType="tmRoot"/>
-      </p:par>
-    </p:tnLst>
-  </p:timing>
-</p:sld>
-</file>
-
-<file path=ppt/slides/slide26.xml><?xml version="1.0" encoding="utf-8"?>
-<p:sld xmlns:a="http://schemas.openxmlformats.org/drawingml/2006/main" xmlns:r="http://schemas.openxmlformats.org/officeDocument/2006/relationships" xmlns:p="http://schemas.openxmlformats.org/presentationml/2006/main">
-  <p:cSld>
-    <p:spTree>
-      <p:nvGrpSpPr>
-        <p:cNvPr id="1" name=""/>
-        <p:cNvGrpSpPr/>
-        <p:nvPr/>
-      </p:nvGrpSpPr>
-      <p:grpSpPr>
-        <a:xfrm>
-          <a:off x="0" y="0"/>
-          <a:ext cx="0" cy="0"/>
-          <a:chOff x="0" y="0"/>
-          <a:chExt cx="0" cy="0"/>
-        </a:xfrm>
-      </p:grpSpPr>
-      <p:sp>
-        <p:nvSpPr>
-          <p:cNvPr id="2" name="Title 1"/>
-          <p:cNvSpPr>
-            <a:spLocks noGrp="1"/>
-          </p:cNvSpPr>
-          <p:nvPr>
-            <p:ph type="title"/>
-          </p:nvPr>
-        </p:nvSpPr>
-        <p:spPr/>
-        <p:txBody>
-          <a:bodyPr/>
-          <a:lstStyle/>
-          <a:p>
-            <a:r>
-              <a:rPr lang="en-CA" dirty="0" smtClean="0"/>
-              <a:t>Young Adult Data Summary</a:t>
-            </a:r>
-            <a:endParaRPr lang="en-CA" dirty="0"/>
-          </a:p>
-        </p:txBody>
-      </p:sp>
-      <p:sp>
-        <p:nvSpPr>
-          <p:cNvPr id="3" name="Content Placeholder 2"/>
-          <p:cNvSpPr>
-            <a:spLocks noGrp="1"/>
-          </p:cNvSpPr>
-          <p:nvPr>
-            <p:ph idx="1"/>
-          </p:nvPr>
-        </p:nvSpPr>
-        <p:spPr/>
-        <p:txBody>
-          <a:bodyPr>
-            <a:normAutofit/>
-          </a:bodyPr>
-          <a:lstStyle/>
-          <a:p>
-            <a:r>
-              <a:rPr lang="en-CA" dirty="0" smtClean="0"/>
-              <a:t>No effect of familiarity in either BOLD or Synchrony data</a:t>
-            </a:r>
-          </a:p>
-          <a:p>
-            <a:pPr lvl="1"/>
-            <a:r>
-              <a:rPr lang="en-CA" dirty="0" smtClean="0"/>
-              <a:t>Session effects are seen with Session 1 &gt; Session 2</a:t>
-            </a:r>
-          </a:p>
-          <a:p>
-            <a:endParaRPr lang="en-CA" dirty="0"/>
-          </a:p>
-          <a:p>
-            <a:r>
-              <a:rPr lang="en-CA" dirty="0" smtClean="0"/>
-              <a:t>Effects are seen in stimulus type </a:t>
-            </a:r>
-          </a:p>
-          <a:p>
-            <a:endParaRPr lang="en-CA" dirty="0"/>
-          </a:p>
-          <a:p>
-            <a:r>
-              <a:rPr lang="en-CA" dirty="0" smtClean="0"/>
-              <a:t>Synchrony in Auditory cortices are sensitive to stimulus envelope, but differences in synchrony in other areas are driven by something else. </a:t>
-            </a:r>
-            <a:endParaRPr lang="en-CA" dirty="0"/>
-          </a:p>
-        </p:txBody>
-      </p:sp>
-    </p:spTree>
-    <p:extLst>
-      <p:ext uri="{BB962C8B-B14F-4D97-AF65-F5344CB8AC3E}">
-        <p14:creationId xmlns:p14="http://schemas.microsoft.com/office/powerpoint/2010/main" val="1858868637"/>
-      </p:ext>
-    </p:extLst>
-  </p:cSld>
-  <p:clrMapOvr>
-    <a:masterClrMapping/>
-  </p:clrMapOvr>
-  <p:timing>
-    <p:tnLst>
-      <p:par>
-        <p:cTn xmlns:p14="http://schemas.microsoft.com/office/powerpoint/2010/main" id="1" dur="indefinite" restart="never" nodeType="tmRoot"/>
+        <p:cTn id="1" dur="indefinite" restart="never" nodeType="tmRoot"/>
       </p:par>
     </p:tnLst>
   </p:timing>
@@ -13452,7 +14291,7 @@
           <a:p>
             <a:r>
               <a:rPr lang="en-CA" dirty="0" smtClean="0"/>
-              <a:t>Other Young Adult analyses</a:t>
+              <a:t>Young Adult Data Summary</a:t>
             </a:r>
             <a:endParaRPr lang="en-CA" dirty="0"/>
           </a:p>
@@ -13470,44 +14309,40 @@
         </p:nvSpPr>
         <p:spPr/>
         <p:txBody>
-          <a:bodyPr/>
+          <a:bodyPr>
+            <a:normAutofit/>
+          </a:bodyPr>
           <a:lstStyle/>
           <a:p>
             <a:r>
-              <a:rPr lang="en-US" dirty="0"/>
-              <a:t>Pattern analyses in the data from the short </a:t>
-            </a:r>
-            <a:r>
-              <a:rPr lang="en-US" dirty="0" smtClean="0"/>
-              <a:t>clips (used in BOLD analyses) </a:t>
-            </a:r>
-            <a:endParaRPr lang="en-US" dirty="0"/>
-          </a:p>
-          <a:p>
-            <a:endParaRPr lang="en-US" dirty="0"/>
-          </a:p>
-          <a:p>
-            <a:r>
-              <a:rPr lang="en-US" dirty="0"/>
-              <a:t>Relationship between cognition and synchrony</a:t>
+              <a:rPr lang="en-CA" dirty="0" smtClean="0"/>
+              <a:t>No effect of familiarity in either BOLD or Synchrony data</a:t>
             </a:r>
           </a:p>
           <a:p>
             <a:pPr lvl="1"/>
             <a:r>
-              <a:rPr lang="en-US" dirty="0" smtClean="0"/>
-              <a:t>Started, but unclear how to interpret</a:t>
-            </a:r>
-          </a:p>
-          <a:p>
-            <a:pPr lvl="1"/>
-            <a:r>
-              <a:rPr lang="en-US" dirty="0" smtClean="0"/>
-              <a:t>Might wait until the older adult data is in to compare how older and young adults differ</a:t>
-            </a:r>
-            <a:endParaRPr lang="en-CA" dirty="0" smtClean="0"/>
-          </a:p>
-          <a:p>
+              <a:rPr lang="en-CA" dirty="0" smtClean="0"/>
+              <a:t>Session effects are seen with Session 1 &gt; Session 2</a:t>
+            </a:r>
+          </a:p>
+          <a:p>
+            <a:endParaRPr lang="en-CA" dirty="0"/>
+          </a:p>
+          <a:p>
+            <a:r>
+              <a:rPr lang="en-CA" dirty="0" smtClean="0"/>
+              <a:t>Effects are seen in stimulus type </a:t>
+            </a:r>
+          </a:p>
+          <a:p>
+            <a:endParaRPr lang="en-CA" dirty="0"/>
+          </a:p>
+          <a:p>
+            <a:r>
+              <a:rPr lang="en-CA" dirty="0" smtClean="0"/>
+              <a:t>Synchrony in Auditory cortices are sensitive to stimulus envelope, but differences in synchrony in other areas are driven by something else. </a:t>
+            </a:r>
             <a:endParaRPr lang="en-CA" dirty="0"/>
           </a:p>
         </p:txBody>
@@ -13515,7 +14350,7 @@
     </p:spTree>
     <p:extLst>
       <p:ext uri="{BB962C8B-B14F-4D97-AF65-F5344CB8AC3E}">
-        <p14:creationId xmlns:p14="http://schemas.microsoft.com/office/powerpoint/2010/main" val="2081758839"/>
+        <p14:creationId xmlns:p14="http://schemas.microsoft.com/office/powerpoint/2010/main" val="1858868637"/>
       </p:ext>
     </p:extLst>
   </p:cSld>
@@ -13525,9 +14360,213 @@
   <p:timing>
     <p:tnLst>
       <p:par>
-        <p:cTn xmlns:p14="http://schemas.microsoft.com/office/powerpoint/2010/main" id="1" dur="indefinite" restart="never" nodeType="tmRoot"/>
+        <p:cTn id="1" dur="indefinite" restart="never" nodeType="tmRoot">
+          <p:childTnLst>
+            <p:seq concurrent="1" nextAc="seek">
+              <p:cTn id="2" dur="indefinite" nodeType="mainSeq">
+                <p:childTnLst>
+                  <p:par>
+                    <p:cTn id="3" fill="hold">
+                      <p:stCondLst>
+                        <p:cond delay="indefinite"/>
+                      </p:stCondLst>
+                      <p:childTnLst>
+                        <p:par>
+                          <p:cTn id="4" fill="hold">
+                            <p:stCondLst>
+                              <p:cond delay="0"/>
+                            </p:stCondLst>
+                            <p:childTnLst>
+                              <p:par>
+                                <p:cTn id="5" presetID="1" presetClass="entr" presetSubtype="0" fill="hold" grpId="0" nodeType="clickEffect">
+                                  <p:stCondLst>
+                                    <p:cond delay="0"/>
+                                  </p:stCondLst>
+                                  <p:childTnLst>
+                                    <p:set>
+                                      <p:cBhvr>
+                                        <p:cTn id="6" dur="1" fill="hold">
+                                          <p:stCondLst>
+                                            <p:cond delay="0"/>
+                                          </p:stCondLst>
+                                        </p:cTn>
+                                        <p:tgtEl>
+                                          <p:spTgt spid="3">
+                                            <p:txEl>
+                                              <p:pRg st="0" end="0"/>
+                                            </p:txEl>
+                                          </p:spTgt>
+                                        </p:tgtEl>
+                                        <p:attrNameLst>
+                                          <p:attrName>style.visibility</p:attrName>
+                                        </p:attrNameLst>
+                                      </p:cBhvr>
+                                      <p:to>
+                                        <p:strVal val="visible"/>
+                                      </p:to>
+                                    </p:set>
+                                  </p:childTnLst>
+                                </p:cTn>
+                              </p:par>
+                              <p:par>
+                                <p:cTn id="7" presetID="1" presetClass="entr" presetSubtype="0" fill="hold" grpId="0" nodeType="withEffect">
+                                  <p:stCondLst>
+                                    <p:cond delay="0"/>
+                                  </p:stCondLst>
+                                  <p:childTnLst>
+                                    <p:set>
+                                      <p:cBhvr>
+                                        <p:cTn id="8" dur="1" fill="hold">
+                                          <p:stCondLst>
+                                            <p:cond delay="0"/>
+                                          </p:stCondLst>
+                                        </p:cTn>
+                                        <p:tgtEl>
+                                          <p:spTgt spid="3">
+                                            <p:txEl>
+                                              <p:pRg st="1" end="1"/>
+                                            </p:txEl>
+                                          </p:spTgt>
+                                        </p:tgtEl>
+                                        <p:attrNameLst>
+                                          <p:attrName>style.visibility</p:attrName>
+                                        </p:attrNameLst>
+                                      </p:cBhvr>
+                                      <p:to>
+                                        <p:strVal val="visible"/>
+                                      </p:to>
+                                    </p:set>
+                                  </p:childTnLst>
+                                </p:cTn>
+                              </p:par>
+                            </p:childTnLst>
+                          </p:cTn>
+                        </p:par>
+                      </p:childTnLst>
+                    </p:cTn>
+                  </p:par>
+                  <p:par>
+                    <p:cTn id="9" fill="hold">
+                      <p:stCondLst>
+                        <p:cond delay="indefinite"/>
+                      </p:stCondLst>
+                      <p:childTnLst>
+                        <p:par>
+                          <p:cTn id="10" fill="hold">
+                            <p:stCondLst>
+                              <p:cond delay="0"/>
+                            </p:stCondLst>
+                            <p:childTnLst>
+                              <p:par>
+                                <p:cTn id="11" presetID="1" presetClass="entr" presetSubtype="0" fill="hold" grpId="0" nodeType="clickEffect">
+                                  <p:stCondLst>
+                                    <p:cond delay="0"/>
+                                  </p:stCondLst>
+                                  <p:childTnLst>
+                                    <p:set>
+                                      <p:cBhvr>
+                                        <p:cTn id="12" dur="1" fill="hold">
+                                          <p:stCondLst>
+                                            <p:cond delay="0"/>
+                                          </p:stCondLst>
+                                        </p:cTn>
+                                        <p:tgtEl>
+                                          <p:spTgt spid="3">
+                                            <p:txEl>
+                                              <p:pRg st="3" end="3"/>
+                                            </p:txEl>
+                                          </p:spTgt>
+                                        </p:tgtEl>
+                                        <p:attrNameLst>
+                                          <p:attrName>style.visibility</p:attrName>
+                                        </p:attrNameLst>
+                                      </p:cBhvr>
+                                      <p:to>
+                                        <p:strVal val="visible"/>
+                                      </p:to>
+                                    </p:set>
+                                  </p:childTnLst>
+                                </p:cTn>
+                              </p:par>
+                            </p:childTnLst>
+                          </p:cTn>
+                        </p:par>
+                      </p:childTnLst>
+                    </p:cTn>
+                  </p:par>
+                  <p:par>
+                    <p:cTn id="13" fill="hold">
+                      <p:stCondLst>
+                        <p:cond delay="indefinite"/>
+                      </p:stCondLst>
+                      <p:childTnLst>
+                        <p:par>
+                          <p:cTn id="14" fill="hold">
+                            <p:stCondLst>
+                              <p:cond delay="0"/>
+                            </p:stCondLst>
+                            <p:childTnLst>
+                              <p:par>
+                                <p:cTn id="15" presetID="1" presetClass="entr" presetSubtype="0" fill="hold" grpId="0" nodeType="clickEffect">
+                                  <p:stCondLst>
+                                    <p:cond delay="0"/>
+                                  </p:stCondLst>
+                                  <p:childTnLst>
+                                    <p:set>
+                                      <p:cBhvr>
+                                        <p:cTn id="16" dur="1" fill="hold">
+                                          <p:stCondLst>
+                                            <p:cond delay="0"/>
+                                          </p:stCondLst>
+                                        </p:cTn>
+                                        <p:tgtEl>
+                                          <p:spTgt spid="3">
+                                            <p:txEl>
+                                              <p:pRg st="5" end="5"/>
+                                            </p:txEl>
+                                          </p:spTgt>
+                                        </p:tgtEl>
+                                        <p:attrNameLst>
+                                          <p:attrName>style.visibility</p:attrName>
+                                        </p:attrNameLst>
+                                      </p:cBhvr>
+                                      <p:to>
+                                        <p:strVal val="visible"/>
+                                      </p:to>
+                                    </p:set>
+                                  </p:childTnLst>
+                                </p:cTn>
+                              </p:par>
+                            </p:childTnLst>
+                          </p:cTn>
+                        </p:par>
+                      </p:childTnLst>
+                    </p:cTn>
+                  </p:par>
+                </p:childTnLst>
+              </p:cTn>
+              <p:prevCondLst>
+                <p:cond evt="onPrev" delay="0">
+                  <p:tgtEl>
+                    <p:sldTgt/>
+                  </p:tgtEl>
+                </p:cond>
+              </p:prevCondLst>
+              <p:nextCondLst>
+                <p:cond evt="onNext" delay="0">
+                  <p:tgtEl>
+                    <p:sldTgt/>
+                  </p:tgtEl>
+                </p:cond>
+              </p:nextCondLst>
+            </p:seq>
+          </p:childTnLst>
+        </p:cTn>
       </p:par>
     </p:tnLst>
+    <p:bldLst>
+      <p:bldP spid="3" grpId="0" build="p"/>
+    </p:bldLst>
   </p:timing>
 </p:sld>
 </file>
@@ -13566,7 +14605,7 @@
           <a:p>
             <a:r>
               <a:rPr lang="en-CA" dirty="0" smtClean="0"/>
-              <a:t>Older Adult paradigm</a:t>
+              <a:t>Other Young Adult analyses</a:t>
             </a:r>
             <a:endParaRPr lang="en-CA" dirty="0"/>
           </a:p>
@@ -13588,63 +14627,40 @@
           <a:lstStyle/>
           <a:p>
             <a:r>
-              <a:rPr lang="en-CA" dirty="0" smtClean="0"/>
-              <a:t>Single scan session</a:t>
+              <a:rPr lang="en-US" dirty="0"/>
+              <a:t>Pattern analyses in the data from the short </a:t>
+            </a:r>
+            <a:r>
+              <a:rPr lang="en-US" dirty="0" smtClean="0"/>
+              <a:t>clips (used in BOLD analyses) </a:t>
+            </a:r>
+            <a:endParaRPr lang="en-US" dirty="0"/>
+          </a:p>
+          <a:p>
+            <a:endParaRPr lang="en-US" dirty="0"/>
+          </a:p>
+          <a:p>
+            <a:r>
+              <a:rPr lang="en-US" dirty="0"/>
+              <a:t>Relationship between cognition and synchrony</a:t>
             </a:r>
           </a:p>
           <a:p>
             <a:pPr lvl="1"/>
             <a:r>
-              <a:rPr lang="en-CA" dirty="0" smtClean="0"/>
-              <a:t>Spoken, Instrumental, Whole (BOLD and synchrony)</a:t>
+              <a:rPr lang="en-US" dirty="0" smtClean="0"/>
+              <a:t>Started, but unclear how to interpret</a:t>
             </a:r>
           </a:p>
           <a:p>
             <a:pPr lvl="1"/>
             <a:r>
-              <a:rPr lang="en-CA" dirty="0" smtClean="0"/>
-              <a:t>2 long known (Hey Jude, </a:t>
-            </a:r>
-            <a:r>
-              <a:rPr lang="en-CA" dirty="0" err="1" smtClean="0"/>
-              <a:t>Twas</a:t>
-            </a:r>
-            <a:r>
-              <a:rPr lang="en-CA" dirty="0" smtClean="0"/>
-              <a:t> the Night Before Christmas </a:t>
-            </a:r>
-            <a:r>
-              <a:rPr lang="mr-IN" dirty="0" smtClean="0"/>
-              <a:t>–</a:t>
-            </a:r>
-            <a:r>
-              <a:rPr lang="en-CA" dirty="0" smtClean="0"/>
-              <a:t> synchrony only)</a:t>
-            </a:r>
-          </a:p>
-          <a:p>
-            <a:r>
-              <a:rPr lang="en-CA" dirty="0" smtClean="0"/>
-              <a:t>Single Behavioural session</a:t>
-            </a:r>
-          </a:p>
-          <a:p>
-            <a:pPr lvl="1"/>
-            <a:r>
-              <a:rPr lang="en-CA" dirty="0" smtClean="0"/>
-              <a:t>Demographics, music experience questionnaires, CBS</a:t>
-            </a:r>
-          </a:p>
-          <a:p>
-            <a:pPr lvl="1"/>
-            <a:endParaRPr lang="en-CA" dirty="0"/>
-          </a:p>
-          <a:p>
-            <a:pPr lvl="1"/>
+              <a:rPr lang="en-US" dirty="0" smtClean="0"/>
+              <a:t>Might wait until the older adult data is in to compare how older and young adults differ</a:t>
+            </a:r>
             <a:endParaRPr lang="en-CA" dirty="0" smtClean="0"/>
           </a:p>
           <a:p>
-            <a:pPr lvl="1"/>
             <a:endParaRPr lang="en-CA" dirty="0"/>
           </a:p>
         </p:txBody>
@@ -13652,7 +14668,7 @@
     </p:spTree>
     <p:extLst>
       <p:ext uri="{BB962C8B-B14F-4D97-AF65-F5344CB8AC3E}">
-        <p14:creationId xmlns:p14="http://schemas.microsoft.com/office/powerpoint/2010/main" val="4225159617"/>
+        <p14:creationId xmlns:p14="http://schemas.microsoft.com/office/powerpoint/2010/main" val="2081758839"/>
       </p:ext>
     </p:extLst>
   </p:cSld>
@@ -13662,7 +14678,7 @@
   <p:timing>
     <p:tnLst>
       <p:par>
-        <p:cTn xmlns:p14="http://schemas.microsoft.com/office/powerpoint/2010/main" id="1" dur="indefinite" restart="never" nodeType="tmRoot"/>
+        <p:cTn id="1" dur="indefinite" restart="never" nodeType="tmRoot"/>
       </p:par>
     </p:tnLst>
   </p:timing>
@@ -13703,11 +14719,7 @@
           <a:p>
             <a:r>
               <a:rPr lang="en-CA" dirty="0" smtClean="0"/>
-              <a:t>Older Adult BOLD </a:t>
-            </a:r>
-            <a:r>
-              <a:rPr lang="en-CA" dirty="0" smtClean="0"/>
-              <a:t>data *</a:t>
+              <a:t>Older Adult paradigm</a:t>
             </a:r>
             <a:endParaRPr lang="en-CA" dirty="0"/>
           </a:p>
@@ -13730,36 +14742,29 @@
           <a:p>
             <a:r>
               <a:rPr lang="en-CA" dirty="0" smtClean="0"/>
-              <a:t>Preliminary look with 14 participants</a:t>
+              <a:t>Single scan session</a:t>
             </a:r>
           </a:p>
           <a:p>
             <a:pPr lvl="1"/>
             <a:r>
               <a:rPr lang="en-CA" dirty="0" smtClean="0"/>
-              <a:t>Instrumental, Spoken, Whole</a:t>
-            </a:r>
-          </a:p>
-          <a:p>
-            <a:pPr lvl="2"/>
+              <a:t>Spoken, Instrumental, Whole (BOLD and synchrony)</a:t>
+            </a:r>
+          </a:p>
+          <a:p>
+            <a:pPr lvl="1"/>
             <a:r>
               <a:rPr lang="en-CA" dirty="0" smtClean="0"/>
-              <a:t>Activation in </a:t>
+              <a:t>2 long known (Hey Jude, </a:t>
+            </a:r>
+            <a:r>
+              <a:rPr lang="en-CA" dirty="0" err="1" smtClean="0"/>
+              <a:t>Twas</a:t>
             </a:r>
             <a:r>
               <a:rPr lang="en-CA" dirty="0" smtClean="0"/>
-              <a:t>auditory </a:t>
-            </a:r>
-            <a:r>
-              <a:rPr lang="en-CA" dirty="0" smtClean="0"/>
-              <a:t>cortices</a:t>
-            </a:r>
-          </a:p>
-          <a:p>
-            <a:pPr lvl="2"/>
-            <a:r>
-              <a:rPr lang="en-CA" dirty="0" smtClean="0"/>
-              <a:t>Spoken </a:t>
+              <a:t> the Night Before Christmas </a:t>
             </a:r>
             <a:r>
               <a:rPr lang="mr-IN" dirty="0" smtClean="0"/>
@@ -13767,86 +14772,40 @@
             </a:r>
             <a:r>
               <a:rPr lang="en-CA" dirty="0" smtClean="0"/>
-              <a:t> small cluster in frontal inferior (sig at cluster level)</a:t>
-            </a:r>
+              <a:t> synchrony only)</a:t>
+            </a:r>
+          </a:p>
+          <a:p>
+            <a:r>
+              <a:rPr lang="en-CA" dirty="0" smtClean="0"/>
+              <a:t>Single Behavioural session</a:t>
+            </a:r>
+          </a:p>
+          <a:p>
+            <a:pPr lvl="1"/>
+            <a:r>
+              <a:rPr lang="en-CA" dirty="0" smtClean="0"/>
+              <a:t>Demographics, music experience questionnaires, CBS</a:t>
+            </a:r>
+          </a:p>
+          <a:p>
+            <a:pPr lvl="1"/>
+            <a:endParaRPr lang="en-CA" dirty="0"/>
+          </a:p>
+          <a:p>
+            <a:pPr lvl="1"/>
             <a:endParaRPr lang="en-CA" dirty="0" smtClean="0"/>
           </a:p>
           <a:p>
             <a:pPr lvl="1"/>
-            <a:r>
-              <a:rPr lang="en-CA" dirty="0" smtClean="0"/>
-              <a:t>Spoken &gt; whole and instrumental stimuli</a:t>
-            </a:r>
-          </a:p>
-          <a:p>
-            <a:pPr lvl="2"/>
             <a:endParaRPr lang="en-CA" dirty="0"/>
-          </a:p>
-        </p:txBody>
-      </p:sp>
-      <p:pic>
-        <p:nvPicPr>
-          <p:cNvPr id="4" name="Picture 3" descr="Screen Shot 2019-05-30 at 10.48.03 AM.png"/>
-          <p:cNvPicPr>
-            <a:picLocks noChangeAspect="1"/>
-          </p:cNvPicPr>
-          <p:nvPr/>
-        </p:nvPicPr>
-        <p:blipFill>
-          <a:blip r:embed="rId2">
-            <a:extLst>
-              <a:ext uri="{28A0092B-C50C-407E-A947-70E740481C1C}">
-                <a14:useLocalDpi xmlns:a14="http://schemas.microsoft.com/office/drawing/2010/main" val="0"/>
-              </a:ext>
-            </a:extLst>
-          </a:blip>
-          <a:stretch>
-            <a:fillRect/>
-          </a:stretch>
-        </p:blipFill>
-        <p:spPr>
-          <a:xfrm>
-            <a:off x="2820353" y="3897482"/>
-            <a:ext cx="2796067" cy="2783300"/>
-          </a:xfrm>
-          <a:prstGeom prst="rect">
-            <a:avLst/>
-          </a:prstGeom>
-        </p:spPr>
-      </p:pic>
-      <p:sp>
-        <p:nvSpPr>
-          <p:cNvPr id="5" name="TextBox 4"/>
-          <p:cNvSpPr txBox="1"/>
-          <p:nvPr/>
-        </p:nvSpPr>
-        <p:spPr>
-          <a:xfrm>
-            <a:off x="6452851" y="4607690"/>
-            <a:ext cx="2185405" cy="923330"/>
-          </a:xfrm>
-          <a:prstGeom prst="rect">
-            <a:avLst/>
-          </a:prstGeom>
-          <a:noFill/>
-        </p:spPr>
-        <p:txBody>
-          <a:bodyPr wrap="square" rtlCol="0">
-            <a:spAutoFit/>
-          </a:bodyPr>
-          <a:lstStyle/>
-          <a:p>
-            <a:r>
-              <a:rPr lang="en-CA" dirty="0" smtClean="0"/>
-              <a:t>W&gt;IS and I&gt;SW show no significant areas of activation</a:t>
-            </a:r>
           </a:p>
         </p:txBody>
       </p:sp>
     </p:spTree>
     <p:extLst>
       <p:ext uri="{BB962C8B-B14F-4D97-AF65-F5344CB8AC3E}">
-        <p14:creationId xmlns:p14="http://schemas.microsoft.com/office/powerpoint/2010/main" val="3174365464"/>
+        <p14:creationId xmlns:p14="http://schemas.microsoft.com/office/powerpoint/2010/main" val="4225159617"/>
       </p:ext>
     </p:extLst>
   </p:cSld>
@@ -13856,7 +14815,7 @@
   <p:timing>
     <p:tnLst>
       <p:par>
-        <p:cTn xmlns:p14="http://schemas.microsoft.com/office/powerpoint/2010/main" id="1" dur="indefinite" restart="never" nodeType="tmRoot"/>
+        <p:cTn id="1" dur="indefinite" restart="never" nodeType="tmRoot"/>
       </p:par>
     </p:tnLst>
   </p:timing>
@@ -13990,7 +14949,7 @@
   <p:timing>
     <p:tnLst>
       <p:par>
-        <p:cTn xmlns:p14="http://schemas.microsoft.com/office/powerpoint/2010/main" id="1" dur="indefinite" restart="never" nodeType="tmRoot">
+        <p:cTn id="1" dur="indefinite" restart="never" nodeType="tmRoot">
           <p:childTnLst>
             <p:seq concurrent="1" nextAc="seek">
               <p:cTn id="2" dur="indefinite" nodeType="mainSeq">
@@ -14165,11 +15124,7 @@
           <a:p>
             <a:r>
               <a:rPr lang="en-CA" dirty="0" smtClean="0"/>
-              <a:t>Older Adult Synchrony </a:t>
-            </a:r>
-            <a:r>
-              <a:rPr lang="en-CA" dirty="0" smtClean="0"/>
-              <a:t>Data *</a:t>
+              <a:t>Older Adult BOLD data *</a:t>
             </a:r>
             <a:endParaRPr lang="en-CA" dirty="0"/>
           </a:p>
@@ -14192,63 +15147,91 @@
           <a:p>
             <a:r>
               <a:rPr lang="en-CA" dirty="0" smtClean="0"/>
-              <a:t>Stimulus Effects</a:t>
+              <a:t>Preliminary look with 14 participants</a:t>
             </a:r>
           </a:p>
           <a:p>
             <a:pPr lvl="1"/>
             <a:r>
               <a:rPr lang="en-CA" dirty="0" smtClean="0"/>
-              <a:t>Stimulus effects in some ROIs </a:t>
+              <a:t>Instrumental, Spoken, Whole</a:t>
+            </a:r>
+          </a:p>
+          <a:p>
+            <a:pPr lvl="2"/>
+            <a:r>
+              <a:rPr lang="en-CA" dirty="0" smtClean="0"/>
+              <a:t>Activation in auditory cortices</a:t>
+            </a:r>
+          </a:p>
+          <a:p>
+            <a:pPr lvl="2"/>
+            <a:r>
+              <a:rPr lang="en-CA" dirty="0" smtClean="0"/>
+              <a:t>Spoken </a:t>
+            </a:r>
+            <a:r>
+              <a:rPr lang="mr-IN" dirty="0" smtClean="0"/>
+              <a:t>–</a:t>
+            </a:r>
+            <a:r>
+              <a:rPr lang="en-CA" dirty="0" smtClean="0"/>
+              <a:t> small cluster in frontal inferior (sig at cluster level)</a:t>
             </a:r>
           </a:p>
           <a:p>
             <a:pPr lvl="1"/>
             <a:r>
               <a:rPr lang="en-CA" dirty="0" smtClean="0"/>
-              <a:t>Both within unknown stimuli (I,S,W) and with all stimuli (I,S,W,SF,WF)</a:t>
-            </a:r>
-          </a:p>
-          <a:p>
-            <a:pPr lvl="1"/>
-            <a:r>
-              <a:rPr lang="en-CA" dirty="0" smtClean="0"/>
-              <a:t>General pattern: S &gt; W &gt; I</a:t>
-            </a:r>
-          </a:p>
-          <a:p>
-            <a:r>
-              <a:rPr lang="en-CA" dirty="0" smtClean="0"/>
-              <a:t>Familiarity</a:t>
-            </a:r>
-          </a:p>
-          <a:p>
-            <a:pPr lvl="1"/>
-            <a:r>
-              <a:rPr lang="en-CA" dirty="0" smtClean="0"/>
-              <a:t>Unfamiliar Spoken &gt; Familiar Spoken</a:t>
-            </a:r>
-          </a:p>
-          <a:p>
-            <a:pPr lvl="1"/>
-            <a:r>
-              <a:rPr lang="en-CA" dirty="0" smtClean="0"/>
-              <a:t>(significant familiarity comparisons don’t come out in whole stimuli)</a:t>
-            </a:r>
+              <a:t>Spoken &gt; whole and instrumental stimuli</a:t>
+            </a:r>
+          </a:p>
+          <a:p>
+            <a:pPr lvl="2"/>
             <a:endParaRPr lang="en-CA" dirty="0"/>
           </a:p>
         </p:txBody>
       </p:sp>
+      <p:pic>
+        <p:nvPicPr>
+          <p:cNvPr id="4" name="Picture 3" descr="Screen Shot 2019-05-30 at 10.48.03 AM.png"/>
+          <p:cNvPicPr>
+            <a:picLocks noChangeAspect="1"/>
+          </p:cNvPicPr>
+          <p:nvPr/>
+        </p:nvPicPr>
+        <p:blipFill>
+          <a:blip r:embed="rId2">
+            <a:extLst>
+              <a:ext uri="{28A0092B-C50C-407E-A947-70E740481C1C}">
+                <a14:useLocalDpi xmlns:a14="http://schemas.microsoft.com/office/drawing/2010/main" val="0"/>
+              </a:ext>
+            </a:extLst>
+          </a:blip>
+          <a:stretch>
+            <a:fillRect/>
+          </a:stretch>
+        </p:blipFill>
+        <p:spPr>
+          <a:xfrm>
+            <a:off x="2820353" y="3897482"/>
+            <a:ext cx="2796067" cy="2783300"/>
+          </a:xfrm>
+          <a:prstGeom prst="rect">
+            <a:avLst/>
+          </a:prstGeom>
+        </p:spPr>
+      </p:pic>
       <p:sp>
         <p:nvSpPr>
-          <p:cNvPr id="4" name="TextBox 3"/>
+          <p:cNvPr id="5" name="TextBox 4"/>
           <p:cNvSpPr txBox="1"/>
           <p:nvPr/>
         </p:nvSpPr>
         <p:spPr>
           <a:xfrm>
-            <a:off x="5891734" y="1594971"/>
-            <a:ext cx="1265678" cy="1200329"/>
+            <a:off x="6452851" y="4607690"/>
+            <a:ext cx="2185405" cy="923330"/>
           </a:xfrm>
           <a:prstGeom prst="rect">
             <a:avLst/>
@@ -14256,41 +15239,22 @@
           <a:noFill/>
         </p:spPr>
         <p:txBody>
-          <a:bodyPr wrap="none" rtlCol="0">
+          <a:bodyPr wrap="square" rtlCol="0">
             <a:spAutoFit/>
           </a:bodyPr>
           <a:lstStyle/>
           <a:p>
             <a:r>
-              <a:rPr lang="en-CA" b="1" dirty="0" smtClean="0"/>
-              <a:t>ROIs in:</a:t>
-            </a:r>
-          </a:p>
-          <a:p>
-            <a:r>
               <a:rPr lang="en-CA" dirty="0" smtClean="0"/>
-              <a:t>Frontal</a:t>
-            </a:r>
-          </a:p>
-          <a:p>
-            <a:r>
-              <a:rPr lang="en-CA" dirty="0" smtClean="0"/>
-              <a:t>Auditory</a:t>
-            </a:r>
-          </a:p>
-          <a:p>
-            <a:r>
-              <a:rPr lang="en-CA" dirty="0" smtClean="0"/>
-              <a:t>Cerebellum</a:t>
-            </a:r>
-            <a:endParaRPr lang="en-CA" dirty="0"/>
+              <a:t>W&gt;IS and I&gt;SW show no significant areas of activation</a:t>
+            </a:r>
           </a:p>
         </p:txBody>
       </p:sp>
     </p:spTree>
     <p:extLst>
       <p:ext uri="{BB962C8B-B14F-4D97-AF65-F5344CB8AC3E}">
-        <p14:creationId xmlns:p14="http://schemas.microsoft.com/office/powerpoint/2010/main" val="946431471"/>
+        <p14:creationId xmlns:p14="http://schemas.microsoft.com/office/powerpoint/2010/main" val="3174365464"/>
       </p:ext>
     </p:extLst>
   </p:cSld>
@@ -14300,7 +15264,7 @@
   <p:timing>
     <p:tnLst>
       <p:par>
-        <p:cTn xmlns:p14="http://schemas.microsoft.com/office/powerpoint/2010/main" id="1" dur="indefinite" restart="never" nodeType="tmRoot"/>
+        <p:cTn id="1" dur="indefinite" restart="never" nodeType="tmRoot"/>
       </p:par>
     </p:tnLst>
   </p:timing>
@@ -14341,7 +15305,7 @@
           <a:p>
             <a:r>
               <a:rPr lang="en-CA" dirty="0" smtClean="0"/>
-              <a:t>Young v Older adult comparisons</a:t>
+              <a:t>Older Adult Synchrony Data *</a:t>
             </a:r>
             <a:endParaRPr lang="en-CA" dirty="0"/>
           </a:p>
@@ -14364,67 +15328,111 @@
           <a:p>
             <a:r>
               <a:rPr lang="en-CA" dirty="0" smtClean="0"/>
-              <a:t>BOLD</a:t>
+              <a:t>Stimulus Effects</a:t>
             </a:r>
           </a:p>
           <a:p>
             <a:pPr lvl="1"/>
             <a:r>
               <a:rPr lang="en-CA" dirty="0" smtClean="0"/>
-              <a:t>Both young and older adults show activation mainly in auditory cortices</a:t>
+              <a:t>Stimulus effects in some ROIs </a:t>
+            </a:r>
+          </a:p>
+          <a:p>
+            <a:pPr lvl="2"/>
+            <a:r>
+              <a:rPr lang="en-CA" dirty="0" smtClean="0"/>
+              <a:t>Both within unknown stimuli (I,S,W)</a:t>
+            </a:r>
+            <a:br>
+              <a:rPr lang="en-CA" dirty="0" smtClean="0"/>
+            </a:br>
+            <a:r>
+              <a:rPr lang="en-CA" dirty="0" smtClean="0"/>
+              <a:t>and with all stimuli (I,S,W,SF,WF)</a:t>
             </a:r>
           </a:p>
           <a:p>
             <a:pPr lvl="1"/>
             <a:r>
               <a:rPr lang="en-CA" dirty="0" smtClean="0"/>
-              <a:t>Both show inferior frontal activation for spoken stimuli</a:t>
+              <a:t>General </a:t>
+            </a:r>
+            <a:r>
+              <a:rPr lang="en-CA" dirty="0" smtClean="0"/>
+              <a:t>pattern: S &gt; W &gt; I</a:t>
+            </a:r>
+          </a:p>
+          <a:p>
+            <a:r>
+              <a:rPr lang="en-CA" dirty="0" smtClean="0"/>
+              <a:t>Familiarity</a:t>
             </a:r>
           </a:p>
           <a:p>
             <a:pPr lvl="1"/>
             <a:r>
               <a:rPr lang="en-CA" dirty="0" smtClean="0"/>
-              <a:t>Young adults show activation in other areas (could be power related)</a:t>
-            </a:r>
-          </a:p>
-          <a:p>
+              <a:t>Unfamiliar Spoken &gt; Familiar Spoken</a:t>
+            </a:r>
+          </a:p>
+          <a:p>
+            <a:pPr lvl="2"/>
             <a:r>
               <a:rPr lang="en-CA" dirty="0" smtClean="0"/>
-              <a:t>Synchrony </a:t>
-            </a:r>
-          </a:p>
-          <a:p>
-            <a:pPr lvl="1"/>
+              <a:t>(doesn’t come </a:t>
+            </a:r>
             <a:r>
               <a:rPr lang="en-CA" dirty="0" smtClean="0"/>
-              <a:t>Young: </a:t>
-            </a:r>
-            <a:r>
-              <a:rPr lang="en-US" dirty="0"/>
-              <a:t>Spoken &gt; a </a:t>
-            </a:r>
-            <a:r>
-              <a:rPr lang="en-US" dirty="0" err="1"/>
-              <a:t>capella</a:t>
-            </a:r>
-            <a:r>
-              <a:rPr lang="en-US" dirty="0"/>
-              <a:t> &gt;  whole &gt; instrumental</a:t>
-            </a:r>
-          </a:p>
-          <a:p>
-            <a:pPr lvl="1"/>
+              <a:t>out in whole stimuli)</a:t>
+            </a:r>
+            <a:endParaRPr lang="en-CA" dirty="0"/>
+          </a:p>
+        </p:txBody>
+      </p:sp>
+      <p:sp>
+        <p:nvSpPr>
+          <p:cNvPr id="4" name="TextBox 3"/>
+          <p:cNvSpPr txBox="1"/>
+          <p:nvPr/>
+        </p:nvSpPr>
+        <p:spPr>
+          <a:xfrm>
+            <a:off x="6051222" y="1424850"/>
+            <a:ext cx="1265678" cy="1200329"/>
+          </a:xfrm>
+          <a:prstGeom prst="rect">
+            <a:avLst/>
+          </a:prstGeom>
+          <a:noFill/>
+        </p:spPr>
+        <p:txBody>
+          <a:bodyPr wrap="none" rtlCol="0">
+            <a:spAutoFit/>
+          </a:bodyPr>
+          <a:lstStyle/>
+          <a:p>
+            <a:r>
+              <a:rPr lang="en-CA" b="1" dirty="0" smtClean="0"/>
+              <a:t>ROIs in:</a:t>
+            </a:r>
+          </a:p>
+          <a:p>
             <a:r>
               <a:rPr lang="en-CA" dirty="0" smtClean="0"/>
-              <a:t>Older: Spoken &gt; whole &gt; instrumental</a:t>
-            </a:r>
-          </a:p>
-          <a:p>
-            <a:pPr lvl="1"/>
+              <a:t>Frontal</a:t>
+            </a:r>
+          </a:p>
+          <a:p>
             <a:r>
               <a:rPr lang="en-CA" dirty="0" smtClean="0"/>
-              <a:t>ROIs: Frontal, Auditory, Cerebellum (Young show cingulate too)</a:t>
+              <a:t>Auditory</a:t>
+            </a:r>
+          </a:p>
+          <a:p>
+            <a:r>
+              <a:rPr lang="en-CA" dirty="0" smtClean="0"/>
+              <a:t>Cerebellum</a:t>
             </a:r>
             <a:endParaRPr lang="en-CA" dirty="0"/>
           </a:p>
@@ -14433,7 +15441,7 @@
     </p:spTree>
     <p:extLst>
       <p:ext uri="{BB962C8B-B14F-4D97-AF65-F5344CB8AC3E}">
-        <p14:creationId xmlns:p14="http://schemas.microsoft.com/office/powerpoint/2010/main" val="1629367769"/>
+        <p14:creationId xmlns:p14="http://schemas.microsoft.com/office/powerpoint/2010/main" val="946431471"/>
       </p:ext>
     </p:extLst>
   </p:cSld>
@@ -14443,7 +15451,141 @@
   <p:timing>
     <p:tnLst>
       <p:par>
-        <p:cTn xmlns:p14="http://schemas.microsoft.com/office/powerpoint/2010/main" id="1" dur="indefinite" restart="never" nodeType="tmRoot"/>
+        <p:cTn id="1" dur="indefinite" restart="never" nodeType="tmRoot">
+          <p:childTnLst>
+            <p:seq concurrent="1" nextAc="seek">
+              <p:cTn id="2" dur="indefinite" nodeType="mainSeq">
+                <p:childTnLst>
+                  <p:par>
+                    <p:cTn id="3" fill="hold">
+                      <p:stCondLst>
+                        <p:cond delay="indefinite"/>
+                      </p:stCondLst>
+                      <p:childTnLst>
+                        <p:par>
+                          <p:cTn id="4" fill="hold">
+                            <p:stCondLst>
+                              <p:cond delay="0"/>
+                            </p:stCondLst>
+                            <p:childTnLst>
+                              <p:par>
+                                <p:cTn id="5" presetID="1" presetClass="entr" presetSubtype="0" fill="hold" nodeType="clickEffect">
+                                  <p:stCondLst>
+                                    <p:cond delay="0"/>
+                                  </p:stCondLst>
+                                  <p:childTnLst>
+                                    <p:set>
+                                      <p:cBhvr>
+                                        <p:cTn id="6" dur="1" fill="hold">
+                                          <p:stCondLst>
+                                            <p:cond delay="0"/>
+                                          </p:stCondLst>
+                                        </p:cTn>
+                                        <p:tgtEl>
+                                          <p:spTgt spid="3">
+                                            <p:txEl>
+                                              <p:pRg st="4" end="4"/>
+                                            </p:txEl>
+                                          </p:spTgt>
+                                        </p:tgtEl>
+                                        <p:attrNameLst>
+                                          <p:attrName>style.visibility</p:attrName>
+                                        </p:attrNameLst>
+                                      </p:cBhvr>
+                                      <p:to>
+                                        <p:strVal val="visible"/>
+                                      </p:to>
+                                    </p:set>
+                                  </p:childTnLst>
+                                </p:cTn>
+                              </p:par>
+                              <p:par>
+                                <p:cTn id="7" presetID="1" presetClass="entr" presetSubtype="0" fill="hold" nodeType="withEffect">
+                                  <p:stCondLst>
+                                    <p:cond delay="0"/>
+                                  </p:stCondLst>
+                                  <p:childTnLst>
+                                    <p:set>
+                                      <p:cBhvr>
+                                        <p:cTn id="8" dur="1" fill="hold">
+                                          <p:stCondLst>
+                                            <p:cond delay="0"/>
+                                          </p:stCondLst>
+                                        </p:cTn>
+                                        <p:tgtEl>
+                                          <p:spTgt spid="3">
+                                            <p:txEl>
+                                              <p:pRg st="5" end="5"/>
+                                            </p:txEl>
+                                          </p:spTgt>
+                                        </p:tgtEl>
+                                        <p:attrNameLst>
+                                          <p:attrName>style.visibility</p:attrName>
+                                        </p:attrNameLst>
+                                      </p:cBhvr>
+                                      <p:to>
+                                        <p:strVal val="visible"/>
+                                      </p:to>
+                                    </p:set>
+                                  </p:childTnLst>
+                                </p:cTn>
+                              </p:par>
+                              <p:par>
+                                <p:cTn id="9" presetID="1" presetClass="entr" presetSubtype="0" fill="hold" nodeType="withEffect">
+                                  <p:stCondLst>
+                                    <p:cond delay="0"/>
+                                  </p:stCondLst>
+                                  <p:childTnLst>
+                                    <p:set>
+                                      <p:cBhvr>
+                                        <p:cTn id="10" dur="1" fill="hold">
+                                          <p:stCondLst>
+                                            <p:cond delay="0"/>
+                                          </p:stCondLst>
+                                        </p:cTn>
+                                        <p:tgtEl>
+                                          <p:spTgt spid="3">
+                                            <p:txEl>
+                                              <p:pRg st="6" end="6"/>
+                                            </p:txEl>
+                                          </p:spTgt>
+                                        </p:tgtEl>
+                                        <p:attrNameLst>
+                                          <p:attrName>style.visibility</p:attrName>
+                                        </p:attrNameLst>
+                                      </p:cBhvr>
+                                      <p:to>
+                                        <p:strVal val="visible"/>
+                                      </p:to>
+                                    </p:set>
+                                  </p:childTnLst>
+                                </p:cTn>
+                              </p:par>
+                            </p:childTnLst>
+                          </p:cTn>
+                        </p:par>
+                      </p:childTnLst>
+                    </p:cTn>
+                  </p:par>
+                </p:childTnLst>
+              </p:cTn>
+              <p:prevCondLst>
+                <p:cond evt="onPrev" delay="0">
+                  <p:tgtEl>
+                    <p:sldTgt/>
+                  </p:tgtEl>
+                </p:cond>
+              </p:prevCondLst>
+              <p:nextCondLst>
+                <p:cond evt="onNext" delay="0">
+                  <p:tgtEl>
+                    <p:sldTgt/>
+                  </p:tgtEl>
+                </p:cond>
+              </p:nextCondLst>
+            </p:seq>
+          </p:childTnLst>
+        </p:cTn>
       </p:par>
     </p:tnLst>
   </p:timing>
@@ -14484,7 +15626,7 @@
           <a:p>
             <a:r>
               <a:rPr lang="en-CA" dirty="0" smtClean="0"/>
-              <a:t>Next Steps</a:t>
+              <a:t>Young v Older adult comparisons</a:t>
             </a:r>
             <a:endParaRPr lang="en-CA" dirty="0"/>
           </a:p>
@@ -14507,6 +15649,149 @@
           <a:p>
             <a:r>
               <a:rPr lang="en-CA" dirty="0" smtClean="0"/>
+              <a:t>BOLD</a:t>
+            </a:r>
+          </a:p>
+          <a:p>
+            <a:pPr lvl="1"/>
+            <a:r>
+              <a:rPr lang="en-CA" dirty="0" smtClean="0"/>
+              <a:t>Both young and older adults show activation mainly in auditory cortices</a:t>
+            </a:r>
+          </a:p>
+          <a:p>
+            <a:pPr lvl="1"/>
+            <a:r>
+              <a:rPr lang="en-CA" dirty="0" smtClean="0"/>
+              <a:t>Both show inferior frontal activation for spoken stimuli</a:t>
+            </a:r>
+          </a:p>
+          <a:p>
+            <a:pPr lvl="1"/>
+            <a:r>
+              <a:rPr lang="en-CA" dirty="0" smtClean="0"/>
+              <a:t>Young adults show activation in other areas (could be power related)</a:t>
+            </a:r>
+          </a:p>
+          <a:p>
+            <a:r>
+              <a:rPr lang="en-CA" dirty="0" smtClean="0"/>
+              <a:t>Synchrony </a:t>
+            </a:r>
+          </a:p>
+          <a:p>
+            <a:pPr lvl="1"/>
+            <a:r>
+              <a:rPr lang="en-CA" dirty="0" smtClean="0"/>
+              <a:t>Young: </a:t>
+            </a:r>
+            <a:r>
+              <a:rPr lang="en-US" dirty="0"/>
+              <a:t>Spoken &gt; a </a:t>
+            </a:r>
+            <a:r>
+              <a:rPr lang="en-US" dirty="0" err="1"/>
+              <a:t>capella</a:t>
+            </a:r>
+            <a:r>
+              <a:rPr lang="en-US" dirty="0"/>
+              <a:t> &gt;  whole &gt; instrumental</a:t>
+            </a:r>
+          </a:p>
+          <a:p>
+            <a:pPr lvl="1"/>
+            <a:r>
+              <a:rPr lang="en-CA" dirty="0" smtClean="0"/>
+              <a:t>Older: Spoken &gt; whole &gt; instrumental</a:t>
+            </a:r>
+          </a:p>
+          <a:p>
+            <a:pPr lvl="1"/>
+            <a:r>
+              <a:rPr lang="en-CA" dirty="0" smtClean="0"/>
+              <a:t>ROIs: Frontal, Auditory, Cerebellum (Young show cingulate too)</a:t>
+            </a:r>
+            <a:endParaRPr lang="en-CA" dirty="0"/>
+          </a:p>
+        </p:txBody>
+      </p:sp>
+    </p:spTree>
+    <p:extLst>
+      <p:ext uri="{BB962C8B-B14F-4D97-AF65-F5344CB8AC3E}">
+        <p14:creationId xmlns:p14="http://schemas.microsoft.com/office/powerpoint/2010/main" val="1629367769"/>
+      </p:ext>
+    </p:extLst>
+  </p:cSld>
+  <p:clrMapOvr>
+    <a:masterClrMapping/>
+  </p:clrMapOvr>
+  <p:timing>
+    <p:tnLst>
+      <p:par>
+        <p:cTn id="1" dur="indefinite" restart="never" nodeType="tmRoot"/>
+      </p:par>
+    </p:tnLst>
+  </p:timing>
+</p:sld>
+</file>
+
+<file path=ppt/slides/slide33.xml><?xml version="1.0" encoding="utf-8"?>
+<p:sld xmlns:a="http://schemas.openxmlformats.org/drawingml/2006/main" xmlns:r="http://schemas.openxmlformats.org/officeDocument/2006/relationships" xmlns:p="http://schemas.openxmlformats.org/presentationml/2006/main">
+  <p:cSld>
+    <p:spTree>
+      <p:nvGrpSpPr>
+        <p:cNvPr id="1" name=""/>
+        <p:cNvGrpSpPr/>
+        <p:nvPr/>
+      </p:nvGrpSpPr>
+      <p:grpSpPr>
+        <a:xfrm>
+          <a:off x="0" y="0"/>
+          <a:ext cx="0" cy="0"/>
+          <a:chOff x="0" y="0"/>
+          <a:chExt cx="0" cy="0"/>
+        </a:xfrm>
+      </p:grpSpPr>
+      <p:sp>
+        <p:nvSpPr>
+          <p:cNvPr id="2" name="Title 1"/>
+          <p:cNvSpPr>
+            <a:spLocks noGrp="1"/>
+          </p:cNvSpPr>
+          <p:nvPr>
+            <p:ph type="title"/>
+          </p:nvPr>
+        </p:nvSpPr>
+        <p:spPr/>
+        <p:txBody>
+          <a:bodyPr/>
+          <a:lstStyle/>
+          <a:p>
+            <a:r>
+              <a:rPr lang="en-CA" dirty="0" smtClean="0"/>
+              <a:t>Next Steps</a:t>
+            </a:r>
+            <a:endParaRPr lang="en-CA" dirty="0"/>
+          </a:p>
+        </p:txBody>
+      </p:sp>
+      <p:sp>
+        <p:nvSpPr>
+          <p:cNvPr id="3" name="Content Placeholder 2"/>
+          <p:cNvSpPr>
+            <a:spLocks noGrp="1"/>
+          </p:cNvSpPr>
+          <p:nvPr>
+            <p:ph idx="1"/>
+          </p:nvPr>
+        </p:nvSpPr>
+        <p:spPr/>
+        <p:txBody>
+          <a:bodyPr/>
+          <a:lstStyle/>
+          <a:p>
+            <a:r>
+              <a:rPr lang="en-CA" dirty="0" smtClean="0"/>
               <a:t>Finish older adult data collection (first week of July)</a:t>
             </a:r>
           </a:p>
@@ -14535,6 +15820,13 @@
   <p:clrMapOvr>
     <a:masterClrMapping/>
   </p:clrMapOvr>
+  <p:timing>
+    <p:tnLst>
+      <p:par>
+        <p:cTn id="1" dur="indefinite" restart="never" nodeType="tmRoot"/>
+      </p:par>
+    </p:tnLst>
+  </p:timing>
 </p:sld>
 </file>
 
@@ -15157,7 +16449,7 @@
           <a:noFill/>
           <a:extLst>
             <a:ext uri="{909E8E84-426E-40dd-AFC4-6F175D3DCCD1}">
-              <a14:hiddenFill xmlns:a14="http://schemas.microsoft.com/office/drawing/2010/main">
+              <a14:hiddenFill xmlns:a14="http://schemas.microsoft.com/office/drawing/2010/main" xmlns="">
                 <a:solidFill>
                   <a:srgbClr val="FFFFFF"/>
                 </a:solidFill>
@@ -15198,7 +16490,7 @@
           <a:noFill/>
           <a:extLst>
             <a:ext uri="{909E8E84-426E-40dd-AFC4-6F175D3DCCD1}">
-              <a14:hiddenFill xmlns:a14="http://schemas.microsoft.com/office/drawing/2010/main">
+              <a14:hiddenFill xmlns:a14="http://schemas.microsoft.com/office/drawing/2010/main" xmlns="">
                 <a:solidFill>
                   <a:srgbClr val="FFFFFF"/>
                 </a:solidFill>
@@ -15350,7 +16642,7 @@
           <a:noFill/>
           <a:extLst>
             <a:ext uri="{909E8E84-426E-40dd-AFC4-6F175D3DCCD1}">
-              <a14:hiddenFill xmlns:a14="http://schemas.microsoft.com/office/drawing/2010/main">
+              <a14:hiddenFill xmlns:a14="http://schemas.microsoft.com/office/drawing/2010/main" xmlns="">
                 <a:solidFill>
                   <a:srgbClr val="FFFFFF"/>
                 </a:solidFill>
@@ -15421,7 +16713,7 @@
           <a:noFill/>
           <a:extLst>
             <a:ext uri="{909E8E84-426E-40dd-AFC4-6F175D3DCCD1}">
-              <a14:hiddenFill xmlns:a14="http://schemas.microsoft.com/office/drawing/2010/main">
+              <a14:hiddenFill xmlns:a14="http://schemas.microsoft.com/office/drawing/2010/main" xmlns="">
                 <a:solidFill>
                   <a:srgbClr val="FFFFFF"/>
                 </a:solidFill>
@@ -15462,7 +16754,7 @@
           <a:noFill/>
           <a:extLst>
             <a:ext uri="{909E8E84-426E-40dd-AFC4-6F175D3DCCD1}">
-              <a14:hiddenFill xmlns:a14="http://schemas.microsoft.com/office/drawing/2010/main">
+              <a14:hiddenFill xmlns:a14="http://schemas.microsoft.com/office/drawing/2010/main" xmlns="">
                 <a:solidFill>
                   <a:srgbClr val="FFFFFF"/>
                 </a:solidFill>
@@ -15503,7 +16795,7 @@
           <a:noFill/>
           <a:extLst>
             <a:ext uri="{909E8E84-426E-40dd-AFC4-6F175D3DCCD1}">
-              <a14:hiddenFill xmlns:a14="http://schemas.microsoft.com/office/drawing/2010/main">
+              <a14:hiddenFill xmlns:a14="http://schemas.microsoft.com/office/drawing/2010/main" xmlns="">
                 <a:solidFill>
                   <a:srgbClr val="FFFFFF"/>
                 </a:solidFill>
@@ -15525,7 +16817,7 @@
   <p:timing>
     <p:tnLst>
       <p:par>
-        <p:cTn xmlns:p14="http://schemas.microsoft.com/office/powerpoint/2010/main" id="1" dur="indefinite" restart="never" nodeType="tmRoot">
+        <p:cTn id="1" dur="indefinite" restart="never" nodeType="tmRoot">
           <p:childTnLst>
             <p:seq concurrent="1" nextAc="seek">
               <p:cTn id="2" dur="indefinite" nodeType="mainSeq">
@@ -16031,11 +17323,41 @@
                 <a:tableStyleId>{2D5ABB26-0587-4C30-8999-92F81FD0307C}</a:tableStyleId>
               </a:tblPr>
               <a:tblGrid>
-                <a:gridCol w="1565178"/>
-                <a:gridCol w="1323694"/>
-                <a:gridCol w="1431021"/>
-                <a:gridCol w="1779833"/>
-                <a:gridCol w="1752812"/>
+                <a:gridCol w="1565178">
+                  <a:extLst>
+                    <a:ext uri="{9D8B030D-6E8A-4147-A177-3AD203B41FA5}">
+                      <a16:colId xmlns:a16="http://schemas.microsoft.com/office/drawing/2014/main" val="20000"/>
+                    </a:ext>
+                  </a:extLst>
+                </a:gridCol>
+                <a:gridCol w="1323694">
+                  <a:extLst>
+                    <a:ext uri="{9D8B030D-6E8A-4147-A177-3AD203B41FA5}">
+                      <a16:colId xmlns:a16="http://schemas.microsoft.com/office/drawing/2014/main" val="20001"/>
+                    </a:ext>
+                  </a:extLst>
+                </a:gridCol>
+                <a:gridCol w="1431021">
+                  <a:extLst>
+                    <a:ext uri="{9D8B030D-6E8A-4147-A177-3AD203B41FA5}">
+                      <a16:colId xmlns:a16="http://schemas.microsoft.com/office/drawing/2014/main" val="20002"/>
+                    </a:ext>
+                  </a:extLst>
+                </a:gridCol>
+                <a:gridCol w="1779833">
+                  <a:extLst>
+                    <a:ext uri="{9D8B030D-6E8A-4147-A177-3AD203B41FA5}">
+                      <a16:colId xmlns:a16="http://schemas.microsoft.com/office/drawing/2014/main" val="20003"/>
+                    </a:ext>
+                  </a:extLst>
+                </a:gridCol>
+                <a:gridCol w="1752812">
+                  <a:extLst>
+                    <a:ext uri="{9D8B030D-6E8A-4147-A177-3AD203B41FA5}">
+                      <a16:colId xmlns:a16="http://schemas.microsoft.com/office/drawing/2014/main" val="20004"/>
+                    </a:ext>
+                  </a:extLst>
+                </a:gridCol>
               </a:tblGrid>
               <a:tr h="374704">
                 <a:tc>
@@ -16139,6 +17461,11 @@
                     </a:lnB>
                   </a:tcPr>
                 </a:tc>
+                <a:extLst>
+                  <a:ext uri="{0D108BD9-81ED-4DB2-BD59-A6C34878D82A}">
+                    <a16:rowId xmlns:a16="http://schemas.microsoft.com/office/drawing/2014/main" val="10000"/>
+                  </a:ext>
+                </a:extLst>
               </a:tr>
               <a:tr h="370840">
                 <a:tc>
@@ -16396,6 +17723,11 @@
                     </a:lnB>
                   </a:tcPr>
                 </a:tc>
+                <a:extLst>
+                  <a:ext uri="{0D108BD9-81ED-4DB2-BD59-A6C34878D82A}">
+                    <a16:rowId xmlns:a16="http://schemas.microsoft.com/office/drawing/2014/main" val="10001"/>
+                  </a:ext>
+                </a:extLst>
               </a:tr>
               <a:tr h="370840">
                 <a:tc>
@@ -16615,6 +17947,11 @@
                     </a:lnB>
                   </a:tcPr>
                 </a:tc>
+                <a:extLst>
+                  <a:ext uri="{0D108BD9-81ED-4DB2-BD59-A6C34878D82A}">
+                    <a16:rowId xmlns:a16="http://schemas.microsoft.com/office/drawing/2014/main" val="10002"/>
+                  </a:ext>
+                </a:extLst>
               </a:tr>
               <a:tr h="370840">
                 <a:tc>
@@ -16872,6 +18209,11 @@
                     </a:lnB>
                   </a:tcPr>
                 </a:tc>
+                <a:extLst>
+                  <a:ext uri="{0D108BD9-81ED-4DB2-BD59-A6C34878D82A}">
+                    <a16:rowId xmlns:a16="http://schemas.microsoft.com/office/drawing/2014/main" val="10003"/>
+                  </a:ext>
+                </a:extLst>
               </a:tr>
               <a:tr h="370840">
                 <a:tc>
@@ -17141,6 +18483,11 @@
                     </a:lnB>
                   </a:tcPr>
                 </a:tc>
+                <a:extLst>
+                  <a:ext uri="{0D108BD9-81ED-4DB2-BD59-A6C34878D82A}">
+                    <a16:rowId xmlns:a16="http://schemas.microsoft.com/office/drawing/2014/main" val="10004"/>
+                  </a:ext>
+                </a:extLst>
               </a:tr>
               <a:tr h="370840">
                 <a:tc>
@@ -17360,6 +18707,11 @@
                     </a:lnB>
                   </a:tcPr>
                 </a:tc>
+                <a:extLst>
+                  <a:ext uri="{0D108BD9-81ED-4DB2-BD59-A6C34878D82A}">
+                    <a16:rowId xmlns:a16="http://schemas.microsoft.com/office/drawing/2014/main" val="10005"/>
+                  </a:ext>
+                </a:extLst>
               </a:tr>
               <a:tr h="695864">
                 <a:tc>
@@ -17591,6 +18943,11 @@
                     </a:lnB>
                   </a:tcPr>
                 </a:tc>
+                <a:extLst>
+                  <a:ext uri="{0D108BD9-81ED-4DB2-BD59-A6C34878D82A}">
+                    <a16:rowId xmlns:a16="http://schemas.microsoft.com/office/drawing/2014/main" val="10006"/>
+                  </a:ext>
+                </a:extLst>
               </a:tr>
               <a:tr h="370840">
                 <a:tc>
@@ -17806,6 +19163,11 @@
                     </a:lnB>
                   </a:tcPr>
                 </a:tc>
+                <a:extLst>
+                  <a:ext uri="{0D108BD9-81ED-4DB2-BD59-A6C34878D82A}">
+                    <a16:rowId xmlns:a16="http://schemas.microsoft.com/office/drawing/2014/main" val="10007"/>
+                  </a:ext>
+                </a:extLst>
               </a:tr>
             </a:tbl>
           </a:graphicData>
@@ -17868,7 +19230,7 @@
   <p:timing>
     <p:tnLst>
       <p:par>
-        <p:cTn xmlns:p14="http://schemas.microsoft.com/office/powerpoint/2010/main" id="1" dur="indefinite" restart="never" nodeType="tmRoot">
+        <p:cTn id="1" dur="indefinite" restart="never" nodeType="tmRoot">
           <p:childTnLst>
             <p:seq concurrent="1" nextAc="seek">
               <p:cTn id="2" dur="indefinite" nodeType="mainSeq">
@@ -18857,7 +20219,7 @@
   <p:timing>
     <p:tnLst>
       <p:par>
-        <p:cTn xmlns:p14="http://schemas.microsoft.com/office/powerpoint/2010/main" id="1" dur="indefinite" restart="never" nodeType="tmRoot">
+        <p:cTn id="1" dur="indefinite" restart="never" nodeType="tmRoot">
           <p:childTnLst>
             <p:seq concurrent="1" nextAc="seek">
               <p:cTn id="2" dur="indefinite" nodeType="mainSeq">
@@ -19494,7 +20856,7 @@
   <p:timing>
     <p:tnLst>
       <p:par>
-        <p:cTn xmlns:p14="http://schemas.microsoft.com/office/powerpoint/2010/main" id="1" dur="indefinite" restart="never" nodeType="tmRoot"/>
+        <p:cTn id="1" dur="indefinite" restart="never" nodeType="tmRoot"/>
       </p:par>
     </p:tnLst>
   </p:timing>
@@ -19854,18 +21216,18 @@
   <p:clrMapOvr>
     <a:masterClrMapping/>
   </p:clrMapOvr>
-  <mc:AlternateContent xmlns:mc="http://schemas.openxmlformats.org/markup-compatibility/2006">
-    <mc:Choice xmlns:p14="http://schemas.microsoft.com/office/powerpoint/2010/main" Requires="p14">
+  <mc:AlternateContent xmlns:mc="http://schemas.openxmlformats.org/markup-compatibility/2006" xmlns:p14="http://schemas.microsoft.com/office/powerpoint/2010/main">
+    <mc:Choice Requires="p14">
       <p:transition spd="slow" p14:dur="2000"/>
     </mc:Choice>
-    <mc:Fallback>
+    <mc:Fallback xmlns="">
       <p:transition xmlns:p14="http://schemas.microsoft.com/office/powerpoint/2010/main" spd="slow"/>
     </mc:Fallback>
   </mc:AlternateContent>
   <p:timing>
     <p:tnLst>
       <p:par>
-        <p:cTn xmlns:p14="http://schemas.microsoft.com/office/powerpoint/2010/main" id="1" dur="indefinite" restart="never" nodeType="tmRoot"/>
+        <p:cTn id="1" dur="indefinite" restart="never" nodeType="tmRoot"/>
       </p:par>
     </p:tnLst>
   </p:timing>
@@ -20015,18 +21377,18 @@
   <p:clrMapOvr>
     <a:masterClrMapping/>
   </p:clrMapOvr>
-  <mc:AlternateContent xmlns:mc="http://schemas.openxmlformats.org/markup-compatibility/2006">
-    <mc:Choice xmlns:p14="http://schemas.microsoft.com/office/powerpoint/2010/main" Requires="p14">
+  <mc:AlternateContent xmlns:mc="http://schemas.openxmlformats.org/markup-compatibility/2006" xmlns:p14="http://schemas.microsoft.com/office/powerpoint/2010/main">
+    <mc:Choice Requires="p14">
       <p:transition spd="slow" p14:dur="2000"/>
     </mc:Choice>
-    <mc:Fallback>
+    <mc:Fallback xmlns="">
       <p:transition xmlns:p14="http://schemas.microsoft.com/office/powerpoint/2010/main" spd="slow"/>
     </mc:Fallback>
   </mc:AlternateContent>
   <p:timing>
     <p:tnLst>
       <p:par>
-        <p:cTn xmlns:p14="http://schemas.microsoft.com/office/powerpoint/2010/main" id="1" dur="indefinite" restart="never" nodeType="tmRoot"/>
+        <p:cTn id="1" dur="indefinite" restart="never" nodeType="tmRoot"/>
       </p:par>
     </p:tnLst>
   </p:timing>
@@ -20288,7 +21650,7 @@
   <a:extraClrSchemeLst/>
   <a:extLst>
     <a:ext uri="{05A4C25C-085E-4340-85A3-A5531E510DB2}">
-      <thm15:themeFamily xmlns="" xmlns:thm15="http://schemas.microsoft.com/office/thememl/2012/main" name="Office Theme" id="{62F939B6-93AF-4DB8-9C6B-D6C7DFDC589F}" vid="{4A3C46E8-61CC-4603-A589-7422A47A8E4A}"/>
+      <thm15:themeFamily xmlns:thm15="http://schemas.microsoft.com/office/thememl/2012/main" name="Office Theme" id="{62F939B6-93AF-4DB8-9C6B-D6C7DFDC589F}" vid="{4A3C46E8-61CC-4603-A589-7422A47A8E4A}"/>
     </a:ext>
   </a:extLst>
 </a:theme>
@@ -20549,7 +21911,7 @@
   <a:extraClrSchemeLst/>
   <a:extLst>
     <a:ext uri="{05A4C25C-085E-4340-85A3-A5531E510DB2}">
-      <thm15:themeFamily xmlns="" xmlns:thm15="http://schemas.microsoft.com/office/thememl/2012/main" name="Office Theme" id="{62F939B6-93AF-4DB8-9C6B-D6C7DFDC589F}" vid="{4A3C46E8-61CC-4603-A589-7422A47A8E4A}"/>
+      <thm15:themeFamily xmlns:thm15="http://schemas.microsoft.com/office/thememl/2012/main" name="Office Theme" id="{62F939B6-93AF-4DB8-9C6B-D6C7DFDC589F}" vid="{4A3C46E8-61CC-4603-A589-7422A47A8E4A}"/>
     </a:ext>
   </a:extLst>
 </a:theme>

--- a/Meetings/2019.06.04-CommitteeMeeting.pptx
+++ b/Meetings/2019.06.04-CommitteeMeeting.pptx
@@ -5,7 +5,7 @@
     <p:sldMasterId id="2147483660" r:id="rId1"/>
   </p:sldMasterIdLst>
   <p:notesMasterIdLst>
-    <p:notesMasterId r:id="rId35"/>
+    <p:notesMasterId r:id="rId36"/>
   </p:notesMasterIdLst>
   <p:sldIdLst>
     <p:sldId id="269" r:id="rId2"/>
@@ -41,6 +41,7 @@
     <p:sldId id="278" r:id="rId32"/>
     <p:sldId id="280" r:id="rId33"/>
     <p:sldId id="297" r:id="rId34"/>
+    <p:sldId id="299" r:id="rId35"/>
   </p:sldIdLst>
   <p:sldSz cx="9144000" cy="6858000" type="screen4x3"/>
   <p:notesSz cx="7010400" cy="9296400"/>
@@ -141,7 +142,7 @@
   </p:defaultTextStyle>
   <p:extLst>
     <p:ext uri="{EFAFB233-063F-42B5-8137-9DF3F51BA10A}">
-      <p15:sldGuideLst xmlns:p15="http://schemas.microsoft.com/office/powerpoint/2012/main">
+      <p15:sldGuideLst xmlns="" xmlns:p15="http://schemas.microsoft.com/office/powerpoint/2012/main">
         <p15:guide id="1" orient="horz" pos="2160">
           <p15:clr>
             <a:srgbClr val="A4A3A4"/>
@@ -240,7 +241,7 @@
           <a:p>
             <a:fld id="{F4441845-50B6-45FE-AF8F-9F286F9BE4A8}" type="datetimeFigureOut">
               <a:rPr lang="en-CA" smtClean="0"/>
-              <a:t>2019-05-31</a:t>
+              <a:t>19-06-03</a:t>
             </a:fld>
             <a:endParaRPr lang="en-CA"/>
           </a:p>
@@ -657,6 +658,134 @@
 </p:notes>
 </file>
 
+<file path=ppt/notesSlides/notesSlide10.xml><?xml version="1.0" encoding="utf-8"?>
+<p:notes xmlns:a="http://schemas.openxmlformats.org/drawingml/2006/main" xmlns:r="http://schemas.openxmlformats.org/officeDocument/2006/relationships" xmlns:p="http://schemas.openxmlformats.org/presentationml/2006/main">
+  <p:cSld>
+    <p:spTree>
+      <p:nvGrpSpPr>
+        <p:cNvPr id="1" name=""/>
+        <p:cNvGrpSpPr/>
+        <p:nvPr/>
+      </p:nvGrpSpPr>
+      <p:grpSpPr>
+        <a:xfrm>
+          <a:off x="0" y="0"/>
+          <a:ext cx="0" cy="0"/>
+          <a:chOff x="0" y="0"/>
+          <a:chExt cx="0" cy="0"/>
+        </a:xfrm>
+      </p:grpSpPr>
+      <p:sp>
+        <p:nvSpPr>
+          <p:cNvPr id="2" name="Slide Image Placeholder 1"/>
+          <p:cNvSpPr>
+            <a:spLocks noGrp="1" noRot="1" noChangeAspect="1"/>
+          </p:cNvSpPr>
+          <p:nvPr>
+            <p:ph type="sldImg"/>
+          </p:nvPr>
+        </p:nvSpPr>
+        <p:spPr/>
+      </p:sp>
+      <p:sp>
+        <p:nvSpPr>
+          <p:cNvPr id="3" name="Notes Placeholder 2"/>
+          <p:cNvSpPr>
+            <a:spLocks noGrp="1"/>
+          </p:cNvSpPr>
+          <p:nvPr>
+            <p:ph type="body" idx="1"/>
+          </p:nvPr>
+        </p:nvSpPr>
+        <p:spPr/>
+        <p:txBody>
+          <a:bodyPr/>
+          <a:lstStyle/>
+          <a:p>
+            <a:r>
+              <a:rPr lang="en-CA" dirty="0" smtClean="0"/>
+              <a:t>Young</a:t>
+            </a:r>
+            <a:r>
+              <a:rPr lang="en-CA" baseline="0" dirty="0" smtClean="0"/>
+              <a:t> Adult p</a:t>
+            </a:r>
+            <a:r>
+              <a:rPr lang="en-CA" dirty="0" smtClean="0"/>
+              <a:t>reliminary stats showed little to</a:t>
+            </a:r>
+            <a:r>
+              <a:rPr lang="en-CA" baseline="0" dirty="0" smtClean="0"/>
+              <a:t> no difference between A and I </a:t>
+            </a:r>
+          </a:p>
+          <a:p>
+            <a:pPr marL="171450" indent="-171450">
+              <a:buFontTx/>
+              <a:buChar char="-"/>
+            </a:pPr>
+            <a:r>
+              <a:rPr lang="en-CA" baseline="0" dirty="0" smtClean="0"/>
+              <a:t>Especially in synchrony</a:t>
+            </a:r>
+          </a:p>
+          <a:p>
+            <a:pPr marL="171450" indent="-171450">
+              <a:buFontTx/>
+              <a:buChar char="-"/>
+            </a:pPr>
+            <a:r>
+              <a:rPr lang="en-CA" baseline="0" dirty="0" smtClean="0"/>
+              <a:t>In BOLD data too </a:t>
+            </a:r>
+            <a:r>
+              <a:rPr lang="mr-IN" baseline="0" dirty="0" smtClean="0"/>
+              <a:t>–</a:t>
+            </a:r>
+            <a:r>
+              <a:rPr lang="en-CA" baseline="0" dirty="0" smtClean="0"/>
+              <a:t> until some people were excluded due to familiarity measures</a:t>
+            </a:r>
+            <a:endParaRPr lang="en-CA" dirty="0"/>
+          </a:p>
+        </p:txBody>
+      </p:sp>
+      <p:sp>
+        <p:nvSpPr>
+          <p:cNvPr id="4" name="Slide Number Placeholder 3"/>
+          <p:cNvSpPr>
+            <a:spLocks noGrp="1"/>
+          </p:cNvSpPr>
+          <p:nvPr>
+            <p:ph type="sldNum" sz="quarter" idx="10"/>
+          </p:nvPr>
+        </p:nvSpPr>
+        <p:spPr/>
+        <p:txBody>
+          <a:bodyPr/>
+          <a:lstStyle/>
+          <a:p>
+            <a:fld id="{2B2789B2-826E-41BD-B1F7-A734C17E5E7B}" type="slidenum">
+              <a:rPr lang="en-CA" smtClean="0"/>
+              <a:t>29</a:t>
+            </a:fld>
+            <a:endParaRPr lang="en-CA"/>
+          </a:p>
+        </p:txBody>
+      </p:sp>
+    </p:spTree>
+    <p:extLst>
+      <p:ext uri="{BB962C8B-B14F-4D97-AF65-F5344CB8AC3E}">
+        <p14:creationId xmlns:p14="http://schemas.microsoft.com/office/powerpoint/2010/main" val="1288525066"/>
+      </p:ext>
+    </p:extLst>
+  </p:cSld>
+  <p:clrMapOvr>
+    <a:masterClrMapping/>
+  </p:clrMapOvr>
+</p:notes>
+</file>
+
 <file path=ppt/notesSlides/notesSlide2.xml><?xml version="1.0" encoding="utf-8"?>
 <p:notes xmlns:a="http://schemas.openxmlformats.org/drawingml/2006/main" xmlns:r="http://schemas.openxmlformats.org/officeDocument/2006/relationships" xmlns:p="http://schemas.openxmlformats.org/presentationml/2006/main">
   <p:cSld>
@@ -1300,20 +1429,10 @@
           <a:bodyPr/>
           <a:lstStyle/>
           <a:p>
-            <a:pPr lvl="1"/>
             <a:r>
               <a:rPr lang="en-CA" dirty="0" smtClean="0"/>
-              <a:t>L sided frontal</a:t>
-            </a:r>
-          </a:p>
-          <a:p>
-            <a:pPr lvl="1"/>
-            <a:r>
-              <a:rPr lang="en-CA" dirty="0" smtClean="0"/>
-              <a:t>Bilateral auditory areas</a:t>
-            </a:r>
-          </a:p>
-          <a:p>
+              <a:t>Participants who scored less than 70% on post-scan2 were excluded</a:t>
+            </a:r>
             <a:endParaRPr lang="en-CA" dirty="0"/>
           </a:p>
         </p:txBody>
@@ -1335,7 +1454,7 @@
           <a:p>
             <a:fld id="{2B2789B2-826E-41BD-B1F7-A734C17E5E7B}" type="slidenum">
               <a:rPr lang="en-CA" smtClean="0"/>
-              <a:t>27</a:t>
+              <a:t>11</a:t>
             </a:fld>
             <a:endParaRPr lang="en-CA"/>
           </a:p>
@@ -1344,7 +1463,7 @@
     </p:spTree>
     <p:extLst>
       <p:ext uri="{BB962C8B-B14F-4D97-AF65-F5344CB8AC3E}">
-        <p14:creationId xmlns:p14="http://schemas.microsoft.com/office/powerpoint/2010/main" val="2038472154"/>
+        <p14:creationId xmlns:p14="http://schemas.microsoft.com/office/powerpoint/2010/main" val="1707777872"/>
       </p:ext>
     </p:extLst>
   </p:cSld>
@@ -1398,50 +1517,20 @@
           <a:bodyPr/>
           <a:lstStyle/>
           <a:p>
+            <a:pPr lvl="1"/>
             <a:r>
               <a:rPr lang="en-CA" dirty="0" smtClean="0"/>
-              <a:t>Young</a:t>
-            </a:r>
-            <a:r>
-              <a:rPr lang="en-CA" baseline="0" dirty="0" smtClean="0"/>
-              <a:t> Adult p</a:t>
-            </a:r>
+              <a:t>L sided frontal</a:t>
+            </a:r>
+          </a:p>
+          <a:p>
+            <a:pPr lvl="1"/>
             <a:r>
               <a:rPr lang="en-CA" dirty="0" smtClean="0"/>
-              <a:t>reliminary stats showed little to</a:t>
-            </a:r>
-            <a:r>
-              <a:rPr lang="en-CA" baseline="0" dirty="0" smtClean="0"/>
-              <a:t> no difference between A and I </a:t>
-            </a:r>
-          </a:p>
-          <a:p>
-            <a:pPr marL="171450" indent="-171450">
-              <a:buFontTx/>
-              <a:buChar char="-"/>
-            </a:pPr>
-            <a:r>
-              <a:rPr lang="en-CA" baseline="0" dirty="0" smtClean="0"/>
-              <a:t>Especially in synchrony</a:t>
-            </a:r>
-          </a:p>
-          <a:p>
-            <a:pPr marL="171450" indent="-171450">
-              <a:buFontTx/>
-              <a:buChar char="-"/>
-            </a:pPr>
-            <a:r>
-              <a:rPr lang="en-CA" baseline="0" dirty="0" smtClean="0"/>
-              <a:t>In BOLD data too </a:t>
-            </a:r>
-            <a:r>
-              <a:rPr lang="mr-IN" baseline="0" dirty="0" smtClean="0"/>
-              <a:t>–</a:t>
-            </a:r>
-            <a:r>
-              <a:rPr lang="en-CA" baseline="0" dirty="0" smtClean="0"/>
-              <a:t> until some people were excluded due to familiarity measures</a:t>
-            </a:r>
+              <a:t>Bilateral auditory areas</a:t>
+            </a:r>
+          </a:p>
+          <a:p>
             <a:endParaRPr lang="en-CA" dirty="0"/>
           </a:p>
         </p:txBody>
@@ -1463,7 +1552,7 @@
           <a:p>
             <a:fld id="{2B2789B2-826E-41BD-B1F7-A734C17E5E7B}" type="slidenum">
               <a:rPr lang="en-CA" smtClean="0"/>
-              <a:t>29</a:t>
+              <a:t>27</a:t>
             </a:fld>
             <a:endParaRPr lang="en-CA"/>
           </a:p>
@@ -1472,7 +1561,7 @@
     </p:spTree>
     <p:extLst>
       <p:ext uri="{BB962C8B-B14F-4D97-AF65-F5344CB8AC3E}">
-        <p14:creationId xmlns:p14="http://schemas.microsoft.com/office/powerpoint/2010/main" val="1288525066"/>
+        <p14:creationId xmlns:p14="http://schemas.microsoft.com/office/powerpoint/2010/main" val="2038472154"/>
       </p:ext>
     </p:extLst>
   </p:cSld>
@@ -1613,7 +1702,7 @@
           <a:p>
             <a:fld id="{C4FA8CDB-8DD7-4860-AB92-9053B68FDE61}" type="datetimeFigureOut">
               <a:rPr lang="en-CA" smtClean="0"/>
-              <a:t>2019-05-31</a:t>
+              <a:t>19-06-03</a:t>
             </a:fld>
             <a:endParaRPr lang="en-CA"/>
           </a:p>
@@ -1783,7 +1872,7 @@
           <a:p>
             <a:fld id="{C4FA8CDB-8DD7-4860-AB92-9053B68FDE61}" type="datetimeFigureOut">
               <a:rPr lang="en-CA" smtClean="0"/>
-              <a:t>2019-05-31</a:t>
+              <a:t>19-06-03</a:t>
             </a:fld>
             <a:endParaRPr lang="en-CA"/>
           </a:p>
@@ -1963,7 +2052,7 @@
           <a:p>
             <a:fld id="{C4FA8CDB-8DD7-4860-AB92-9053B68FDE61}" type="datetimeFigureOut">
               <a:rPr lang="en-CA" smtClean="0"/>
-              <a:t>2019-05-31</a:t>
+              <a:t>19-06-03</a:t>
             </a:fld>
             <a:endParaRPr lang="en-CA"/>
           </a:p>
@@ -2133,7 +2222,7 @@
           <a:p>
             <a:fld id="{C4FA8CDB-8DD7-4860-AB92-9053B68FDE61}" type="datetimeFigureOut">
               <a:rPr lang="en-CA" smtClean="0"/>
-              <a:t>2019-05-31</a:t>
+              <a:t>19-06-03</a:t>
             </a:fld>
             <a:endParaRPr lang="en-CA"/>
           </a:p>
@@ -2377,7 +2466,7 @@
           <a:p>
             <a:fld id="{C4FA8CDB-8DD7-4860-AB92-9053B68FDE61}" type="datetimeFigureOut">
               <a:rPr lang="en-CA" smtClean="0"/>
-              <a:t>2019-05-31</a:t>
+              <a:t>19-06-03</a:t>
             </a:fld>
             <a:endParaRPr lang="en-CA"/>
           </a:p>
@@ -2609,7 +2698,7 @@
           <a:p>
             <a:fld id="{C4FA8CDB-8DD7-4860-AB92-9053B68FDE61}" type="datetimeFigureOut">
               <a:rPr lang="en-CA" smtClean="0"/>
-              <a:t>2019-05-31</a:t>
+              <a:t>19-06-03</a:t>
             </a:fld>
             <a:endParaRPr lang="en-CA"/>
           </a:p>
@@ -2976,7 +3065,7 @@
           <a:p>
             <a:fld id="{C4FA8CDB-8DD7-4860-AB92-9053B68FDE61}" type="datetimeFigureOut">
               <a:rPr lang="en-CA" smtClean="0"/>
-              <a:t>2019-05-31</a:t>
+              <a:t>19-06-03</a:t>
             </a:fld>
             <a:endParaRPr lang="en-CA"/>
           </a:p>
@@ -3094,7 +3183,7 @@
           <a:p>
             <a:fld id="{C4FA8CDB-8DD7-4860-AB92-9053B68FDE61}" type="datetimeFigureOut">
               <a:rPr lang="en-CA" smtClean="0"/>
-              <a:t>2019-05-31</a:t>
+              <a:t>19-06-03</a:t>
             </a:fld>
             <a:endParaRPr lang="en-CA"/>
           </a:p>
@@ -3189,7 +3278,7 @@
           <a:p>
             <a:fld id="{C4FA8CDB-8DD7-4860-AB92-9053B68FDE61}" type="datetimeFigureOut">
               <a:rPr lang="en-CA" smtClean="0"/>
-              <a:t>2019-05-31</a:t>
+              <a:t>19-06-03</a:t>
             </a:fld>
             <a:endParaRPr lang="en-CA"/>
           </a:p>
@@ -3466,7 +3555,7 @@
           <a:p>
             <a:fld id="{C4FA8CDB-8DD7-4860-AB92-9053B68FDE61}" type="datetimeFigureOut">
               <a:rPr lang="en-CA" smtClean="0"/>
-              <a:t>2019-05-31</a:t>
+              <a:t>19-06-03</a:t>
             </a:fld>
             <a:endParaRPr lang="en-CA"/>
           </a:p>
@@ -3723,7 +3812,7 @@
           <a:p>
             <a:fld id="{C4FA8CDB-8DD7-4860-AB92-9053B68FDE61}" type="datetimeFigureOut">
               <a:rPr lang="en-CA" smtClean="0"/>
-              <a:t>2019-05-31</a:t>
+              <a:t>19-06-03</a:t>
             </a:fld>
             <a:endParaRPr lang="en-CA"/>
           </a:p>
@@ -3936,7 +4025,7 @@
           <a:p>
             <a:fld id="{C4FA8CDB-8DD7-4860-AB92-9053B68FDE61}" type="datetimeFigureOut">
               <a:rPr lang="en-CA" smtClean="0"/>
-              <a:t>2019-05-31</a:t>
+              <a:t>19-06-03</a:t>
             </a:fld>
             <a:endParaRPr lang="en-CA"/>
           </a:p>
@@ -4400,7 +4489,7 @@
   <p:timing>
     <p:tnLst>
       <p:par>
-        <p:cTn id="1" dur="indefinite" restart="never" nodeType="tmRoot"/>
+        <p:cTn xmlns:p14="http://schemas.microsoft.com/office/powerpoint/2010/main" id="1" dur="indefinite" restart="never" nodeType="tmRoot"/>
       </p:par>
     </p:tnLst>
   </p:timing>
@@ -4713,18 +4802,18 @@
   <p:clrMapOvr>
     <a:masterClrMapping/>
   </p:clrMapOvr>
-  <mc:AlternateContent xmlns:mc="http://schemas.openxmlformats.org/markup-compatibility/2006" xmlns:p14="http://schemas.microsoft.com/office/powerpoint/2010/main">
-    <mc:Choice Requires="p14">
+  <mc:AlternateContent xmlns:mc="http://schemas.openxmlformats.org/markup-compatibility/2006">
+    <mc:Choice xmlns:p14="http://schemas.microsoft.com/office/powerpoint/2010/main" Requires="p14">
       <p:transition spd="slow" p14:dur="2000"/>
     </mc:Choice>
-    <mc:Fallback xmlns="">
+    <mc:Fallback>
       <p:transition xmlns:p14="http://schemas.microsoft.com/office/powerpoint/2010/main" spd="slow"/>
     </mc:Fallback>
   </mc:AlternateContent>
   <p:timing>
     <p:tnLst>
       <p:par>
-        <p:cTn id="1" dur="indefinite" restart="never" nodeType="tmRoot"/>
+        <p:cTn xmlns:p14="http://schemas.microsoft.com/office/powerpoint/2010/main" id="1" dur="indefinite" restart="never" nodeType="tmRoot"/>
       </p:par>
     </p:tnLst>
   </p:timing>
@@ -4782,7 +4871,7 @@
           <p:nvPr/>
         </p:nvPicPr>
         <p:blipFill>
-          <a:blip r:embed="rId2">
+          <a:blip r:embed="rId3">
             <a:extLst>
               <a:ext uri="{28A0092B-C50C-407E-A947-70E740481C1C}">
                 <a14:useLocalDpi xmlns:a14="http://schemas.microsoft.com/office/drawing/2010/main" val="0"/>
@@ -4812,7 +4901,7 @@
         <p:spPr>
           <a:xfrm>
             <a:off x="6204123" y="2118249"/>
-            <a:ext cx="2730814" cy="2031325"/>
+            <a:ext cx="2730814" cy="3139321"/>
           </a:xfrm>
           <a:prstGeom prst="rect">
             <a:avLst/>
@@ -4853,8 +4942,22 @@
           <a:p>
             <a:r>
               <a:rPr lang="en-CA" dirty="0" smtClean="0"/>
-              <a:t>p&lt;0.001 from pre- to post-scan</a:t>
-            </a:r>
+              <a:t>p&lt;0.001 from pre- to post-</a:t>
+            </a:r>
+            <a:r>
+              <a:rPr lang="en-CA" dirty="0" smtClean="0"/>
+              <a:t>scan</a:t>
+            </a:r>
+          </a:p>
+          <a:p>
+            <a:endParaRPr lang="en-CA" dirty="0" smtClean="0"/>
+          </a:p>
+          <a:p>
+            <a:r>
+              <a:rPr lang="en-CA" dirty="0" smtClean="0"/>
+              <a:t>(participants scoring &lt;70% at post-scan2 were excluded)</a:t>
+            </a:r>
+            <a:endParaRPr lang="en-CA" dirty="0"/>
           </a:p>
         </p:txBody>
       </p:sp>
@@ -4871,7 +4974,7 @@
   <p:timing>
     <p:tnLst>
       <p:par>
-        <p:cTn id="1" dur="indefinite" restart="never" nodeType="tmRoot"/>
+        <p:cTn xmlns:p14="http://schemas.microsoft.com/office/powerpoint/2010/main" id="1" dur="indefinite" restart="never" nodeType="tmRoot"/>
       </p:par>
     </p:tnLst>
   </p:timing>
@@ -4973,7 +5076,6 @@
               <a:rPr lang="en-CA" dirty="0" smtClean="0"/>
               <a:t>.</a:t>
             </a:r>
-            <a:endParaRPr lang="en-CA" dirty="0" smtClean="0"/>
           </a:p>
           <a:p>
             <a:r>
@@ -5000,11 +5102,7 @@
           <a:p>
             <a:r>
               <a:rPr lang="en-CA" dirty="0" smtClean="0"/>
-              <a:t>Effect </a:t>
-            </a:r>
-            <a:r>
-              <a:rPr lang="en-CA" dirty="0" smtClean="0"/>
-              <a:t>of stimulus type?</a:t>
+              <a:t>Effect of stimulus type?</a:t>
             </a:r>
           </a:p>
           <a:p>
@@ -5087,7 +5185,7 @@
   <p:timing>
     <p:tnLst>
       <p:par>
-        <p:cTn id="1" dur="indefinite" restart="never" nodeType="tmRoot">
+        <p:cTn xmlns:p14="http://schemas.microsoft.com/office/powerpoint/2010/main" id="1" dur="indefinite" restart="never" nodeType="tmRoot">
           <p:childTnLst>
             <p:seq concurrent="1" nextAc="seek">
               <p:cTn id="2" dur="indefinite" nodeType="mainSeq">
@@ -5752,13 +5850,13 @@
       <p:transition spd="slow" p14:dur="2000"/>
     </mc:Choice>
     <mc:Fallback>
-      <p:transition spd="slow"/>
+      <p:transition xmlns:p14="http://schemas.microsoft.com/office/powerpoint/2010/main" spd="slow"/>
     </mc:Fallback>
   </mc:AlternateContent>
   <p:timing>
     <p:tnLst>
       <p:par>
-        <p:cTn id="1" dur="indefinite" restart="never" nodeType="tmRoot">
+        <p:cTn xmlns:p14="http://schemas.microsoft.com/office/powerpoint/2010/main" id="1" dur="indefinite" restart="never" nodeType="tmRoot">
           <p:childTnLst>
             <p:seq concurrent="1" nextAc="seek">
               <p:cTn id="2" dur="indefinite" nodeType="mainSeq">
@@ -6662,18 +6760,18 @@
   <p:clrMapOvr>
     <a:masterClrMapping/>
   </p:clrMapOvr>
-  <mc:AlternateContent xmlns:mc="http://schemas.openxmlformats.org/markup-compatibility/2006" xmlns:p14="http://schemas.microsoft.com/office/powerpoint/2010/main">
-    <mc:Choice Requires="p14">
+  <mc:AlternateContent xmlns:mc="http://schemas.openxmlformats.org/markup-compatibility/2006">
+    <mc:Choice xmlns:p14="http://schemas.microsoft.com/office/powerpoint/2010/main" Requires="p14">
       <p:transition spd="slow" p14:dur="2000"/>
     </mc:Choice>
-    <mc:Fallback xmlns="">
+    <mc:Fallback>
       <p:transition xmlns:p14="http://schemas.microsoft.com/office/powerpoint/2010/main" spd="slow"/>
     </mc:Fallback>
   </mc:AlternateContent>
   <p:timing>
     <p:tnLst>
       <p:par>
-        <p:cTn id="1" dur="indefinite" restart="never" nodeType="tmRoot"/>
+        <p:cTn xmlns:p14="http://schemas.microsoft.com/office/powerpoint/2010/main" id="1" dur="indefinite" restart="never" nodeType="tmRoot"/>
       </p:par>
     </p:tnLst>
   </p:timing>
@@ -6770,35 +6868,35 @@
                 <a:gridCol w="1584960">
                   <a:extLst>
                     <a:ext uri="{9D8B030D-6E8A-4147-A177-3AD203B41FA5}">
-                      <a16:colId xmlns:a16="http://schemas.microsoft.com/office/drawing/2014/main" val="20000"/>
+                      <a16:colId xmlns="" xmlns:a16="http://schemas.microsoft.com/office/drawing/2014/main" val="20000"/>
                     </a:ext>
                   </a:extLst>
                 </a:gridCol>
                 <a:gridCol w="1584960">
                   <a:extLst>
                     <a:ext uri="{9D8B030D-6E8A-4147-A177-3AD203B41FA5}">
-                      <a16:colId xmlns:a16="http://schemas.microsoft.com/office/drawing/2014/main" val="20001"/>
+                      <a16:colId xmlns="" xmlns:a16="http://schemas.microsoft.com/office/drawing/2014/main" val="20001"/>
                     </a:ext>
                   </a:extLst>
                 </a:gridCol>
                 <a:gridCol w="1584960">
                   <a:extLst>
                     <a:ext uri="{9D8B030D-6E8A-4147-A177-3AD203B41FA5}">
-                      <a16:colId xmlns:a16="http://schemas.microsoft.com/office/drawing/2014/main" val="20002"/>
+                      <a16:colId xmlns="" xmlns:a16="http://schemas.microsoft.com/office/drawing/2014/main" val="20002"/>
                     </a:ext>
                   </a:extLst>
                 </a:gridCol>
                 <a:gridCol w="1584960">
                   <a:extLst>
                     <a:ext uri="{9D8B030D-6E8A-4147-A177-3AD203B41FA5}">
-                      <a16:colId xmlns:a16="http://schemas.microsoft.com/office/drawing/2014/main" val="20003"/>
+                      <a16:colId xmlns="" xmlns:a16="http://schemas.microsoft.com/office/drawing/2014/main" val="20003"/>
                     </a:ext>
                   </a:extLst>
                 </a:gridCol>
                 <a:gridCol w="1584960">
                   <a:extLst>
                     <a:ext uri="{9D8B030D-6E8A-4147-A177-3AD203B41FA5}">
-                      <a16:colId xmlns:a16="http://schemas.microsoft.com/office/drawing/2014/main" val="20004"/>
+                      <a16:colId xmlns="" xmlns:a16="http://schemas.microsoft.com/office/drawing/2014/main" val="20004"/>
                     </a:ext>
                   </a:extLst>
                 </a:gridCol>
@@ -6876,7 +6974,7 @@
                 </a:tc>
                 <a:extLst>
                   <a:ext uri="{0D108BD9-81ED-4DB2-BD59-A6C34878D82A}">
-                    <a16:rowId xmlns:a16="http://schemas.microsoft.com/office/drawing/2014/main" val="10000"/>
+                    <a16:rowId xmlns="" xmlns:a16="http://schemas.microsoft.com/office/drawing/2014/main" val="10000"/>
                   </a:ext>
                 </a:extLst>
               </a:tr>
@@ -6979,7 +7077,7 @@
                 </a:tc>
                 <a:extLst>
                   <a:ext uri="{0D108BD9-81ED-4DB2-BD59-A6C34878D82A}">
-                    <a16:rowId xmlns:a16="http://schemas.microsoft.com/office/drawing/2014/main" val="10001"/>
+                    <a16:rowId xmlns="" xmlns:a16="http://schemas.microsoft.com/office/drawing/2014/main" val="10001"/>
                   </a:ext>
                 </a:extLst>
               </a:tr>
@@ -7082,7 +7180,7 @@
                 </a:tc>
                 <a:extLst>
                   <a:ext uri="{0D108BD9-81ED-4DB2-BD59-A6C34878D82A}">
-                    <a16:rowId xmlns:a16="http://schemas.microsoft.com/office/drawing/2014/main" val="10002"/>
+                    <a16:rowId xmlns="" xmlns:a16="http://schemas.microsoft.com/office/drawing/2014/main" val="10002"/>
                   </a:ext>
                 </a:extLst>
               </a:tr>
@@ -7185,7 +7283,7 @@
                 </a:tc>
                 <a:extLst>
                   <a:ext uri="{0D108BD9-81ED-4DB2-BD59-A6C34878D82A}">
-                    <a16:rowId xmlns:a16="http://schemas.microsoft.com/office/drawing/2014/main" val="10003"/>
+                    <a16:rowId xmlns="" xmlns:a16="http://schemas.microsoft.com/office/drawing/2014/main" val="10003"/>
                   </a:ext>
                 </a:extLst>
               </a:tr>
@@ -7258,7 +7356,7 @@
                 </a:tc>
                 <a:extLst>
                   <a:ext uri="{0D108BD9-81ED-4DB2-BD59-A6C34878D82A}">
-                    <a16:rowId xmlns:a16="http://schemas.microsoft.com/office/drawing/2014/main" val="10004"/>
+                    <a16:rowId xmlns="" xmlns:a16="http://schemas.microsoft.com/office/drawing/2014/main" val="10004"/>
                   </a:ext>
                 </a:extLst>
               </a:tr>
@@ -7343,7 +7441,7 @@
                 </a:tc>
                 <a:extLst>
                   <a:ext uri="{0D108BD9-81ED-4DB2-BD59-A6C34878D82A}">
-                    <a16:rowId xmlns:a16="http://schemas.microsoft.com/office/drawing/2014/main" val="10005"/>
+                    <a16:rowId xmlns="" xmlns:a16="http://schemas.microsoft.com/office/drawing/2014/main" val="10005"/>
                   </a:ext>
                 </a:extLst>
               </a:tr>
@@ -7420,7 +7518,7 @@
                 </a:tc>
                 <a:extLst>
                   <a:ext uri="{0D108BD9-81ED-4DB2-BD59-A6C34878D82A}">
-                    <a16:rowId xmlns:a16="http://schemas.microsoft.com/office/drawing/2014/main" val="10006"/>
+                    <a16:rowId xmlns="" xmlns:a16="http://schemas.microsoft.com/office/drawing/2014/main" val="10006"/>
                   </a:ext>
                 </a:extLst>
               </a:tr>
@@ -7505,7 +7603,7 @@
                 </a:tc>
                 <a:extLst>
                   <a:ext uri="{0D108BD9-81ED-4DB2-BD59-A6C34878D82A}">
-                    <a16:rowId xmlns:a16="http://schemas.microsoft.com/office/drawing/2014/main" val="10007"/>
+                    <a16:rowId xmlns="" xmlns:a16="http://schemas.microsoft.com/office/drawing/2014/main" val="10007"/>
                   </a:ext>
                 </a:extLst>
               </a:tr>
@@ -7590,7 +7688,7 @@
                 </a:tc>
                 <a:extLst>
                   <a:ext uri="{0D108BD9-81ED-4DB2-BD59-A6C34878D82A}">
-                    <a16:rowId xmlns:a16="http://schemas.microsoft.com/office/drawing/2014/main" val="10008"/>
+                    <a16:rowId xmlns="" xmlns:a16="http://schemas.microsoft.com/office/drawing/2014/main" val="10008"/>
                   </a:ext>
                 </a:extLst>
               </a:tr>
@@ -7691,7 +7789,7 @@
                 </a:tc>
                 <a:extLst>
                   <a:ext uri="{0D108BD9-81ED-4DB2-BD59-A6C34878D82A}">
-                    <a16:rowId xmlns:a16="http://schemas.microsoft.com/office/drawing/2014/main" val="10009"/>
+                    <a16:rowId xmlns="" xmlns:a16="http://schemas.microsoft.com/office/drawing/2014/main" val="10009"/>
                   </a:ext>
                 </a:extLst>
               </a:tr>
@@ -7768,7 +7866,7 @@
                 </a:tc>
                 <a:extLst>
                   <a:ext uri="{0D108BD9-81ED-4DB2-BD59-A6C34878D82A}">
-                    <a16:rowId xmlns:a16="http://schemas.microsoft.com/office/drawing/2014/main" val="10010"/>
+                    <a16:rowId xmlns="" xmlns:a16="http://schemas.microsoft.com/office/drawing/2014/main" val="10010"/>
                   </a:ext>
                 </a:extLst>
               </a:tr>
@@ -7837,7 +7935,7 @@
                 </a:tc>
                 <a:extLst>
                   <a:ext uri="{0D108BD9-81ED-4DB2-BD59-A6C34878D82A}">
-                    <a16:rowId xmlns:a16="http://schemas.microsoft.com/office/drawing/2014/main" val="10011"/>
+                    <a16:rowId xmlns="" xmlns:a16="http://schemas.microsoft.com/office/drawing/2014/main" val="10011"/>
                   </a:ext>
                 </a:extLst>
               </a:tr>
@@ -7902,7 +8000,7 @@
                 </a:tc>
                 <a:extLst>
                   <a:ext uri="{0D108BD9-81ED-4DB2-BD59-A6C34878D82A}">
-                    <a16:rowId xmlns:a16="http://schemas.microsoft.com/office/drawing/2014/main" val="10012"/>
+                    <a16:rowId xmlns="" xmlns:a16="http://schemas.microsoft.com/office/drawing/2014/main" val="10012"/>
                   </a:ext>
                 </a:extLst>
               </a:tr>
@@ -8095,13 +8193,13 @@
       <p:transition spd="slow" p14:dur="2000"/>
     </mc:Choice>
     <mc:Fallback>
-      <p:transition spd="slow"/>
+      <p:transition xmlns:p14="http://schemas.microsoft.com/office/powerpoint/2010/main" spd="slow"/>
     </mc:Fallback>
   </mc:AlternateContent>
   <p:timing>
     <p:tnLst>
       <p:par>
-        <p:cTn id="1" dur="indefinite" restart="never" nodeType="tmRoot">
+        <p:cTn xmlns:p14="http://schemas.microsoft.com/office/powerpoint/2010/main" id="1" dur="indefinite" restart="never" nodeType="tmRoot">
           <p:childTnLst>
             <p:seq concurrent="1" nextAc="seek">
               <p:cTn id="2" dur="indefinite" nodeType="mainSeq">
@@ -8990,7 +9088,7 @@
   <p:timing>
     <p:tnLst>
       <p:par>
-        <p:cTn id="1" dur="indefinite" restart="never" nodeType="tmRoot"/>
+        <p:cTn xmlns:p14="http://schemas.microsoft.com/office/powerpoint/2010/main" id="1" dur="indefinite" restart="never" nodeType="tmRoot"/>
       </p:par>
     </p:tnLst>
   </p:timing>
@@ -9142,7 +9240,7 @@
   <p:timing>
     <p:tnLst>
       <p:par>
-        <p:cTn id="1" dur="indefinite" restart="never" nodeType="tmRoot"/>
+        <p:cTn xmlns:p14="http://schemas.microsoft.com/office/powerpoint/2010/main" id="1" dur="indefinite" restart="never" nodeType="tmRoot"/>
       </p:par>
     </p:tnLst>
   </p:timing>
@@ -9233,8 +9331,13 @@
             <a:pPr lvl="1"/>
             <a:r>
               <a:rPr lang="en-US" dirty="0" smtClean="0"/>
-              <a:t>‘how synchronized was the activity in this participant’s ROI compared to everyone else’s activity’</a:t>
-            </a:r>
+              <a:t>‘how synchronized was the activity in this participant’s ROI compared to everyone else’s </a:t>
+            </a:r>
+            <a:r>
+              <a:rPr lang="en-US" dirty="0" smtClean="0"/>
+              <a:t>activity?’</a:t>
+            </a:r>
+            <a:endParaRPr lang="en-US" dirty="0" smtClean="0"/>
           </a:p>
           <a:p>
             <a:pPr lvl="1"/>
@@ -9259,7 +9362,7 @@
   <p:timing>
     <p:tnLst>
       <p:par>
-        <p:cTn id="1" dur="indefinite" restart="never" nodeType="tmRoot"/>
+        <p:cTn xmlns:p14="http://schemas.microsoft.com/office/powerpoint/2010/main" id="1" dur="indefinite" restart="never" nodeType="tmRoot"/>
       </p:par>
     </p:tnLst>
   </p:timing>
@@ -9453,7 +9556,7 @@
   <p:timing>
     <p:tnLst>
       <p:par>
-        <p:cTn id="1" dur="indefinite" restart="never" nodeType="tmRoot">
+        <p:cTn xmlns:p14="http://schemas.microsoft.com/office/powerpoint/2010/main" id="1" dur="indefinite" restart="never" nodeType="tmRoot">
           <p:childTnLst>
             <p:seq concurrent="1" nextAc="seek">
               <p:cTn id="2" dur="indefinite" nodeType="mainSeq">
@@ -9701,13 +9804,35 @@
         </p:spPr>
         <p:txBody>
           <a:bodyPr>
-            <a:normAutofit/>
+            <a:normAutofit fontScale="92500" lnSpcReduction="20000"/>
           </a:bodyPr>
           <a:lstStyle/>
           <a:p>
             <a:r>
               <a:rPr lang="en-CA" dirty="0" smtClean="0"/>
-              <a:t>How does the way we process music change with</a:t>
+              <a:t>Using naturalistic </a:t>
+            </a:r>
+            <a:r>
+              <a:rPr lang="en-CA" dirty="0" smtClean="0"/>
+              <a:t>stimuli to probe </a:t>
+            </a:r>
+            <a:r>
+              <a:rPr lang="en-CA" dirty="0" smtClean="0"/>
+              <a:t>consciousness</a:t>
+            </a:r>
+          </a:p>
+          <a:p>
+            <a:pPr lvl="1"/>
+            <a:r>
+              <a:rPr lang="en-CA" dirty="0" smtClean="0"/>
+              <a:t>music</a:t>
+            </a:r>
+            <a:endParaRPr lang="en-CA" dirty="0" smtClean="0"/>
+          </a:p>
+          <a:p>
+            <a:r>
+              <a:rPr lang="en-CA" dirty="0" smtClean="0"/>
+              <a:t>How does processing of these stimuli change with</a:t>
             </a:r>
             <a:r>
               <a:rPr lang="mr-IN" dirty="0" smtClean="0"/>
@@ -9742,6 +9867,31 @@
             <a:r>
               <a:rPr lang="en-CA" dirty="0" smtClean="0"/>
               <a:t>amiliarity?</a:t>
+            </a:r>
+          </a:p>
+          <a:p>
+            <a:r>
+              <a:rPr lang="en-CA" dirty="0" smtClean="0"/>
+              <a:t>What does that teach us about what it’s like to be a</a:t>
+            </a:r>
+            <a:r>
+              <a:rPr lang="mr-IN" dirty="0" smtClean="0"/>
+              <a:t>…</a:t>
+            </a:r>
+            <a:endParaRPr lang="en-CA" dirty="0" smtClean="0"/>
+          </a:p>
+          <a:p>
+            <a:pPr lvl="1"/>
+            <a:r>
+              <a:rPr lang="en-CA" dirty="0" smtClean="0"/>
+              <a:t>Young adult?</a:t>
+            </a:r>
+          </a:p>
+          <a:p>
+            <a:pPr lvl="1"/>
+            <a:r>
+              <a:rPr lang="en-CA" dirty="0" smtClean="0"/>
+              <a:t>Older adult?</a:t>
             </a:r>
             <a:endParaRPr lang="en-CA" dirty="0"/>
           </a:p>
@@ -9790,7 +9940,7 @@
   <p:timing>
     <p:tnLst>
       <p:par>
-        <p:cTn id="1" dur="indefinite" restart="never" nodeType="tmRoot">
+        <p:cTn xmlns:p14="http://schemas.microsoft.com/office/powerpoint/2010/main" id="1" dur="indefinite" restart="never" nodeType="tmRoot">
           <p:childTnLst>
             <p:seq concurrent="1" nextAc="seek">
               <p:cTn id="2" dur="indefinite" nodeType="mainSeq">
@@ -9808,7 +9958,7 @@
                             </p:stCondLst>
                             <p:childTnLst>
                               <p:par>
-                                <p:cTn id="5" presetID="1" presetClass="entr" presetSubtype="0" fill="hold" nodeType="clickEffect">
+                                <p:cTn id="5" presetID="1" presetClass="entr" presetSubtype="0" fill="hold" grpId="0" nodeType="clickEffect">
                                   <p:stCondLst>
                                     <p:cond delay="0"/>
                                   </p:stCondLst>
@@ -9816,6 +9966,179 @@
                                     <p:set>
                                       <p:cBhvr>
                                         <p:cTn id="6" dur="1" fill="hold">
+                                          <p:stCondLst>
+                                            <p:cond delay="0"/>
+                                          </p:stCondLst>
+                                        </p:cTn>
+                                        <p:tgtEl>
+                                          <p:spTgt spid="3">
+                                            <p:txEl>
+                                              <p:pRg st="0" end="0"/>
+                                            </p:txEl>
+                                          </p:spTgt>
+                                        </p:tgtEl>
+                                        <p:attrNameLst>
+                                          <p:attrName>style.visibility</p:attrName>
+                                        </p:attrNameLst>
+                                      </p:cBhvr>
+                                      <p:to>
+                                        <p:strVal val="visible"/>
+                                      </p:to>
+                                    </p:set>
+                                  </p:childTnLst>
+                                </p:cTn>
+                              </p:par>
+                              <p:par>
+                                <p:cTn id="7" presetID="1" presetClass="entr" presetSubtype="0" fill="hold" grpId="0" nodeType="withEffect">
+                                  <p:stCondLst>
+                                    <p:cond delay="0"/>
+                                  </p:stCondLst>
+                                  <p:childTnLst>
+                                    <p:set>
+                                      <p:cBhvr>
+                                        <p:cTn id="8" dur="1" fill="hold">
+                                          <p:stCondLst>
+                                            <p:cond delay="0"/>
+                                          </p:stCondLst>
+                                        </p:cTn>
+                                        <p:tgtEl>
+                                          <p:spTgt spid="3">
+                                            <p:txEl>
+                                              <p:pRg st="1" end="1"/>
+                                            </p:txEl>
+                                          </p:spTgt>
+                                        </p:tgtEl>
+                                        <p:attrNameLst>
+                                          <p:attrName>style.visibility</p:attrName>
+                                        </p:attrNameLst>
+                                      </p:cBhvr>
+                                      <p:to>
+                                        <p:strVal val="visible"/>
+                                      </p:to>
+                                    </p:set>
+                                  </p:childTnLst>
+                                </p:cTn>
+                              </p:par>
+                            </p:childTnLst>
+                          </p:cTn>
+                        </p:par>
+                      </p:childTnLst>
+                    </p:cTn>
+                  </p:par>
+                  <p:par>
+                    <p:cTn id="9" fill="hold">
+                      <p:stCondLst>
+                        <p:cond delay="indefinite"/>
+                      </p:stCondLst>
+                      <p:childTnLst>
+                        <p:par>
+                          <p:cTn id="10" fill="hold">
+                            <p:stCondLst>
+                              <p:cond delay="0"/>
+                            </p:stCondLst>
+                            <p:childTnLst>
+                              <p:par>
+                                <p:cTn id="11" presetID="1" presetClass="entr" presetSubtype="0" fill="hold" grpId="0" nodeType="clickEffect">
+                                  <p:stCondLst>
+                                    <p:cond delay="0"/>
+                                  </p:stCondLst>
+                                  <p:childTnLst>
+                                    <p:set>
+                                      <p:cBhvr>
+                                        <p:cTn id="12" dur="1" fill="hold">
+                                          <p:stCondLst>
+                                            <p:cond delay="0"/>
+                                          </p:stCondLst>
+                                        </p:cTn>
+                                        <p:tgtEl>
+                                          <p:spTgt spid="3">
+                                            <p:txEl>
+                                              <p:pRg st="2" end="2"/>
+                                            </p:txEl>
+                                          </p:spTgt>
+                                        </p:tgtEl>
+                                        <p:attrNameLst>
+                                          <p:attrName>style.visibility</p:attrName>
+                                        </p:attrNameLst>
+                                      </p:cBhvr>
+                                      <p:to>
+                                        <p:strVal val="visible"/>
+                                      </p:to>
+                                    </p:set>
+                                  </p:childTnLst>
+                                </p:cTn>
+                              </p:par>
+                              <p:par>
+                                <p:cTn id="13" presetID="1" presetClass="entr" presetSubtype="0" fill="hold" grpId="0" nodeType="withEffect">
+                                  <p:stCondLst>
+                                    <p:cond delay="0"/>
+                                  </p:stCondLst>
+                                  <p:childTnLst>
+                                    <p:set>
+                                      <p:cBhvr>
+                                        <p:cTn id="14" dur="1" fill="hold">
+                                          <p:stCondLst>
+                                            <p:cond delay="0"/>
+                                          </p:stCondLst>
+                                        </p:cTn>
+                                        <p:tgtEl>
+                                          <p:spTgt spid="3">
+                                            <p:txEl>
+                                              <p:pRg st="3" end="3"/>
+                                            </p:txEl>
+                                          </p:spTgt>
+                                        </p:tgtEl>
+                                        <p:attrNameLst>
+                                          <p:attrName>style.visibility</p:attrName>
+                                        </p:attrNameLst>
+                                      </p:cBhvr>
+                                      <p:to>
+                                        <p:strVal val="visible"/>
+                                      </p:to>
+                                    </p:set>
+                                  </p:childTnLst>
+                                </p:cTn>
+                              </p:par>
+                              <p:par>
+                                <p:cTn id="15" presetID="1" presetClass="entr" presetSubtype="0" fill="hold" grpId="0" nodeType="withEffect">
+                                  <p:stCondLst>
+                                    <p:cond delay="0"/>
+                                  </p:stCondLst>
+                                  <p:childTnLst>
+                                    <p:set>
+                                      <p:cBhvr>
+                                        <p:cTn id="16" dur="1" fill="hold">
+                                          <p:stCondLst>
+                                            <p:cond delay="0"/>
+                                          </p:stCondLst>
+                                        </p:cTn>
+                                        <p:tgtEl>
+                                          <p:spTgt spid="3">
+                                            <p:txEl>
+                                              <p:pRg st="4" end="4"/>
+                                            </p:txEl>
+                                          </p:spTgt>
+                                        </p:tgtEl>
+                                        <p:attrNameLst>
+                                          <p:attrName>style.visibility</p:attrName>
+                                        </p:attrNameLst>
+                                      </p:cBhvr>
+                                      <p:to>
+                                        <p:strVal val="visible"/>
+                                      </p:to>
+                                    </p:set>
+                                  </p:childTnLst>
+                                </p:cTn>
+                              </p:par>
+                              <p:par>
+                                <p:cTn id="17" presetID="1" presetClass="entr" presetSubtype="0" fill="hold" grpId="0" nodeType="withEffect">
+                                  <p:stCondLst>
+                                    <p:cond delay="0"/>
+                                  </p:stCondLst>
+                                  <p:childTnLst>
+                                    <p:set>
+                                      <p:cBhvr>
+                                        <p:cTn id="18" dur="1" fill="hold">
                                           <p:stCondLst>
                                             <p:cond delay="0"/>
                                           </p:stCondLst>
@@ -9838,15 +10161,33 @@
                                   </p:childTnLst>
                                 </p:cTn>
                               </p:par>
+                            </p:childTnLst>
+                          </p:cTn>
+                        </p:par>
+                      </p:childTnLst>
+                    </p:cTn>
+                  </p:par>
+                  <p:par>
+                    <p:cTn id="19" fill="hold">
+                      <p:stCondLst>
+                        <p:cond delay="indefinite"/>
+                      </p:stCondLst>
+                      <p:childTnLst>
+                        <p:par>
+                          <p:cTn id="20" fill="hold">
+                            <p:stCondLst>
+                              <p:cond delay="0"/>
+                            </p:stCondLst>
+                            <p:childTnLst>
                               <p:par>
-                                <p:cTn id="7" presetID="1" presetClass="entr" presetSubtype="0" fill="hold" nodeType="withEffect">
+                                <p:cTn id="21" presetID="1" presetClass="entr" presetSubtype="0" fill="hold" grpId="0" nodeType="clickEffect">
                                   <p:stCondLst>
                                     <p:cond delay="0"/>
                                   </p:stCondLst>
                                   <p:childTnLst>
                                     <p:set>
                                       <p:cBhvr>
-                                        <p:cTn id="8" dur="1" fill="hold">
+                                        <p:cTn id="22" dur="1" fill="hold">
                                           <p:stCondLst>
                                             <p:cond delay="0"/>
                                           </p:stCondLst>
@@ -9870,14 +10211,14 @@
                                 </p:cTn>
                               </p:par>
                               <p:par>
-                                <p:cTn id="9" presetID="1" presetClass="entr" presetSubtype="0" fill="hold" nodeType="withEffect">
+                                <p:cTn id="23" presetID="1" presetClass="entr" presetSubtype="0" fill="hold" grpId="0" nodeType="withEffect">
                                   <p:stCondLst>
                                     <p:cond delay="0"/>
                                   </p:stCondLst>
                                   <p:childTnLst>
                                     <p:set>
                                       <p:cBhvr>
-                                        <p:cTn id="10" dur="1" fill="hold">
+                                        <p:cTn id="24" dur="1" fill="hold">
                                           <p:stCondLst>
                                             <p:cond delay="0"/>
                                           </p:stCondLst>
@@ -9886,6 +10227,148 @@
                                           <p:spTgt spid="3">
                                             <p:txEl>
                                               <p:pRg st="7" end="7"/>
+                                            </p:txEl>
+                                          </p:spTgt>
+                                        </p:tgtEl>
+                                        <p:attrNameLst>
+                                          <p:attrName>style.visibility</p:attrName>
+                                        </p:attrNameLst>
+                                      </p:cBhvr>
+                                      <p:to>
+                                        <p:strVal val="visible"/>
+                                      </p:to>
+                                    </p:set>
+                                  </p:childTnLst>
+                                </p:cTn>
+                              </p:par>
+                              <p:par>
+                                <p:cTn id="25" presetID="1" presetClass="entr" presetSubtype="0" fill="hold" grpId="0" nodeType="withEffect">
+                                  <p:stCondLst>
+                                    <p:cond delay="0"/>
+                                  </p:stCondLst>
+                                  <p:childTnLst>
+                                    <p:set>
+                                      <p:cBhvr>
+                                        <p:cTn id="26" dur="1" fill="hold">
+                                          <p:stCondLst>
+                                            <p:cond delay="0"/>
+                                          </p:stCondLst>
+                                        </p:cTn>
+                                        <p:tgtEl>
+                                          <p:spTgt spid="3">
+                                            <p:txEl>
+                                              <p:pRg st="8" end="8"/>
+                                            </p:txEl>
+                                          </p:spTgt>
+                                        </p:tgtEl>
+                                        <p:attrNameLst>
+                                          <p:attrName>style.visibility</p:attrName>
+                                        </p:attrNameLst>
+                                      </p:cBhvr>
+                                      <p:to>
+                                        <p:strVal val="visible"/>
+                                      </p:to>
+                                    </p:set>
+                                  </p:childTnLst>
+                                </p:cTn>
+                              </p:par>
+                            </p:childTnLst>
+                          </p:cTn>
+                        </p:par>
+                      </p:childTnLst>
+                    </p:cTn>
+                  </p:par>
+                  <p:par>
+                    <p:cTn id="27" fill="hold">
+                      <p:stCondLst>
+                        <p:cond delay="indefinite"/>
+                      </p:stCondLst>
+                      <p:childTnLst>
+                        <p:par>
+                          <p:cTn id="28" fill="hold">
+                            <p:stCondLst>
+                              <p:cond delay="0"/>
+                            </p:stCondLst>
+                            <p:childTnLst>
+                              <p:par>
+                                <p:cTn id="29" presetID="1" presetClass="entr" presetSubtype="0" fill="hold" grpId="0" nodeType="clickEffect">
+                                  <p:stCondLst>
+                                    <p:cond delay="0"/>
+                                  </p:stCondLst>
+                                  <p:childTnLst>
+                                    <p:set>
+                                      <p:cBhvr>
+                                        <p:cTn id="30" dur="1" fill="hold">
+                                          <p:stCondLst>
+                                            <p:cond delay="0"/>
+                                          </p:stCondLst>
+                                        </p:cTn>
+                                        <p:tgtEl>
+                                          <p:spTgt spid="3">
+                                            <p:txEl>
+                                              <p:pRg st="10" end="10"/>
+                                            </p:txEl>
+                                          </p:spTgt>
+                                        </p:tgtEl>
+                                        <p:attrNameLst>
+                                          <p:attrName>style.visibility</p:attrName>
+                                        </p:attrNameLst>
+                                      </p:cBhvr>
+                                      <p:to>
+                                        <p:strVal val="visible"/>
+                                      </p:to>
+                                    </p:set>
+                                  </p:childTnLst>
+                                </p:cTn>
+                              </p:par>
+                              <p:par>
+                                <p:cTn id="31" presetID="1" presetClass="entr" presetSubtype="0" fill="hold" grpId="0" nodeType="withEffect">
+                                  <p:stCondLst>
+                                    <p:cond delay="0"/>
+                                  </p:stCondLst>
+                                  <p:childTnLst>
+                                    <p:set>
+                                      <p:cBhvr>
+                                        <p:cTn id="32" dur="1" fill="hold">
+                                          <p:stCondLst>
+                                            <p:cond delay="0"/>
+                                          </p:stCondLst>
+                                        </p:cTn>
+                                        <p:tgtEl>
+                                          <p:spTgt spid="3">
+                                            <p:txEl>
+                                              <p:pRg st="11" end="11"/>
+                                            </p:txEl>
+                                          </p:spTgt>
+                                        </p:tgtEl>
+                                        <p:attrNameLst>
+                                          <p:attrName>style.visibility</p:attrName>
+                                        </p:attrNameLst>
+                                      </p:cBhvr>
+                                      <p:to>
+                                        <p:strVal val="visible"/>
+                                      </p:to>
+                                    </p:set>
+                                  </p:childTnLst>
+                                </p:cTn>
+                              </p:par>
+                              <p:par>
+                                <p:cTn id="33" presetID="1" presetClass="entr" presetSubtype="0" fill="hold" grpId="0" nodeType="withEffect">
+                                  <p:stCondLst>
+                                    <p:cond delay="0"/>
+                                  </p:stCondLst>
+                                  <p:childTnLst>
+                                    <p:set>
+                                      <p:cBhvr>
+                                        <p:cTn id="34" dur="1" fill="hold">
+                                          <p:stCondLst>
+                                            <p:cond delay="0"/>
+                                          </p:stCondLst>
+                                        </p:cTn>
+                                        <p:tgtEl>
+                                          <p:spTgt spid="3">
+                                            <p:txEl>
+                                              <p:pRg st="12" end="12"/>
                                             </p:txEl>
                                           </p:spTgt>
                                         </p:tgtEl>
@@ -9927,6 +10410,9 @@
         </p:cTn>
       </p:par>
     </p:tnLst>
+    <p:bldLst>
+      <p:bldP spid="3" grpId="0" build="p"/>
+    </p:bldLst>
   </p:timing>
 </p:sld>
 </file>
@@ -9992,7 +10478,7 @@
         <p:spPr/>
         <p:txBody>
           <a:bodyPr>
-            <a:normAutofit lnSpcReduction="10000"/>
+            <a:normAutofit/>
           </a:bodyPr>
           <a:lstStyle/>
           <a:p>
@@ -10033,39 +10519,7 @@
             </a:r>
             <a:r>
               <a:rPr lang="en-US" dirty="0" smtClean="0"/>
-              <a:t> </a:t>
-            </a:r>
-            <a:r>
-              <a:rPr lang="en-US" dirty="0" smtClean="0"/>
-              <a:t>gyrus</a:t>
-            </a:r>
-          </a:p>
-          <a:p>
-            <a:pPr lvl="2"/>
-            <a:r>
-              <a:rPr lang="en-US" dirty="0" smtClean="0"/>
-              <a:t>Anterior STG</a:t>
-            </a:r>
-          </a:p>
-          <a:p>
-            <a:pPr lvl="2"/>
-            <a:r>
-              <a:rPr lang="en-US" dirty="0" smtClean="0"/>
-              <a:t>Posterior STG </a:t>
-            </a:r>
-          </a:p>
-          <a:p>
-            <a:pPr lvl="1"/>
-            <a:r>
-              <a:rPr lang="en-US" dirty="0" smtClean="0"/>
-              <a:t>Cingulate</a:t>
-            </a:r>
-          </a:p>
-          <a:p>
-            <a:pPr lvl="2"/>
-            <a:r>
-              <a:rPr lang="en-US" dirty="0" smtClean="0"/>
-              <a:t>Anterior</a:t>
+              <a:t> gyrus</a:t>
             </a:r>
           </a:p>
           <a:p>
@@ -10097,7 +10551,7 @@
         </p:nvSpPr>
         <p:spPr>
           <a:xfrm>
-            <a:off x="5105400" y="3757136"/>
+            <a:off x="5066913" y="3192718"/>
             <a:ext cx="3667125" cy="1754326"/>
           </a:xfrm>
           <a:prstGeom prst="rect">
@@ -10137,7 +10591,7 @@
         <p:spPr>
           <a:xfrm>
             <a:off x="4086225" y="3209925"/>
-            <a:ext cx="695325" cy="2571750"/>
+            <a:ext cx="695325" cy="1638939"/>
           </a:xfrm>
           <a:prstGeom prst="rightBrace">
             <a:avLst/>
@@ -10184,7 +10638,7 @@
   <p:timing>
     <p:tnLst>
       <p:par>
-        <p:cTn id="1" dur="indefinite" restart="never" nodeType="tmRoot">
+        <p:cTn xmlns:p14="http://schemas.microsoft.com/office/powerpoint/2010/main" id="1" dur="indefinite" restart="never" nodeType="tmRoot">
           <p:childTnLst>
             <p:seq concurrent="1" nextAc="seek">
               <p:cTn id="2" dur="indefinite" nodeType="mainSeq">
@@ -10357,7 +10811,7 @@
                                 </p:cTn>
                               </p:par>
                               <p:par>
-                                <p:cTn id="15" presetID="1" presetClass="entr" presetSubtype="0" fill="hold" nodeType="withEffect">
+                                <p:cTn id="15" presetID="1" presetClass="entr" presetSubtype="0" fill="hold" grpId="0" nodeType="withEffect">
                                   <p:stCondLst>
                                     <p:cond delay="0"/>
                                   </p:stCondLst>
@@ -10365,130 +10819,6 @@
                                     <p:set>
                                       <p:cBhvr>
                                         <p:cTn id="16" dur="1" fill="hold">
-                                          <p:stCondLst>
-                                            <p:cond delay="0"/>
-                                          </p:stCondLst>
-                                        </p:cTn>
-                                        <p:tgtEl>
-                                          <p:spTgt spid="3">
-                                            <p:txEl>
-                                              <p:pRg st="7" end="7"/>
-                                            </p:txEl>
-                                          </p:spTgt>
-                                        </p:tgtEl>
-                                        <p:attrNameLst>
-                                          <p:attrName>style.visibility</p:attrName>
-                                        </p:attrNameLst>
-                                      </p:cBhvr>
-                                      <p:to>
-                                        <p:strVal val="visible"/>
-                                      </p:to>
-                                    </p:set>
-                                  </p:childTnLst>
-                                </p:cTn>
-                              </p:par>
-                              <p:par>
-                                <p:cTn id="17" presetID="1" presetClass="entr" presetSubtype="0" fill="hold" nodeType="withEffect">
-                                  <p:stCondLst>
-                                    <p:cond delay="0"/>
-                                  </p:stCondLst>
-                                  <p:childTnLst>
-                                    <p:set>
-                                      <p:cBhvr>
-                                        <p:cTn id="18" dur="1" fill="hold">
-                                          <p:stCondLst>
-                                            <p:cond delay="0"/>
-                                          </p:stCondLst>
-                                        </p:cTn>
-                                        <p:tgtEl>
-                                          <p:spTgt spid="3">
-                                            <p:txEl>
-                                              <p:pRg st="8" end="8"/>
-                                            </p:txEl>
-                                          </p:spTgt>
-                                        </p:tgtEl>
-                                        <p:attrNameLst>
-                                          <p:attrName>style.visibility</p:attrName>
-                                        </p:attrNameLst>
-                                      </p:cBhvr>
-                                      <p:to>
-                                        <p:strVal val="visible"/>
-                                      </p:to>
-                                    </p:set>
-                                  </p:childTnLst>
-                                </p:cTn>
-                              </p:par>
-                              <p:par>
-                                <p:cTn id="19" presetID="1" presetClass="entr" presetSubtype="0" fill="hold" nodeType="withEffect">
-                                  <p:stCondLst>
-                                    <p:cond delay="0"/>
-                                  </p:stCondLst>
-                                  <p:childTnLst>
-                                    <p:set>
-                                      <p:cBhvr>
-                                        <p:cTn id="20" dur="1" fill="hold">
-                                          <p:stCondLst>
-                                            <p:cond delay="0"/>
-                                          </p:stCondLst>
-                                        </p:cTn>
-                                        <p:tgtEl>
-                                          <p:spTgt spid="3">
-                                            <p:txEl>
-                                              <p:pRg st="9" end="9"/>
-                                            </p:txEl>
-                                          </p:spTgt>
-                                        </p:tgtEl>
-                                        <p:attrNameLst>
-                                          <p:attrName>style.visibility</p:attrName>
-                                        </p:attrNameLst>
-                                      </p:cBhvr>
-                                      <p:to>
-                                        <p:strVal val="visible"/>
-                                      </p:to>
-                                    </p:set>
-                                  </p:childTnLst>
-                                </p:cTn>
-                              </p:par>
-                              <p:par>
-                                <p:cTn id="21" presetID="1" presetClass="entr" presetSubtype="0" fill="hold" nodeType="withEffect">
-                                  <p:stCondLst>
-                                    <p:cond delay="0"/>
-                                  </p:stCondLst>
-                                  <p:childTnLst>
-                                    <p:set>
-                                      <p:cBhvr>
-                                        <p:cTn id="22" dur="1" fill="hold">
-                                          <p:stCondLst>
-                                            <p:cond delay="0"/>
-                                          </p:stCondLst>
-                                        </p:cTn>
-                                        <p:tgtEl>
-                                          <p:spTgt spid="3">
-                                            <p:txEl>
-                                              <p:pRg st="10" end="10"/>
-                                            </p:txEl>
-                                          </p:spTgt>
-                                        </p:tgtEl>
-                                        <p:attrNameLst>
-                                          <p:attrName>style.visibility</p:attrName>
-                                        </p:attrNameLst>
-                                      </p:cBhvr>
-                                      <p:to>
-                                        <p:strVal val="visible"/>
-                                      </p:to>
-                                    </p:set>
-                                  </p:childTnLst>
-                                </p:cTn>
-                              </p:par>
-                              <p:par>
-                                <p:cTn id="23" presetID="1" presetClass="entr" presetSubtype="0" fill="hold" grpId="0" nodeType="withEffect">
-                                  <p:stCondLst>
-                                    <p:cond delay="0"/>
-                                  </p:stCondLst>
-                                  <p:childTnLst>
-                                    <p:set>
-                                      <p:cBhvr>
-                                        <p:cTn id="24" dur="1" fill="hold">
                                           <p:stCondLst>
                                             <p:cond delay="0"/>
                                           </p:stCondLst>
@@ -10508,14 +10838,14 @@
                                 </p:cTn>
                               </p:par>
                               <p:par>
-                                <p:cTn id="25" presetID="1" presetClass="entr" presetSubtype="0" fill="hold" grpId="0" nodeType="withEffect">
+                                <p:cTn id="17" presetID="1" presetClass="entr" presetSubtype="0" fill="hold" grpId="0" nodeType="withEffect">
                                   <p:stCondLst>
                                     <p:cond delay="0"/>
                                   </p:stCondLst>
                                   <p:childTnLst>
                                     <p:set>
                                       <p:cBhvr>
-                                        <p:cTn id="26" dur="1" fill="hold">
+                                        <p:cTn id="18" dur="1" fill="hold">
                                           <p:stCondLst>
                                             <p:cond delay="0"/>
                                           </p:stCondLst>
@@ -11234,11 +11564,7 @@
             </a:r>
             <a:r>
               <a:rPr lang="en-CA" dirty="0" smtClean="0"/>
-              <a:t> </a:t>
-            </a:r>
-            <a:r>
-              <a:rPr lang="en-CA" dirty="0" smtClean="0"/>
-              <a:t>Gyrus</a:t>
+              <a:t> Gyrus</a:t>
             </a:r>
             <a:endParaRPr lang="en-CA" dirty="0"/>
           </a:p>
@@ -11303,7 +11629,7 @@
   <p:timing>
     <p:tnLst>
       <p:par>
-        <p:cTn id="1" dur="indefinite" restart="never" nodeType="tmRoot">
+        <p:cTn xmlns:p14="http://schemas.microsoft.com/office/powerpoint/2010/main" id="1" dur="indefinite" restart="never" nodeType="tmRoot">
           <p:childTnLst>
             <p:seq concurrent="1" nextAc="seek">
               <p:cTn id="2" dur="indefinite" nodeType="mainSeq">
@@ -11421,11 +11747,7 @@
             </a:r>
             <a:r>
               <a:rPr lang="en-CA" sz="4000" dirty="0" smtClean="0"/>
-              <a:t> </a:t>
-            </a:r>
-            <a:r>
-              <a:rPr lang="en-CA" sz="4000" dirty="0" smtClean="0"/>
-              <a:t>overlay with stim envelope</a:t>
+              <a:t> overlay with stim envelope</a:t>
             </a:r>
             <a:endParaRPr lang="en-CA" sz="4000" dirty="0"/>
           </a:p>
@@ -11461,6 +11783,239 @@
           </a:prstGeom>
         </p:spPr>
       </p:pic>
+      <p:sp>
+        <p:nvSpPr>
+          <p:cNvPr id="5" name="TextBox 4"/>
+          <p:cNvSpPr txBox="1"/>
+          <p:nvPr/>
+        </p:nvSpPr>
+        <p:spPr>
+          <a:xfrm>
+            <a:off x="2351126" y="1509978"/>
+            <a:ext cx="290727" cy="369332"/>
+          </a:xfrm>
+          <a:prstGeom prst="rect">
+            <a:avLst/>
+          </a:prstGeom>
+          <a:noFill/>
+        </p:spPr>
+        <p:txBody>
+          <a:bodyPr wrap="none" rtlCol="0">
+            <a:spAutoFit/>
+          </a:bodyPr>
+          <a:lstStyle/>
+          <a:p>
+            <a:r>
+              <a:rPr lang="en-CA" dirty="0" smtClean="0"/>
+              <a:t>S</a:t>
+            </a:r>
+          </a:p>
+        </p:txBody>
+      </p:sp>
+      <p:sp>
+        <p:nvSpPr>
+          <p:cNvPr id="6" name="TextBox 5"/>
+          <p:cNvSpPr txBox="1"/>
+          <p:nvPr/>
+        </p:nvSpPr>
+        <p:spPr>
+          <a:xfrm>
+            <a:off x="2354109" y="2085750"/>
+            <a:ext cx="290727" cy="369332"/>
+          </a:xfrm>
+          <a:prstGeom prst="rect">
+            <a:avLst/>
+          </a:prstGeom>
+          <a:noFill/>
+        </p:spPr>
+        <p:txBody>
+          <a:bodyPr wrap="none" rtlCol="0">
+            <a:spAutoFit/>
+          </a:bodyPr>
+          <a:lstStyle/>
+          <a:p>
+            <a:r>
+              <a:rPr lang="en-CA" dirty="0" smtClean="0"/>
+              <a:t>S</a:t>
+            </a:r>
+          </a:p>
+        </p:txBody>
+      </p:sp>
+      <p:sp>
+        <p:nvSpPr>
+          <p:cNvPr id="7" name="TextBox 6"/>
+          <p:cNvSpPr txBox="1"/>
+          <p:nvPr/>
+        </p:nvSpPr>
+        <p:spPr>
+          <a:xfrm>
+            <a:off x="2341657" y="2720807"/>
+            <a:ext cx="318229" cy="369332"/>
+          </a:xfrm>
+          <a:prstGeom prst="rect">
+            <a:avLst/>
+          </a:prstGeom>
+          <a:noFill/>
+        </p:spPr>
+        <p:txBody>
+          <a:bodyPr wrap="none" rtlCol="0">
+            <a:spAutoFit/>
+          </a:bodyPr>
+          <a:lstStyle/>
+          <a:p>
+            <a:r>
+              <a:rPr lang="en-CA" dirty="0" smtClean="0"/>
+              <a:t>A</a:t>
+            </a:r>
+          </a:p>
+        </p:txBody>
+      </p:sp>
+      <p:sp>
+        <p:nvSpPr>
+          <p:cNvPr id="8" name="TextBox 7"/>
+          <p:cNvSpPr txBox="1"/>
+          <p:nvPr/>
+        </p:nvSpPr>
+        <p:spPr>
+          <a:xfrm>
+            <a:off x="2354107" y="3405673"/>
+            <a:ext cx="318229" cy="369332"/>
+          </a:xfrm>
+          <a:prstGeom prst="rect">
+            <a:avLst/>
+          </a:prstGeom>
+          <a:noFill/>
+        </p:spPr>
+        <p:txBody>
+          <a:bodyPr wrap="none" rtlCol="0">
+            <a:spAutoFit/>
+          </a:bodyPr>
+          <a:lstStyle/>
+          <a:p>
+            <a:r>
+              <a:rPr lang="en-CA" dirty="0" smtClean="0"/>
+              <a:t>A</a:t>
+            </a:r>
+          </a:p>
+        </p:txBody>
+      </p:sp>
+      <p:sp>
+        <p:nvSpPr>
+          <p:cNvPr id="9" name="TextBox 8"/>
+          <p:cNvSpPr txBox="1"/>
+          <p:nvPr/>
+        </p:nvSpPr>
+        <p:spPr>
+          <a:xfrm>
+            <a:off x="2329205" y="4053183"/>
+            <a:ext cx="390026" cy="369332"/>
+          </a:xfrm>
+          <a:prstGeom prst="rect">
+            <a:avLst/>
+          </a:prstGeom>
+          <a:noFill/>
+        </p:spPr>
+        <p:txBody>
+          <a:bodyPr wrap="none" rtlCol="0">
+            <a:spAutoFit/>
+          </a:bodyPr>
+          <a:lstStyle/>
+          <a:p>
+            <a:r>
+              <a:rPr lang="en-CA" dirty="0" smtClean="0"/>
+              <a:t>W</a:t>
+            </a:r>
+          </a:p>
+        </p:txBody>
+      </p:sp>
+      <p:sp>
+        <p:nvSpPr>
+          <p:cNvPr id="10" name="TextBox 9"/>
+          <p:cNvSpPr txBox="1"/>
+          <p:nvPr/>
+        </p:nvSpPr>
+        <p:spPr>
+          <a:xfrm>
+            <a:off x="2338673" y="4722623"/>
+            <a:ext cx="390026" cy="369332"/>
+          </a:xfrm>
+          <a:prstGeom prst="rect">
+            <a:avLst/>
+          </a:prstGeom>
+          <a:noFill/>
+        </p:spPr>
+        <p:txBody>
+          <a:bodyPr wrap="none" rtlCol="0">
+            <a:spAutoFit/>
+          </a:bodyPr>
+          <a:lstStyle/>
+          <a:p>
+            <a:r>
+              <a:rPr lang="en-CA" dirty="0" smtClean="0"/>
+              <a:t>W</a:t>
+            </a:r>
+          </a:p>
+        </p:txBody>
+      </p:sp>
+      <p:sp>
+        <p:nvSpPr>
+          <p:cNvPr id="11" name="TextBox 10"/>
+          <p:cNvSpPr txBox="1"/>
+          <p:nvPr/>
+        </p:nvSpPr>
+        <p:spPr>
+          <a:xfrm>
+            <a:off x="2363574" y="5304865"/>
+            <a:ext cx="242825" cy="369332"/>
+          </a:xfrm>
+          <a:prstGeom prst="rect">
+            <a:avLst/>
+          </a:prstGeom>
+          <a:noFill/>
+        </p:spPr>
+        <p:txBody>
+          <a:bodyPr wrap="none" rtlCol="0">
+            <a:spAutoFit/>
+          </a:bodyPr>
+          <a:lstStyle/>
+          <a:p>
+            <a:r>
+              <a:rPr lang="en-CA" dirty="0"/>
+              <a:t>I</a:t>
+            </a:r>
+            <a:endParaRPr lang="en-CA" dirty="0" smtClean="0"/>
+          </a:p>
+        </p:txBody>
+      </p:sp>
+      <p:sp>
+        <p:nvSpPr>
+          <p:cNvPr id="12" name="TextBox 11"/>
+          <p:cNvSpPr txBox="1"/>
+          <p:nvPr/>
+        </p:nvSpPr>
+        <p:spPr>
+          <a:xfrm>
+            <a:off x="2363576" y="5952375"/>
+            <a:ext cx="242825" cy="369332"/>
+          </a:xfrm>
+          <a:prstGeom prst="rect">
+            <a:avLst/>
+          </a:prstGeom>
+          <a:noFill/>
+        </p:spPr>
+        <p:txBody>
+          <a:bodyPr wrap="none" rtlCol="0">
+            <a:spAutoFit/>
+          </a:bodyPr>
+          <a:lstStyle/>
+          <a:p>
+            <a:r>
+              <a:rPr lang="en-CA" dirty="0" smtClean="0"/>
+              <a:t>I</a:t>
+            </a:r>
+          </a:p>
+        </p:txBody>
+      </p:sp>
     </p:spTree>
     <p:extLst>
       <p:ext uri="{BB962C8B-B14F-4D97-AF65-F5344CB8AC3E}">
@@ -11474,7 +12029,7 @@
   <p:timing>
     <p:tnLst>
       <p:par>
-        <p:cTn id="1" dur="indefinite" restart="never" nodeType="tmRoot"/>
+        <p:cTn xmlns:p14="http://schemas.microsoft.com/office/powerpoint/2010/main" id="1" dur="indefinite" restart="never" nodeType="tmRoot"/>
       </p:par>
     </p:tnLst>
   </p:timing>
@@ -12162,13 +12717,13 @@
       <p:transition spd="slow" p14:dur="2000"/>
     </mc:Choice>
     <mc:Fallback>
-      <p:transition spd="slow"/>
+      <p:transition xmlns:p14="http://schemas.microsoft.com/office/powerpoint/2010/main" spd="slow"/>
     </mc:Fallback>
   </mc:AlternateContent>
   <p:timing>
     <p:tnLst>
       <p:par>
-        <p:cTn id="1" dur="indefinite" restart="never" nodeType="tmRoot"/>
+        <p:cTn xmlns:p14="http://schemas.microsoft.com/office/powerpoint/2010/main" id="1" dur="indefinite" restart="never" nodeType="tmRoot"/>
       </p:par>
     </p:tnLst>
   </p:timing>
@@ -12858,13 +13413,13 @@
       <p:transition spd="slow" p14:dur="2000"/>
     </mc:Choice>
     <mc:Fallback>
-      <p:transition spd="slow"/>
+      <p:transition xmlns:p14="http://schemas.microsoft.com/office/powerpoint/2010/main" spd="slow"/>
     </mc:Fallback>
   </mc:AlternateContent>
   <p:timing>
     <p:tnLst>
       <p:par>
-        <p:cTn id="1" dur="indefinite" restart="never" nodeType="tmRoot"/>
+        <p:cTn xmlns:p14="http://schemas.microsoft.com/office/powerpoint/2010/main" id="1" dur="indefinite" restart="never" nodeType="tmRoot"/>
       </p:par>
     </p:tnLst>
   </p:timing>
@@ -13552,13 +14107,13 @@
       <p:transition spd="slow" p14:dur="2000"/>
     </mc:Choice>
     <mc:Fallback>
-      <p:transition spd="slow"/>
+      <p:transition xmlns:p14="http://schemas.microsoft.com/office/powerpoint/2010/main" spd="slow"/>
     </mc:Fallback>
   </mc:AlternateContent>
   <p:timing>
     <p:tnLst>
       <p:par>
-        <p:cTn id="1" dur="indefinite" restart="never" nodeType="tmRoot"/>
+        <p:cTn xmlns:p14="http://schemas.microsoft.com/office/powerpoint/2010/main" id="1" dur="indefinite" restart="never" nodeType="tmRoot"/>
       </p:par>
     </p:tnLst>
   </p:timing>
@@ -14250,7 +14805,7 @@
   <p:timing>
     <p:tnLst>
       <p:par>
-        <p:cTn id="1" dur="indefinite" restart="never" nodeType="tmRoot"/>
+        <p:cTn xmlns:p14="http://schemas.microsoft.com/office/powerpoint/2010/main" id="1" dur="indefinite" restart="never" nodeType="tmRoot"/>
       </p:par>
     </p:tnLst>
   </p:timing>
@@ -14360,7 +14915,7 @@
   <p:timing>
     <p:tnLst>
       <p:par>
-        <p:cTn id="1" dur="indefinite" restart="never" nodeType="tmRoot">
+        <p:cTn xmlns:p14="http://schemas.microsoft.com/office/powerpoint/2010/main" id="1" dur="indefinite" restart="never" nodeType="tmRoot">
           <p:childTnLst>
             <p:seq concurrent="1" nextAc="seek">
               <p:cTn id="2" dur="indefinite" nodeType="mainSeq">
@@ -14605,7 +15160,7 @@
           <a:p>
             <a:r>
               <a:rPr lang="en-CA" dirty="0" smtClean="0"/>
-              <a:t>Other Young Adult analyses</a:t>
+              <a:t>Next analyses</a:t>
             </a:r>
             <a:endParaRPr lang="en-CA" dirty="0"/>
           </a:p>
@@ -14656,7 +15211,19 @@
             <a:pPr lvl="1"/>
             <a:r>
               <a:rPr lang="en-US" dirty="0" smtClean="0"/>
-              <a:t>Might wait until the older adult data is in to compare how older and young adults differ</a:t>
+              <a:t>Will wait </a:t>
+            </a:r>
+            <a:r>
+              <a:rPr lang="en-US" dirty="0" smtClean="0"/>
+              <a:t>until the older adult data is </a:t>
+            </a:r>
+            <a:r>
+              <a:rPr lang="en-US" dirty="0" smtClean="0"/>
+              <a:t>collected to </a:t>
+            </a:r>
+            <a:r>
+              <a:rPr lang="en-US" dirty="0" smtClean="0"/>
+              <a:t>compare how older and young adults differ</a:t>
             </a:r>
             <a:endParaRPr lang="en-CA" dirty="0" smtClean="0"/>
           </a:p>
@@ -14678,7 +15245,7 @@
   <p:timing>
     <p:tnLst>
       <p:par>
-        <p:cTn id="1" dur="indefinite" restart="never" nodeType="tmRoot"/>
+        <p:cTn xmlns:p14="http://schemas.microsoft.com/office/powerpoint/2010/main" id="1" dur="indefinite" restart="never" nodeType="tmRoot"/>
       </p:par>
     </p:tnLst>
   </p:timing>
@@ -14756,7 +15323,31 @@
             <a:pPr lvl="1"/>
             <a:r>
               <a:rPr lang="en-CA" dirty="0" smtClean="0"/>
-              <a:t>2 long known (Hey Jude, </a:t>
+              <a:t>2 long known </a:t>
+            </a:r>
+            <a:r>
+              <a:rPr lang="en-CA" dirty="0" smtClean="0"/>
+              <a:t>(synchrony only)</a:t>
+            </a:r>
+            <a:endParaRPr lang="en-CA" dirty="0" smtClean="0"/>
+          </a:p>
+          <a:p>
+            <a:pPr lvl="2"/>
+            <a:r>
+              <a:rPr lang="en-CA" dirty="0" smtClean="0"/>
+              <a:t>WF: </a:t>
+            </a:r>
+            <a:r>
+              <a:rPr lang="en-CA" dirty="0" smtClean="0"/>
+              <a:t>Hey Jude</a:t>
+            </a:r>
+            <a:endParaRPr lang="en-CA" dirty="0"/>
+          </a:p>
+          <a:p>
+            <a:pPr lvl="2"/>
+            <a:r>
+              <a:rPr lang="en-CA" dirty="0" smtClean="0"/>
+              <a:t>SF: </a:t>
             </a:r>
             <a:r>
               <a:rPr lang="en-CA" dirty="0" err="1" smtClean="0"/>
@@ -14764,15 +15355,15 @@
             </a:r>
             <a:r>
               <a:rPr lang="en-CA" dirty="0" smtClean="0"/>
-              <a:t> the Night Before Christmas </a:t>
-            </a:r>
-            <a:r>
-              <a:rPr lang="mr-IN" dirty="0" smtClean="0"/>
-              <a:t>–</a:t>
+              <a:t> </a:t>
             </a:r>
             <a:r>
               <a:rPr lang="en-CA" dirty="0" smtClean="0"/>
-              <a:t> synchrony only)</a:t>
+              <a:t>the Night Before </a:t>
+            </a:r>
+            <a:r>
+              <a:rPr lang="en-CA" dirty="0" smtClean="0"/>
+              <a:t>Christmas</a:t>
             </a:r>
           </a:p>
           <a:p>
@@ -14785,7 +15376,11 @@
             <a:pPr lvl="1"/>
             <a:r>
               <a:rPr lang="en-CA" dirty="0" smtClean="0"/>
-              <a:t>Demographics, music experience questionnaires, CBS</a:t>
+              <a:t>Demographics</a:t>
+            </a:r>
+            <a:r>
+              <a:rPr lang="en-CA" dirty="0" smtClean="0"/>
+              <a:t>, music experience questionnaires, CBS</a:t>
             </a:r>
           </a:p>
           <a:p>
@@ -14815,7 +15410,7 @@
   <p:timing>
     <p:tnLst>
       <p:par>
-        <p:cTn id="1" dur="indefinite" restart="never" nodeType="tmRoot"/>
+        <p:cTn xmlns:p14="http://schemas.microsoft.com/office/powerpoint/2010/main" id="1" dur="indefinite" restart="never" nodeType="tmRoot"/>
       </p:par>
     </p:tnLst>
   </p:timing>
@@ -14874,7 +15469,9 @@
         </p:nvSpPr>
         <p:spPr/>
         <p:txBody>
-          <a:bodyPr/>
+          <a:bodyPr>
+            <a:normAutofit lnSpcReduction="10000"/>
+          </a:bodyPr>
           <a:lstStyle/>
           <a:p>
             <a:r>
@@ -14928,6 +15525,13 @@
             <a:r>
               <a:rPr lang="en-CA" dirty="0" smtClean="0"/>
               <a:t>cognition)</a:t>
+            </a:r>
+          </a:p>
+          <a:p>
+            <a:pPr lvl="1"/>
+            <a:r>
+              <a:rPr lang="en-CA" dirty="0" smtClean="0"/>
+              <a:t>How synchrony relates to conscious processing of stimuli with and without language</a:t>
             </a:r>
             <a:endParaRPr lang="en-CA" dirty="0"/>
           </a:p>
@@ -14949,7 +15553,7 @@
   <p:timing>
     <p:tnLst>
       <p:par>
-        <p:cTn id="1" dur="indefinite" restart="never" nodeType="tmRoot">
+        <p:cTn xmlns:p14="http://schemas.microsoft.com/office/powerpoint/2010/main" id="1" dur="indefinite" restart="never" nodeType="tmRoot">
           <p:childTnLst>
             <p:seq concurrent="1" nextAc="seek">
               <p:cTn id="2" dur="indefinite" nodeType="mainSeq">
@@ -15059,6 +15663,37 @@
                                   </p:childTnLst>
                                 </p:cTn>
                               </p:par>
+                              <p:par>
+                                <p:cTn id="11" presetID="1" presetClass="entr" presetSubtype="0" fill="hold" nodeType="withEffect">
+                                  <p:stCondLst>
+                                    <p:cond delay="0"/>
+                                  </p:stCondLst>
+                                  <p:childTnLst>
+                                    <p:set>
+                                      <p:cBhvr>
+                                        <p:cTn id="12" dur="1" fill="hold">
+                                          <p:stCondLst>
+                                            <p:cond delay="0"/>
+                                          </p:stCondLst>
+                                        </p:cTn>
+                                        <p:tgtEl>
+                                          <p:spTgt spid="3">
+                                            <p:txEl>
+                                              <p:pRg st="6" end="6"/>
+                                            </p:txEl>
+                                          </p:spTgt>
+                                        </p:tgtEl>
+                                        <p:attrNameLst>
+                                          <p:attrName>style.visibility</p:attrName>
+                                        </p:attrNameLst>
+                                      </p:cBhvr>
+                                      <p:to>
+                                        <p:strVal val="visible"/>
+                                      </p:to>
+                                    </p:set>
+                                  </p:childTnLst>
+                                </p:cTn>
+                              </p:par>
                             </p:childTnLst>
                           </p:cTn>
                         </p:par>
@@ -15264,9 +15899,138 @@
   <p:timing>
     <p:tnLst>
       <p:par>
-        <p:cTn id="1" dur="indefinite" restart="never" nodeType="tmRoot"/>
+        <p:cTn xmlns:p14="http://schemas.microsoft.com/office/powerpoint/2010/main" id="1" dur="indefinite" restart="never" nodeType="tmRoot">
+          <p:childTnLst>
+            <p:seq concurrent="1" nextAc="seek">
+              <p:cTn id="2" dur="indefinite" nodeType="mainSeq">
+                <p:childTnLst>
+                  <p:par>
+                    <p:cTn id="3" fill="hold">
+                      <p:stCondLst>
+                        <p:cond delay="indefinite"/>
+                      </p:stCondLst>
+                      <p:childTnLst>
+                        <p:par>
+                          <p:cTn id="4" fill="hold">
+                            <p:stCondLst>
+                              <p:cond delay="0"/>
+                            </p:stCondLst>
+                            <p:childTnLst>
+                              <p:par>
+                                <p:cTn id="5" presetID="1" presetClass="entr" presetSubtype="0" fill="hold" nodeType="clickEffect">
+                                  <p:stCondLst>
+                                    <p:cond delay="0"/>
+                                  </p:stCondLst>
+                                  <p:childTnLst>
+                                    <p:set>
+                                      <p:cBhvr>
+                                        <p:cTn id="6" dur="1" fill="hold">
+                                          <p:stCondLst>
+                                            <p:cond delay="0"/>
+                                          </p:stCondLst>
+                                        </p:cTn>
+                                        <p:tgtEl>
+                                          <p:spTgt spid="4"/>
+                                        </p:tgtEl>
+                                        <p:attrNameLst>
+                                          <p:attrName>style.visibility</p:attrName>
+                                        </p:attrNameLst>
+                                      </p:cBhvr>
+                                      <p:to>
+                                        <p:strVal val="visible"/>
+                                      </p:to>
+                                    </p:set>
+                                  </p:childTnLst>
+                                </p:cTn>
+                              </p:par>
+                              <p:par>
+                                <p:cTn id="7" presetID="1" presetClass="entr" presetSubtype="0" fill="hold" grpId="0" nodeType="withEffect">
+                                  <p:stCondLst>
+                                    <p:cond delay="0"/>
+                                  </p:stCondLst>
+                                  <p:childTnLst>
+                                    <p:set>
+                                      <p:cBhvr>
+                                        <p:cTn id="8" dur="1" fill="hold">
+                                          <p:stCondLst>
+                                            <p:cond delay="0"/>
+                                          </p:stCondLst>
+                                        </p:cTn>
+                                        <p:tgtEl>
+                                          <p:spTgt spid="5"/>
+                                        </p:tgtEl>
+                                        <p:attrNameLst>
+                                          <p:attrName>style.visibility</p:attrName>
+                                        </p:attrNameLst>
+                                      </p:cBhvr>
+                                      <p:to>
+                                        <p:strVal val="visible"/>
+                                      </p:to>
+                                    </p:set>
+                                  </p:childTnLst>
+                                </p:cTn>
+                              </p:par>
+                              <p:par>
+                                <p:cTn id="9" presetID="1" presetClass="entr" presetSubtype="0" fill="hold" nodeType="withEffect">
+                                  <p:stCondLst>
+                                    <p:cond delay="0"/>
+                                  </p:stCondLst>
+                                  <p:childTnLst>
+                                    <p:set>
+                                      <p:cBhvr>
+                                        <p:cTn id="10" dur="1" fill="hold">
+                                          <p:stCondLst>
+                                            <p:cond delay="0"/>
+                                          </p:stCondLst>
+                                        </p:cTn>
+                                        <p:tgtEl>
+                                          <p:spTgt spid="3">
+                                            <p:txEl>
+                                              <p:pRg st="4" end="4"/>
+                                            </p:txEl>
+                                          </p:spTgt>
+                                        </p:tgtEl>
+                                        <p:attrNameLst>
+                                          <p:attrName>style.visibility</p:attrName>
+                                        </p:attrNameLst>
+                                      </p:cBhvr>
+                                      <p:to>
+                                        <p:strVal val="visible"/>
+                                      </p:to>
+                                    </p:set>
+                                  </p:childTnLst>
+                                </p:cTn>
+                              </p:par>
+                            </p:childTnLst>
+                          </p:cTn>
+                        </p:par>
+                      </p:childTnLst>
+                    </p:cTn>
+                  </p:par>
+                </p:childTnLst>
+              </p:cTn>
+              <p:prevCondLst>
+                <p:cond evt="onPrev" delay="0">
+                  <p:tgtEl>
+                    <p:sldTgt/>
+                  </p:tgtEl>
+                </p:cond>
+              </p:prevCondLst>
+              <p:nextCondLst>
+                <p:cond evt="onNext" delay="0">
+                  <p:tgtEl>
+                    <p:sldTgt/>
+                  </p:tgtEl>
+                </p:cond>
+              </p:nextCondLst>
+            </p:seq>
+          </p:childTnLst>
+        </p:cTn>
       </p:par>
     </p:tnLst>
+    <p:bldLst>
+      <p:bldP spid="5" grpId="0"/>
+    </p:bldLst>
   </p:timing>
 </p:sld>
 </file>
@@ -15356,11 +16120,7 @@
             <a:pPr lvl="1"/>
             <a:r>
               <a:rPr lang="en-CA" dirty="0" smtClean="0"/>
-              <a:t>General </a:t>
-            </a:r>
-            <a:r>
-              <a:rPr lang="en-CA" dirty="0" smtClean="0"/>
-              <a:t>pattern: S &gt; W &gt; I</a:t>
+              <a:t>General pattern: S &gt; W &gt; I</a:t>
             </a:r>
           </a:p>
           <a:p>
@@ -15380,11 +16140,7 @@
             <a:pPr lvl="2"/>
             <a:r>
               <a:rPr lang="en-CA" dirty="0" smtClean="0"/>
-              <a:t>(doesn’t come </a:t>
-            </a:r>
-            <a:r>
-              <a:rPr lang="en-CA" dirty="0" smtClean="0"/>
-              <a:t>out in whole stimuli)</a:t>
+              <a:t>(doesn’t come out in whole stimuli)</a:t>
             </a:r>
             <a:endParaRPr lang="en-CA" dirty="0"/>
           </a:p>
@@ -15451,7 +16207,7 @@
   <p:timing>
     <p:tnLst>
       <p:par>
-        <p:cTn id="1" dur="indefinite" restart="never" nodeType="tmRoot">
+        <p:cTn xmlns:p14="http://schemas.microsoft.com/office/powerpoint/2010/main" id="1" dur="indefinite" restart="never" nodeType="tmRoot">
           <p:childTnLst>
             <p:seq concurrent="1" nextAc="seek">
               <p:cTn id="2" dur="indefinite" nodeType="mainSeq">
@@ -15644,7 +16400,9 @@
         </p:nvSpPr>
         <p:spPr/>
         <p:txBody>
-          <a:bodyPr/>
+          <a:bodyPr>
+            <a:normAutofit/>
+          </a:bodyPr>
           <a:lstStyle/>
           <a:p>
             <a:r>
@@ -15670,7 +16428,14 @@
             <a:pPr lvl="1"/>
             <a:r>
               <a:rPr lang="en-CA" dirty="0" smtClean="0"/>
-              <a:t>Young adults show activation in other areas (could be power related)</a:t>
+              <a:t>Young adults show activation in other areas </a:t>
+            </a:r>
+          </a:p>
+          <a:p>
+            <a:pPr lvl="2"/>
+            <a:r>
+              <a:rPr lang="en-CA" dirty="0" smtClean="0"/>
+              <a:t>Lack in older adults could be power related</a:t>
             </a:r>
           </a:p>
           <a:p>
@@ -15728,9 +16493,177 @@
   <p:timing>
     <p:tnLst>
       <p:par>
-        <p:cTn id="1" dur="indefinite" restart="never" nodeType="tmRoot"/>
+        <p:cTn xmlns:p14="http://schemas.microsoft.com/office/powerpoint/2010/main" id="1" dur="indefinite" restart="never" nodeType="tmRoot">
+          <p:childTnLst>
+            <p:seq concurrent="1" nextAc="seek">
+              <p:cTn id="2" dur="indefinite" nodeType="mainSeq">
+                <p:childTnLst>
+                  <p:par>
+                    <p:cTn id="3" fill="hold">
+                      <p:stCondLst>
+                        <p:cond delay="indefinite"/>
+                      </p:stCondLst>
+                      <p:childTnLst>
+                        <p:par>
+                          <p:cTn id="4" fill="hold">
+                            <p:stCondLst>
+                              <p:cond delay="0"/>
+                            </p:stCondLst>
+                            <p:childTnLst>
+                              <p:par>
+                                <p:cTn id="5" presetID="1" presetClass="entr" presetSubtype="0" fill="hold" grpId="0" nodeType="clickEffect">
+                                  <p:stCondLst>
+                                    <p:cond delay="0"/>
+                                  </p:stCondLst>
+                                  <p:childTnLst>
+                                    <p:set>
+                                      <p:cBhvr>
+                                        <p:cTn id="6" dur="1" fill="hold">
+                                          <p:stCondLst>
+                                            <p:cond delay="0"/>
+                                          </p:stCondLst>
+                                        </p:cTn>
+                                        <p:tgtEl>
+                                          <p:spTgt spid="3">
+                                            <p:txEl>
+                                              <p:pRg st="5" end="5"/>
+                                            </p:txEl>
+                                          </p:spTgt>
+                                        </p:tgtEl>
+                                        <p:attrNameLst>
+                                          <p:attrName>style.visibility</p:attrName>
+                                        </p:attrNameLst>
+                                      </p:cBhvr>
+                                      <p:to>
+                                        <p:strVal val="visible"/>
+                                      </p:to>
+                                    </p:set>
+                                  </p:childTnLst>
+                                </p:cTn>
+                              </p:par>
+                              <p:par>
+                                <p:cTn id="7" presetID="1" presetClass="entr" presetSubtype="0" fill="hold" grpId="0" nodeType="withEffect">
+                                  <p:stCondLst>
+                                    <p:cond delay="0"/>
+                                  </p:stCondLst>
+                                  <p:childTnLst>
+                                    <p:set>
+                                      <p:cBhvr>
+                                        <p:cTn id="8" dur="1" fill="hold">
+                                          <p:stCondLst>
+                                            <p:cond delay="0"/>
+                                          </p:stCondLst>
+                                        </p:cTn>
+                                        <p:tgtEl>
+                                          <p:spTgt spid="3">
+                                            <p:txEl>
+                                              <p:pRg st="6" end="6"/>
+                                            </p:txEl>
+                                          </p:spTgt>
+                                        </p:tgtEl>
+                                        <p:attrNameLst>
+                                          <p:attrName>style.visibility</p:attrName>
+                                        </p:attrNameLst>
+                                      </p:cBhvr>
+                                      <p:to>
+                                        <p:strVal val="visible"/>
+                                      </p:to>
+                                    </p:set>
+                                  </p:childTnLst>
+                                </p:cTn>
+                              </p:par>
+                              <p:par>
+                                <p:cTn id="9" presetID="1" presetClass="entr" presetSubtype="0" fill="hold" grpId="0" nodeType="withEffect">
+                                  <p:stCondLst>
+                                    <p:cond delay="0"/>
+                                  </p:stCondLst>
+                                  <p:childTnLst>
+                                    <p:set>
+                                      <p:cBhvr>
+                                        <p:cTn id="10" dur="1" fill="hold">
+                                          <p:stCondLst>
+                                            <p:cond delay="0"/>
+                                          </p:stCondLst>
+                                        </p:cTn>
+                                        <p:tgtEl>
+                                          <p:spTgt spid="3">
+                                            <p:txEl>
+                                              <p:pRg st="7" end="7"/>
+                                            </p:txEl>
+                                          </p:spTgt>
+                                        </p:tgtEl>
+                                        <p:attrNameLst>
+                                          <p:attrName>style.visibility</p:attrName>
+                                        </p:attrNameLst>
+                                      </p:cBhvr>
+                                      <p:to>
+                                        <p:strVal val="visible"/>
+                                      </p:to>
+                                    </p:set>
+                                  </p:childTnLst>
+                                </p:cTn>
+                              </p:par>
+                              <p:par>
+                                <p:cTn id="11" presetID="1" presetClass="entr" presetSubtype="0" fill="hold" grpId="0" nodeType="withEffect">
+                                  <p:stCondLst>
+                                    <p:cond delay="0"/>
+                                  </p:stCondLst>
+                                  <p:childTnLst>
+                                    <p:set>
+                                      <p:cBhvr>
+                                        <p:cTn id="12" dur="1" fill="hold">
+                                          <p:stCondLst>
+                                            <p:cond delay="0"/>
+                                          </p:stCondLst>
+                                        </p:cTn>
+                                        <p:tgtEl>
+                                          <p:spTgt spid="3">
+                                            <p:txEl>
+                                              <p:pRg st="8" end="8"/>
+                                            </p:txEl>
+                                          </p:spTgt>
+                                        </p:tgtEl>
+                                        <p:attrNameLst>
+                                          <p:attrName>style.visibility</p:attrName>
+                                        </p:attrNameLst>
+                                      </p:cBhvr>
+                                      <p:to>
+                                        <p:strVal val="visible"/>
+                                      </p:to>
+                                    </p:set>
+                                  </p:childTnLst>
+                                </p:cTn>
+                              </p:par>
+                            </p:childTnLst>
+                          </p:cTn>
+                        </p:par>
+                      </p:childTnLst>
+                    </p:cTn>
+                  </p:par>
+                </p:childTnLst>
+              </p:cTn>
+              <p:prevCondLst>
+                <p:cond evt="onPrev" delay="0">
+                  <p:tgtEl>
+                    <p:sldTgt/>
+                  </p:tgtEl>
+                </p:cond>
+              </p:prevCondLst>
+              <p:nextCondLst>
+                <p:cond evt="onNext" delay="0">
+                  <p:tgtEl>
+                    <p:sldTgt/>
+                  </p:tgtEl>
+                </p:cond>
+              </p:nextCondLst>
+            </p:seq>
+          </p:childTnLst>
+        </p:cTn>
       </p:par>
     </p:tnLst>
+    <p:bldLst>
+      <p:bldP spid="3" grpId="0" uiExpand="1" build="p"/>
+    </p:bldLst>
   </p:timing>
 </p:sld>
 </file>
@@ -15823,7 +16756,82 @@
   <p:timing>
     <p:tnLst>
       <p:par>
-        <p:cTn id="1" dur="indefinite" restart="never" nodeType="tmRoot"/>
+        <p:cTn xmlns:p14="http://schemas.microsoft.com/office/powerpoint/2010/main" id="1" dur="indefinite" restart="never" nodeType="tmRoot"/>
+      </p:par>
+    </p:tnLst>
+  </p:timing>
+</p:sld>
+</file>
+
+<file path=ppt/slides/slide34.xml><?xml version="1.0" encoding="utf-8"?>
+<p:sld xmlns:a="http://schemas.openxmlformats.org/drawingml/2006/main" xmlns:r="http://schemas.openxmlformats.org/officeDocument/2006/relationships" xmlns:p="http://schemas.openxmlformats.org/presentationml/2006/main">
+  <p:cSld>
+    <p:spTree>
+      <p:nvGrpSpPr>
+        <p:cNvPr id="1" name=""/>
+        <p:cNvGrpSpPr/>
+        <p:nvPr/>
+      </p:nvGrpSpPr>
+      <p:grpSpPr>
+        <a:xfrm>
+          <a:off x="0" y="0"/>
+          <a:ext cx="0" cy="0"/>
+          <a:chOff x="0" y="0"/>
+          <a:chExt cx="0" cy="0"/>
+        </a:xfrm>
+      </p:grpSpPr>
+      <p:sp>
+        <p:nvSpPr>
+          <p:cNvPr id="2" name="Title 1"/>
+          <p:cNvSpPr>
+            <a:spLocks noGrp="1"/>
+          </p:cNvSpPr>
+          <p:nvPr>
+            <p:ph type="title"/>
+          </p:nvPr>
+        </p:nvSpPr>
+        <p:spPr/>
+        <p:txBody>
+          <a:bodyPr/>
+          <a:lstStyle/>
+          <a:p>
+            <a:endParaRPr lang="en-CA"/>
+          </a:p>
+        </p:txBody>
+      </p:sp>
+      <p:sp>
+        <p:nvSpPr>
+          <p:cNvPr id="3" name="Content Placeholder 2"/>
+          <p:cNvSpPr>
+            <a:spLocks noGrp="1"/>
+          </p:cNvSpPr>
+          <p:nvPr>
+            <p:ph idx="1"/>
+          </p:nvPr>
+        </p:nvSpPr>
+        <p:spPr/>
+        <p:txBody>
+          <a:bodyPr/>
+          <a:lstStyle/>
+          <a:p>
+            <a:endParaRPr lang="en-CA"/>
+          </a:p>
+        </p:txBody>
+      </p:sp>
+    </p:spTree>
+    <p:extLst>
+      <p:ext uri="{BB962C8B-B14F-4D97-AF65-F5344CB8AC3E}">
+        <p14:creationId xmlns:p14="http://schemas.microsoft.com/office/powerpoint/2010/main" val="161111649"/>
+      </p:ext>
+    </p:extLst>
+  </p:cSld>
+  <p:clrMapOvr>
+    <a:masterClrMapping/>
+  </p:clrMapOvr>
+  <p:timing>
+    <p:tnLst>
+      <p:par>
+        <p:cTn xmlns:p14="http://schemas.microsoft.com/office/powerpoint/2010/main" id="1" dur="indefinite" restart="never" nodeType="tmRoot"/>
       </p:par>
     </p:tnLst>
   </p:timing>
@@ -16449,7 +17457,7 @@
           <a:noFill/>
           <a:extLst>
             <a:ext uri="{909E8E84-426E-40dd-AFC4-6F175D3DCCD1}">
-              <a14:hiddenFill xmlns:a14="http://schemas.microsoft.com/office/drawing/2010/main" xmlns="">
+              <a14:hiddenFill xmlns:a14="http://schemas.microsoft.com/office/drawing/2010/main">
                 <a:solidFill>
                   <a:srgbClr val="FFFFFF"/>
                 </a:solidFill>
@@ -16490,7 +17498,7 @@
           <a:noFill/>
           <a:extLst>
             <a:ext uri="{909E8E84-426E-40dd-AFC4-6F175D3DCCD1}">
-              <a14:hiddenFill xmlns:a14="http://schemas.microsoft.com/office/drawing/2010/main" xmlns="">
+              <a14:hiddenFill xmlns:a14="http://schemas.microsoft.com/office/drawing/2010/main">
                 <a:solidFill>
                   <a:srgbClr val="FFFFFF"/>
                 </a:solidFill>
@@ -16642,7 +17650,7 @@
           <a:noFill/>
           <a:extLst>
             <a:ext uri="{909E8E84-426E-40dd-AFC4-6F175D3DCCD1}">
-              <a14:hiddenFill xmlns:a14="http://schemas.microsoft.com/office/drawing/2010/main" xmlns="">
+              <a14:hiddenFill xmlns:a14="http://schemas.microsoft.com/office/drawing/2010/main">
                 <a:solidFill>
                   <a:srgbClr val="FFFFFF"/>
                 </a:solidFill>
@@ -16713,7 +17721,7 @@
           <a:noFill/>
           <a:extLst>
             <a:ext uri="{909E8E84-426E-40dd-AFC4-6F175D3DCCD1}">
-              <a14:hiddenFill xmlns:a14="http://schemas.microsoft.com/office/drawing/2010/main" xmlns="">
+              <a14:hiddenFill xmlns:a14="http://schemas.microsoft.com/office/drawing/2010/main">
                 <a:solidFill>
                   <a:srgbClr val="FFFFFF"/>
                 </a:solidFill>
@@ -16754,7 +17762,7 @@
           <a:noFill/>
           <a:extLst>
             <a:ext uri="{909E8E84-426E-40dd-AFC4-6F175D3DCCD1}">
-              <a14:hiddenFill xmlns:a14="http://schemas.microsoft.com/office/drawing/2010/main" xmlns="">
+              <a14:hiddenFill xmlns:a14="http://schemas.microsoft.com/office/drawing/2010/main">
                 <a:solidFill>
                   <a:srgbClr val="FFFFFF"/>
                 </a:solidFill>
@@ -16795,7 +17803,7 @@
           <a:noFill/>
           <a:extLst>
             <a:ext uri="{909E8E84-426E-40dd-AFC4-6F175D3DCCD1}">
-              <a14:hiddenFill xmlns:a14="http://schemas.microsoft.com/office/drawing/2010/main" xmlns="">
+              <a14:hiddenFill xmlns:a14="http://schemas.microsoft.com/office/drawing/2010/main">
                 <a:solidFill>
                   <a:srgbClr val="FFFFFF"/>
                 </a:solidFill>
@@ -16804,6 +17812,66 @@
           </a:extLst>
         </p:spPr>
       </p:pic>
+      <p:sp>
+        <p:nvSpPr>
+          <p:cNvPr id="2" name="TextBox 1"/>
+          <p:cNvSpPr txBox="1"/>
+          <p:nvPr/>
+        </p:nvSpPr>
+        <p:spPr>
+          <a:xfrm>
+            <a:off x="3258612" y="3578924"/>
+            <a:ext cx="299631" cy="369332"/>
+          </a:xfrm>
+          <a:prstGeom prst="rect">
+            <a:avLst/>
+          </a:prstGeom>
+          <a:noFill/>
+        </p:spPr>
+        <p:txBody>
+          <a:bodyPr wrap="none" rtlCol="0">
+            <a:spAutoFit/>
+          </a:bodyPr>
+          <a:lstStyle/>
+          <a:p>
+            <a:r>
+              <a:rPr lang="en-CA" dirty="0" smtClean="0"/>
+              <a:t>*</a:t>
+            </a:r>
+            <a:endParaRPr lang="en-CA" dirty="0"/>
+          </a:p>
+        </p:txBody>
+      </p:sp>
+      <p:sp>
+        <p:nvSpPr>
+          <p:cNvPr id="18" name="TextBox 17"/>
+          <p:cNvSpPr txBox="1"/>
+          <p:nvPr/>
+        </p:nvSpPr>
+        <p:spPr>
+          <a:xfrm>
+            <a:off x="6477186" y="3551737"/>
+            <a:ext cx="299631" cy="369332"/>
+          </a:xfrm>
+          <a:prstGeom prst="rect">
+            <a:avLst/>
+          </a:prstGeom>
+          <a:noFill/>
+        </p:spPr>
+        <p:txBody>
+          <a:bodyPr wrap="none" rtlCol="0">
+            <a:spAutoFit/>
+          </a:bodyPr>
+          <a:lstStyle/>
+          <a:p>
+            <a:r>
+              <a:rPr lang="en-CA" dirty="0" smtClean="0"/>
+              <a:t>*</a:t>
+            </a:r>
+            <a:endParaRPr lang="en-CA" dirty="0"/>
+          </a:p>
+        </p:txBody>
+      </p:sp>
     </p:spTree>
     <p:extLst>
       <p:ext uri="{BB962C8B-B14F-4D97-AF65-F5344CB8AC3E}">
@@ -16817,7 +17885,7 @@
   <p:timing>
     <p:tnLst>
       <p:par>
-        <p:cTn id="1" dur="indefinite" restart="never" nodeType="tmRoot">
+        <p:cTn xmlns:p14="http://schemas.microsoft.com/office/powerpoint/2010/main" id="1" dur="indefinite" restart="never" nodeType="tmRoot">
           <p:childTnLst>
             <p:seq concurrent="1" nextAc="seek">
               <p:cTn id="2" dur="indefinite" nodeType="mainSeq">
@@ -16835,7 +17903,7 @@
                             </p:stCondLst>
                             <p:childTnLst>
                               <p:par>
-                                <p:cTn id="5" presetID="1" presetClass="entr" presetSubtype="0" fill="hold" nodeType="clickEffect">
+                                <p:cTn id="5" presetID="1" presetClass="entr" presetSubtype="0" fill="hold" grpId="0" nodeType="clickEffect">
                                   <p:stCondLst>
                                     <p:cond delay="0"/>
                                   </p:stCondLst>
@@ -16848,7 +17916,7 @@
                                           </p:stCondLst>
                                         </p:cTn>
                                         <p:tgtEl>
-                                          <p:spTgt spid="14"/>
+                                          <p:spTgt spid="6"/>
                                         </p:tgtEl>
                                         <p:attrNameLst>
                                           <p:attrName>style.visibility</p:attrName>
@@ -16862,7 +17930,7 @@
                                 </p:cTn>
                               </p:par>
                               <p:par>
-                                <p:cTn id="7" presetID="1" presetClass="entr" presetSubtype="0" fill="hold" nodeType="withEffect">
+                                <p:cTn id="7" presetID="1" presetClass="entr" presetSubtype="0" fill="hold" grpId="0" nodeType="withEffect">
                                   <p:stCondLst>
                                     <p:cond delay="0"/>
                                   </p:stCondLst>
@@ -16875,7 +17943,7 @@
                                           </p:stCondLst>
                                         </p:cTn>
                                         <p:tgtEl>
-                                          <p:spTgt spid="1026"/>
+                                          <p:spTgt spid="8"/>
                                         </p:tgtEl>
                                         <p:attrNameLst>
                                           <p:attrName>style.visibility</p:attrName>
@@ -16889,7 +17957,7 @@
                                 </p:cTn>
                               </p:par>
                               <p:par>
-                                <p:cTn id="9" presetID="1" presetClass="entr" presetSubtype="0" fill="hold" grpId="0" nodeType="withEffect">
+                                <p:cTn id="9" presetID="1" presetClass="entr" presetSubtype="0" fill="hold" nodeType="withEffect">
                                   <p:stCondLst>
                                     <p:cond delay="0"/>
                                   </p:stCondLst>
@@ -16902,7 +17970,7 @@
                                           </p:stCondLst>
                                         </p:cTn>
                                         <p:tgtEl>
-                                          <p:spTgt spid="22"/>
+                                          <p:spTgt spid="20"/>
                                         </p:tgtEl>
                                         <p:attrNameLst>
                                           <p:attrName>style.visibility</p:attrName>
@@ -16929,52 +17997,7 @@
                                           </p:stCondLst>
                                         </p:cTn>
                                         <p:tgtEl>
-                                          <p:spTgt spid="24"/>
-                                        </p:tgtEl>
-                                        <p:attrNameLst>
-                                          <p:attrName>style.visibility</p:attrName>
-                                        </p:attrNameLst>
-                                      </p:cBhvr>
-                                      <p:to>
-                                        <p:strVal val="visible"/>
-                                      </p:to>
-                                    </p:set>
-                                  </p:childTnLst>
-                                </p:cTn>
-                              </p:par>
-                            </p:childTnLst>
-                          </p:cTn>
-                        </p:par>
-                      </p:childTnLst>
-                    </p:cTn>
-                  </p:par>
-                  <p:par>
-                    <p:cTn id="13" fill="hold">
-                      <p:stCondLst>
-                        <p:cond delay="indefinite"/>
-                      </p:stCondLst>
-                      <p:childTnLst>
-                        <p:par>
-                          <p:cTn id="14" fill="hold">
-                            <p:stCondLst>
-                              <p:cond delay="0"/>
-                            </p:stCondLst>
-                            <p:childTnLst>
-                              <p:par>
-                                <p:cTn id="15" presetID="1" presetClass="entr" presetSubtype="0" fill="hold" grpId="0" nodeType="clickEffect">
-                                  <p:stCondLst>
-                                    <p:cond delay="0"/>
-                                  </p:stCondLst>
-                                  <p:childTnLst>
-                                    <p:set>
-                                      <p:cBhvr>
-                                        <p:cTn id="16" dur="1" fill="hold">
-                                          <p:stCondLst>
-                                            <p:cond delay="0"/>
-                                          </p:stCondLst>
-                                        </p:cTn>
-                                        <p:tgtEl>
-                                          <p:spTgt spid="6"/>
+                                          <p:spTgt spid="30"/>
                                         </p:tgtEl>
                                         <p:attrNameLst>
                                           <p:attrName>style.visibility</p:attrName>
@@ -16988,7 +18011,61 @@
                                 </p:cTn>
                               </p:par>
                               <p:par>
-                                <p:cTn id="17" presetID="1" presetClass="entr" presetSubtype="0" fill="hold" grpId="0" nodeType="withEffect">
+                                <p:cTn id="13" presetID="1" presetClass="entr" presetSubtype="0" fill="hold" grpId="0" nodeType="withEffect">
+                                  <p:stCondLst>
+                                    <p:cond delay="0"/>
+                                  </p:stCondLst>
+                                  <p:childTnLst>
+                                    <p:set>
+                                      <p:cBhvr>
+                                        <p:cTn id="14" dur="1" fill="hold">
+                                          <p:stCondLst>
+                                            <p:cond delay="0"/>
+                                          </p:stCondLst>
+                                        </p:cTn>
+                                        <p:tgtEl>
+                                          <p:spTgt spid="18"/>
+                                        </p:tgtEl>
+                                        <p:attrNameLst>
+                                          <p:attrName>style.visibility</p:attrName>
+                                        </p:attrNameLst>
+                                      </p:cBhvr>
+                                      <p:to>
+                                        <p:strVal val="visible"/>
+                                      </p:to>
+                                    </p:set>
+                                  </p:childTnLst>
+                                </p:cTn>
+                              </p:par>
+                              <p:par>
+                                <p:cTn id="15" presetID="1" presetClass="entr" presetSubtype="0" fill="hold" grpId="0" nodeType="withEffect">
+                                  <p:stCondLst>
+                                    <p:cond delay="0"/>
+                                  </p:stCondLst>
+                                  <p:childTnLst>
+                                    <p:set>
+                                      <p:cBhvr>
+                                        <p:cTn id="16" dur="1" fill="hold">
+                                          <p:stCondLst>
+                                            <p:cond delay="0"/>
+                                          </p:stCondLst>
+                                        </p:cTn>
+                                        <p:tgtEl>
+                                          <p:spTgt spid="2"/>
+                                        </p:tgtEl>
+                                        <p:attrNameLst>
+                                          <p:attrName>style.visibility</p:attrName>
+                                        </p:attrNameLst>
+                                      </p:cBhvr>
+                                      <p:to>
+                                        <p:strVal val="visible"/>
+                                      </p:to>
+                                    </p:set>
+                                  </p:childTnLst>
+                                </p:cTn>
+                              </p:par>
+                              <p:par>
+                                <p:cTn id="17" presetID="1" presetClass="entr" presetSubtype="0" fill="hold" nodeType="withEffect">
                                   <p:stCondLst>
                                     <p:cond delay="0"/>
                                   </p:stCondLst>
@@ -17001,7 +18078,7 @@
                                           </p:stCondLst>
                                         </p:cTn>
                                         <p:tgtEl>
-                                          <p:spTgt spid="8"/>
+                                          <p:spTgt spid="31"/>
                                         </p:tgtEl>
                                         <p:attrNameLst>
                                           <p:attrName>style.visibility</p:attrName>
@@ -17028,7 +18105,7 @@
                                           </p:stCondLst>
                                         </p:cTn>
                                         <p:tgtEl>
-                                          <p:spTgt spid="20"/>
+                                          <p:spTgt spid="16"/>
                                         </p:tgtEl>
                                         <p:attrNameLst>
                                           <p:attrName>style.visibility</p:attrName>
@@ -17041,35 +18118,26 @@
                                   </p:childTnLst>
                                 </p:cTn>
                               </p:par>
+                            </p:childTnLst>
+                          </p:cTn>
+                        </p:par>
+                      </p:childTnLst>
+                    </p:cTn>
+                  </p:par>
+                  <p:par>
+                    <p:cTn id="21" fill="hold">
+                      <p:stCondLst>
+                        <p:cond delay="indefinite"/>
+                      </p:stCondLst>
+                      <p:childTnLst>
+                        <p:par>
+                          <p:cTn id="22" fill="hold">
+                            <p:stCondLst>
+                              <p:cond delay="0"/>
+                            </p:stCondLst>
+                            <p:childTnLst>
                               <p:par>
-                                <p:cTn id="21" presetID="1" presetClass="entr" presetSubtype="0" fill="hold" nodeType="withEffect">
-                                  <p:stCondLst>
-                                    <p:cond delay="0"/>
-                                  </p:stCondLst>
-                                  <p:childTnLst>
-                                    <p:set>
-                                      <p:cBhvr>
-                                        <p:cTn id="22" dur="1" fill="hold">
-                                          <p:stCondLst>
-                                            <p:cond delay="0"/>
-                                          </p:stCondLst>
-                                        </p:cTn>
-                                        <p:tgtEl>
-                                          <p:spTgt spid="30"/>
-                                        </p:tgtEl>
-                                        <p:attrNameLst>
-                                          <p:attrName>style.visibility</p:attrName>
-                                        </p:attrNameLst>
-                                      </p:cBhvr>
-                                      <p:to>
-                                        <p:strVal val="visible"/>
-                                      </p:to>
-                                    </p:set>
-                                  </p:childTnLst>
-                                </p:cTn>
-                              </p:par>
-                              <p:par>
-                                <p:cTn id="23" presetID="1" presetClass="entr" presetSubtype="0" fill="hold" nodeType="withEffect">
+                                <p:cTn id="23" presetID="1" presetClass="entr" presetSubtype="0" fill="hold" grpId="0" nodeType="clickEffect">
                                   <p:stCondLst>
                                     <p:cond delay="0"/>
                                   </p:stCondLst>
@@ -17082,7 +18150,7 @@
                                           </p:stCondLst>
                                         </p:cTn>
                                         <p:tgtEl>
-                                          <p:spTgt spid="31"/>
+                                          <p:spTgt spid="10"/>
                                         </p:tgtEl>
                                         <p:attrNameLst>
                                           <p:attrName>style.visibility</p:attrName>
@@ -17109,78 +18177,6 @@
                                           </p:stCondLst>
                                         </p:cTn>
                                         <p:tgtEl>
-                                          <p:spTgt spid="16"/>
-                                        </p:tgtEl>
-                                        <p:attrNameLst>
-                                          <p:attrName>style.visibility</p:attrName>
-                                        </p:attrNameLst>
-                                      </p:cBhvr>
-                                      <p:to>
-                                        <p:strVal val="visible"/>
-                                      </p:to>
-                                    </p:set>
-                                  </p:childTnLst>
-                                </p:cTn>
-                              </p:par>
-                            </p:childTnLst>
-                          </p:cTn>
-                        </p:par>
-                      </p:childTnLst>
-                    </p:cTn>
-                  </p:par>
-                  <p:par>
-                    <p:cTn id="27" fill="hold">
-                      <p:stCondLst>
-                        <p:cond delay="indefinite"/>
-                      </p:stCondLst>
-                      <p:childTnLst>
-                        <p:par>
-                          <p:cTn id="28" fill="hold">
-                            <p:stCondLst>
-                              <p:cond delay="0"/>
-                            </p:stCondLst>
-                            <p:childTnLst>
-                              <p:par>
-                                <p:cTn id="29" presetID="1" presetClass="entr" presetSubtype="0" fill="hold" grpId="0" nodeType="clickEffect">
-                                  <p:stCondLst>
-                                    <p:cond delay="0"/>
-                                  </p:stCondLst>
-                                  <p:childTnLst>
-                                    <p:set>
-                                      <p:cBhvr>
-                                        <p:cTn id="30" dur="1" fill="hold">
-                                          <p:stCondLst>
-                                            <p:cond delay="0"/>
-                                          </p:stCondLst>
-                                        </p:cTn>
-                                        <p:tgtEl>
-                                          <p:spTgt spid="10"/>
-                                        </p:tgtEl>
-                                        <p:attrNameLst>
-                                          <p:attrName>style.visibility</p:attrName>
-                                        </p:attrNameLst>
-                                      </p:cBhvr>
-                                      <p:to>
-                                        <p:strVal val="visible"/>
-                                      </p:to>
-                                    </p:set>
-                                  </p:childTnLst>
-                                </p:cTn>
-                              </p:par>
-                              <p:par>
-                                <p:cTn id="31" presetID="1" presetClass="entr" presetSubtype="0" fill="hold" nodeType="withEffect">
-                                  <p:stCondLst>
-                                    <p:cond delay="0"/>
-                                  </p:stCondLst>
-                                  <p:childTnLst>
-                                    <p:set>
-                                      <p:cBhvr>
-                                        <p:cTn id="32" dur="1" fill="hold">
-                                          <p:stCondLst>
-                                            <p:cond delay="0"/>
-                                          </p:stCondLst>
-                                        </p:cTn>
-                                        <p:tgtEl>
                                           <p:spTgt spid="21"/>
                                         </p:tgtEl>
                                         <p:attrNameLst>
@@ -17195,14 +18191,14 @@
                                 </p:cTn>
                               </p:par>
                               <p:par>
-                                <p:cTn id="33" presetID="1" presetClass="entr" presetSubtype="0" fill="hold" nodeType="withEffect">
+                                <p:cTn id="27" presetID="1" presetClass="entr" presetSubtype="0" fill="hold" nodeType="withEffect">
                                   <p:stCondLst>
                                     <p:cond delay="0"/>
                                   </p:stCondLst>
                                   <p:childTnLst>
                                     <p:set>
                                       <p:cBhvr>
-                                        <p:cTn id="34" dur="1" fill="hold">
+                                        <p:cTn id="28" dur="1" fill="hold">
                                           <p:stCondLst>
                                             <p:cond delay="0"/>
                                           </p:stCondLst>
@@ -17252,7 +18248,8 @@
       <p:bldP spid="6" grpId="0" animBg="1"/>
       <p:bldP spid="8" grpId="0" animBg="1"/>
       <p:bldP spid="10" grpId="0" animBg="1"/>
-      <p:bldP spid="22" grpId="0"/>
+      <p:bldP spid="2" grpId="0"/>
+      <p:bldP spid="18" grpId="0"/>
     </p:bldLst>
   </p:timing>
 </p:sld>
@@ -17326,35 +18323,35 @@
                 <a:gridCol w="1565178">
                   <a:extLst>
                     <a:ext uri="{9D8B030D-6E8A-4147-A177-3AD203B41FA5}">
-                      <a16:colId xmlns:a16="http://schemas.microsoft.com/office/drawing/2014/main" val="20000"/>
+                      <a16:colId xmlns="" xmlns:a16="http://schemas.microsoft.com/office/drawing/2014/main" val="20000"/>
                     </a:ext>
                   </a:extLst>
                 </a:gridCol>
                 <a:gridCol w="1323694">
                   <a:extLst>
                     <a:ext uri="{9D8B030D-6E8A-4147-A177-3AD203B41FA5}">
-                      <a16:colId xmlns:a16="http://schemas.microsoft.com/office/drawing/2014/main" val="20001"/>
+                      <a16:colId xmlns="" xmlns:a16="http://schemas.microsoft.com/office/drawing/2014/main" val="20001"/>
                     </a:ext>
                   </a:extLst>
                 </a:gridCol>
                 <a:gridCol w="1431021">
                   <a:extLst>
                     <a:ext uri="{9D8B030D-6E8A-4147-A177-3AD203B41FA5}">
-                      <a16:colId xmlns:a16="http://schemas.microsoft.com/office/drawing/2014/main" val="20002"/>
+                      <a16:colId xmlns="" xmlns:a16="http://schemas.microsoft.com/office/drawing/2014/main" val="20002"/>
                     </a:ext>
                   </a:extLst>
                 </a:gridCol>
                 <a:gridCol w="1779833">
                   <a:extLst>
                     <a:ext uri="{9D8B030D-6E8A-4147-A177-3AD203B41FA5}">
-                      <a16:colId xmlns:a16="http://schemas.microsoft.com/office/drawing/2014/main" val="20003"/>
+                      <a16:colId xmlns="" xmlns:a16="http://schemas.microsoft.com/office/drawing/2014/main" val="20003"/>
                     </a:ext>
                   </a:extLst>
                 </a:gridCol>
                 <a:gridCol w="1752812">
                   <a:extLst>
                     <a:ext uri="{9D8B030D-6E8A-4147-A177-3AD203B41FA5}">
-                      <a16:colId xmlns:a16="http://schemas.microsoft.com/office/drawing/2014/main" val="20004"/>
+                      <a16:colId xmlns="" xmlns:a16="http://schemas.microsoft.com/office/drawing/2014/main" val="20004"/>
                     </a:ext>
                   </a:extLst>
                 </a:gridCol>
@@ -17463,7 +18460,7 @@
                 </a:tc>
                 <a:extLst>
                   <a:ext uri="{0D108BD9-81ED-4DB2-BD59-A6C34878D82A}">
-                    <a16:rowId xmlns:a16="http://schemas.microsoft.com/office/drawing/2014/main" val="10000"/>
+                    <a16:rowId xmlns="" xmlns:a16="http://schemas.microsoft.com/office/drawing/2014/main" val="10000"/>
                   </a:ext>
                 </a:extLst>
               </a:tr>
@@ -17725,7 +18722,7 @@
                 </a:tc>
                 <a:extLst>
                   <a:ext uri="{0D108BD9-81ED-4DB2-BD59-A6C34878D82A}">
-                    <a16:rowId xmlns:a16="http://schemas.microsoft.com/office/drawing/2014/main" val="10001"/>
+                    <a16:rowId xmlns="" xmlns:a16="http://schemas.microsoft.com/office/drawing/2014/main" val="10001"/>
                   </a:ext>
                 </a:extLst>
               </a:tr>
@@ -17949,7 +18946,7 @@
                 </a:tc>
                 <a:extLst>
                   <a:ext uri="{0D108BD9-81ED-4DB2-BD59-A6C34878D82A}">
-                    <a16:rowId xmlns:a16="http://schemas.microsoft.com/office/drawing/2014/main" val="10002"/>
+                    <a16:rowId xmlns="" xmlns:a16="http://schemas.microsoft.com/office/drawing/2014/main" val="10002"/>
                   </a:ext>
                 </a:extLst>
               </a:tr>
@@ -18211,7 +19208,7 @@
                 </a:tc>
                 <a:extLst>
                   <a:ext uri="{0D108BD9-81ED-4DB2-BD59-A6C34878D82A}">
-                    <a16:rowId xmlns:a16="http://schemas.microsoft.com/office/drawing/2014/main" val="10003"/>
+                    <a16:rowId xmlns="" xmlns:a16="http://schemas.microsoft.com/office/drawing/2014/main" val="10003"/>
                   </a:ext>
                 </a:extLst>
               </a:tr>
@@ -18485,7 +19482,7 @@
                 </a:tc>
                 <a:extLst>
                   <a:ext uri="{0D108BD9-81ED-4DB2-BD59-A6C34878D82A}">
-                    <a16:rowId xmlns:a16="http://schemas.microsoft.com/office/drawing/2014/main" val="10004"/>
+                    <a16:rowId xmlns="" xmlns:a16="http://schemas.microsoft.com/office/drawing/2014/main" val="10004"/>
                   </a:ext>
                 </a:extLst>
               </a:tr>
@@ -18709,7 +19706,7 @@
                 </a:tc>
                 <a:extLst>
                   <a:ext uri="{0D108BD9-81ED-4DB2-BD59-A6C34878D82A}">
-                    <a16:rowId xmlns:a16="http://schemas.microsoft.com/office/drawing/2014/main" val="10005"/>
+                    <a16:rowId xmlns="" xmlns:a16="http://schemas.microsoft.com/office/drawing/2014/main" val="10005"/>
                   </a:ext>
                 </a:extLst>
               </a:tr>
@@ -18945,7 +19942,7 @@
                 </a:tc>
                 <a:extLst>
                   <a:ext uri="{0D108BD9-81ED-4DB2-BD59-A6C34878D82A}">
-                    <a16:rowId xmlns:a16="http://schemas.microsoft.com/office/drawing/2014/main" val="10006"/>
+                    <a16:rowId xmlns="" xmlns:a16="http://schemas.microsoft.com/office/drawing/2014/main" val="10006"/>
                   </a:ext>
                 </a:extLst>
               </a:tr>
@@ -19165,7 +20162,7 @@
                 </a:tc>
                 <a:extLst>
                   <a:ext uri="{0D108BD9-81ED-4DB2-BD59-A6C34878D82A}">
-                    <a16:rowId xmlns:a16="http://schemas.microsoft.com/office/drawing/2014/main" val="10007"/>
+                    <a16:rowId xmlns="" xmlns:a16="http://schemas.microsoft.com/office/drawing/2014/main" val="10007"/>
                   </a:ext>
                 </a:extLst>
               </a:tr>
@@ -19230,7 +20227,7 @@
   <p:timing>
     <p:tnLst>
       <p:par>
-        <p:cTn id="1" dur="indefinite" restart="never" nodeType="tmRoot">
+        <p:cTn xmlns:p14="http://schemas.microsoft.com/office/powerpoint/2010/main" id="1" dur="indefinite" restart="never" nodeType="tmRoot">
           <p:childTnLst>
             <p:seq concurrent="1" nextAc="seek">
               <p:cTn id="2" dur="indefinite" nodeType="mainSeq">
@@ -20219,7 +21216,7 @@
   <p:timing>
     <p:tnLst>
       <p:par>
-        <p:cTn id="1" dur="indefinite" restart="never" nodeType="tmRoot">
+        <p:cTn xmlns:p14="http://schemas.microsoft.com/office/powerpoint/2010/main" id="1" dur="indefinite" restart="never" nodeType="tmRoot">
           <p:childTnLst>
             <p:seq concurrent="1" nextAc="seek">
               <p:cTn id="2" dur="indefinite" nodeType="mainSeq">
@@ -20856,7 +21853,7 @@
   <p:timing>
     <p:tnLst>
       <p:par>
-        <p:cTn id="1" dur="indefinite" restart="never" nodeType="tmRoot"/>
+        <p:cTn xmlns:p14="http://schemas.microsoft.com/office/powerpoint/2010/main" id="1" dur="indefinite" restart="never" nodeType="tmRoot"/>
       </p:par>
     </p:tnLst>
   </p:timing>
@@ -21216,18 +22213,18 @@
   <p:clrMapOvr>
     <a:masterClrMapping/>
   </p:clrMapOvr>
-  <mc:AlternateContent xmlns:mc="http://schemas.openxmlformats.org/markup-compatibility/2006" xmlns:p14="http://schemas.microsoft.com/office/powerpoint/2010/main">
-    <mc:Choice Requires="p14">
+  <mc:AlternateContent xmlns:mc="http://schemas.openxmlformats.org/markup-compatibility/2006">
+    <mc:Choice xmlns:p14="http://schemas.microsoft.com/office/powerpoint/2010/main" Requires="p14">
       <p:transition spd="slow" p14:dur="2000"/>
     </mc:Choice>
-    <mc:Fallback xmlns="">
+    <mc:Fallback>
       <p:transition xmlns:p14="http://schemas.microsoft.com/office/powerpoint/2010/main" spd="slow"/>
     </mc:Fallback>
   </mc:AlternateContent>
   <p:timing>
     <p:tnLst>
       <p:par>
-        <p:cTn id="1" dur="indefinite" restart="never" nodeType="tmRoot"/>
+        <p:cTn xmlns:p14="http://schemas.microsoft.com/office/powerpoint/2010/main" id="1" dur="indefinite" restart="never" nodeType="tmRoot"/>
       </p:par>
     </p:tnLst>
   </p:timing>
@@ -21377,18 +22374,18 @@
   <p:clrMapOvr>
     <a:masterClrMapping/>
   </p:clrMapOvr>
-  <mc:AlternateContent xmlns:mc="http://schemas.openxmlformats.org/markup-compatibility/2006" xmlns:p14="http://schemas.microsoft.com/office/powerpoint/2010/main">
-    <mc:Choice Requires="p14">
+  <mc:AlternateContent xmlns:mc="http://schemas.openxmlformats.org/markup-compatibility/2006">
+    <mc:Choice xmlns:p14="http://schemas.microsoft.com/office/powerpoint/2010/main" Requires="p14">
       <p:transition spd="slow" p14:dur="2000"/>
     </mc:Choice>
-    <mc:Fallback xmlns="">
+    <mc:Fallback>
       <p:transition xmlns:p14="http://schemas.microsoft.com/office/powerpoint/2010/main" spd="slow"/>
     </mc:Fallback>
   </mc:AlternateContent>
   <p:timing>
     <p:tnLst>
       <p:par>
-        <p:cTn id="1" dur="indefinite" restart="never" nodeType="tmRoot"/>
+        <p:cTn xmlns:p14="http://schemas.microsoft.com/office/powerpoint/2010/main" id="1" dur="indefinite" restart="never" nodeType="tmRoot"/>
       </p:par>
     </p:tnLst>
   </p:timing>
@@ -21650,7 +22647,7 @@
   <a:extraClrSchemeLst/>
   <a:extLst>
     <a:ext uri="{05A4C25C-085E-4340-85A3-A5531E510DB2}">
-      <thm15:themeFamily xmlns:thm15="http://schemas.microsoft.com/office/thememl/2012/main" name="Office Theme" id="{62F939B6-93AF-4DB8-9C6B-D6C7DFDC589F}" vid="{4A3C46E8-61CC-4603-A589-7422A47A8E4A}"/>
+      <thm15:themeFamily xmlns="" xmlns:thm15="http://schemas.microsoft.com/office/thememl/2012/main" name="Office Theme" id="{62F939B6-93AF-4DB8-9C6B-D6C7DFDC589F}" vid="{4A3C46E8-61CC-4603-A589-7422A47A8E4A}"/>
     </a:ext>
   </a:extLst>
 </a:theme>
@@ -21911,7 +22908,7 @@
   <a:extraClrSchemeLst/>
   <a:extLst>
     <a:ext uri="{05A4C25C-085E-4340-85A3-A5531E510DB2}">
-      <thm15:themeFamily xmlns:thm15="http://schemas.microsoft.com/office/thememl/2012/main" name="Office Theme" id="{62F939B6-93AF-4DB8-9C6B-D6C7DFDC589F}" vid="{4A3C46E8-61CC-4603-A589-7422A47A8E4A}"/>
+      <thm15:themeFamily xmlns="" xmlns:thm15="http://schemas.microsoft.com/office/thememl/2012/main" name="Office Theme" id="{62F939B6-93AF-4DB8-9C6B-D6C7DFDC589F}" vid="{4A3C46E8-61CC-4603-A589-7422A47A8E4A}"/>
     </a:ext>
   </a:extLst>
 </a:theme>
